--- a/statics/slides/2023-Fall-Practicum Talk.pptx
+++ b/statics/slides/2023-Fall-Practicum Talk.pptx
@@ -14973,7 +14973,7 @@
           <a:p>
             <a:fld id="{106FE443-74C4-499B-B94E-38139690B594}" type="datetimeFigureOut">
               <a:rPr lang="zh-CN" altLang="en-US" smtClean="0"/>
-              <a:t>2023/9/23</a:t>
+              <a:t>2023/9/24</a:t>
             </a:fld>
             <a:endParaRPr lang="zh-CN" altLang="en-US"/>
           </a:p>
@@ -16180,7 +16180,7 @@
           <a:p>
             <a:fld id="{E72028D4-BDA7-48F1-97BA-5449C377C1F7}" type="datetime1">
               <a:rPr lang="zh-CN" altLang="en-US" smtClean="0"/>
-              <a:t>2023/9/23</a:t>
+              <a:t>2023/9/24</a:t>
             </a:fld>
             <a:endParaRPr lang="zh-CN" altLang="en-US"/>
           </a:p>
@@ -16378,7 +16378,7 @@
           <a:p>
             <a:fld id="{E38F565A-8440-471E-8848-814D992211A1}" type="datetime1">
               <a:rPr lang="zh-CN" altLang="en-US" smtClean="0"/>
-              <a:t>2023/9/23</a:t>
+              <a:t>2023/9/24</a:t>
             </a:fld>
             <a:endParaRPr lang="zh-CN" altLang="en-US"/>
           </a:p>
@@ -16586,7 +16586,7 @@
           <a:p>
             <a:fld id="{9CC89AAA-C284-49AE-87F3-513C91A46E86}" type="datetime1">
               <a:rPr lang="zh-CN" altLang="en-US" smtClean="0"/>
-              <a:t>2023/9/23</a:t>
+              <a:t>2023/9/24</a:t>
             </a:fld>
             <a:endParaRPr lang="zh-CN" altLang="en-US"/>
           </a:p>
@@ -16784,7 +16784,7 @@
           <a:p>
             <a:fld id="{CF682199-90A7-47A3-ACA4-94ABDAEA65D2}" type="datetime1">
               <a:rPr lang="zh-CN" altLang="en-US" smtClean="0"/>
-              <a:t>2023/9/23</a:t>
+              <a:t>2023/9/24</a:t>
             </a:fld>
             <a:endParaRPr lang="zh-CN" altLang="en-US"/>
           </a:p>
@@ -17059,7 +17059,7 @@
           <a:p>
             <a:fld id="{57B4A720-9266-4F21-B1D5-A546C6B171E2}" type="datetime1">
               <a:rPr lang="zh-CN" altLang="en-US" smtClean="0"/>
-              <a:t>2023/9/23</a:t>
+              <a:t>2023/9/24</a:t>
             </a:fld>
             <a:endParaRPr lang="zh-CN" altLang="en-US"/>
           </a:p>
@@ -17324,7 +17324,7 @@
           <a:p>
             <a:fld id="{A3A2F5F4-D417-4F90-8628-3D209E28D6E7}" type="datetime1">
               <a:rPr lang="zh-CN" altLang="en-US" smtClean="0"/>
-              <a:t>2023/9/23</a:t>
+              <a:t>2023/9/24</a:t>
             </a:fld>
             <a:endParaRPr lang="zh-CN" altLang="en-US"/>
           </a:p>
@@ -17736,7 +17736,7 @@
           <a:p>
             <a:fld id="{8D9761D2-4B29-4C41-A866-55E3457D1F34}" type="datetime1">
               <a:rPr lang="zh-CN" altLang="en-US" smtClean="0"/>
-              <a:t>2023/9/23</a:t>
+              <a:t>2023/9/24</a:t>
             </a:fld>
             <a:endParaRPr lang="zh-CN" altLang="en-US"/>
           </a:p>
@@ -17877,7 +17877,7 @@
           <a:p>
             <a:fld id="{AC7DDA61-DECA-4E13-8DD1-21A894F56E1C}" type="datetime1">
               <a:rPr lang="zh-CN" altLang="en-US" smtClean="0"/>
-              <a:t>2023/9/23</a:t>
+              <a:t>2023/9/24</a:t>
             </a:fld>
             <a:endParaRPr lang="zh-CN" altLang="en-US"/>
           </a:p>
@@ -17990,7 +17990,7 @@
           <a:p>
             <a:fld id="{0DBFB9FA-2AB9-4F99-86A7-BB6208662C5A}" type="datetime1">
               <a:rPr lang="zh-CN" altLang="en-US" smtClean="0"/>
-              <a:t>2023/9/23</a:t>
+              <a:t>2023/9/24</a:t>
             </a:fld>
             <a:endParaRPr lang="zh-CN" altLang="en-US"/>
           </a:p>
@@ -18301,7 +18301,7 @@
           <a:p>
             <a:fld id="{856EBE9C-F7E3-4BBF-980C-FE671B31260E}" type="datetime1">
               <a:rPr lang="zh-CN" altLang="en-US" smtClean="0"/>
-              <a:t>2023/9/23</a:t>
+              <a:t>2023/9/24</a:t>
             </a:fld>
             <a:endParaRPr lang="zh-CN" altLang="en-US"/>
           </a:p>
@@ -18589,7 +18589,7 @@
           <a:p>
             <a:fld id="{9BEAA614-C2FC-4E03-A9B7-1CC8EB72169B}" type="datetime1">
               <a:rPr lang="zh-CN" altLang="en-US" smtClean="0"/>
-              <a:t>2023/9/23</a:t>
+              <a:t>2023/9/24</a:t>
             </a:fld>
             <a:endParaRPr lang="zh-CN" altLang="en-US"/>
           </a:p>
@@ -18830,7 +18830,7 @@
           <a:p>
             <a:fld id="{0BE153CE-BD76-4431-90A5-9AC664E7DF69}" type="datetime1">
               <a:rPr lang="zh-CN" altLang="en-US" smtClean="0"/>
-              <a:t>2023/9/23</a:t>
+              <a:t>2023/9/24</a:t>
             </a:fld>
             <a:endParaRPr lang="zh-CN" altLang="en-US"/>
           </a:p>
@@ -21536,6 +21536,147 @@
   <p:clrMapOvr>
     <a:masterClrMapping/>
   </p:clrMapOvr>
+  <p:timing>
+    <p:tnLst>
+      <p:par>
+        <p:cTn id="1" dur="indefinite" restart="never" nodeType="tmRoot">
+          <p:childTnLst>
+            <p:seq concurrent="1" nextAc="seek">
+              <p:cTn id="2" dur="indefinite" nodeType="mainSeq">
+                <p:childTnLst>
+                  <p:par>
+                    <p:cTn id="3" fill="hold">
+                      <p:stCondLst>
+                        <p:cond delay="indefinite"/>
+                      </p:stCondLst>
+                      <p:childTnLst>
+                        <p:par>
+                          <p:cTn id="4" fill="hold">
+                            <p:stCondLst>
+                              <p:cond delay="0"/>
+                            </p:stCondLst>
+                            <p:childTnLst>
+                              <p:par>
+                                <p:cTn id="5" presetID="1" presetClass="entr" presetSubtype="0" fill="hold" nodeType="clickEffect">
+                                  <p:stCondLst>
+                                    <p:cond delay="0"/>
+                                  </p:stCondLst>
+                                  <p:childTnLst>
+                                    <p:set>
+                                      <p:cBhvr>
+                                        <p:cTn id="6" dur="1" fill="hold">
+                                          <p:stCondLst>
+                                            <p:cond delay="0"/>
+                                          </p:stCondLst>
+                                        </p:cTn>
+                                        <p:tgtEl>
+                                          <p:spTgt spid="6">
+                                            <p:txEl>
+                                              <p:pRg st="4" end="4"/>
+                                            </p:txEl>
+                                          </p:spTgt>
+                                        </p:tgtEl>
+                                        <p:attrNameLst>
+                                          <p:attrName>style.visibility</p:attrName>
+                                        </p:attrNameLst>
+                                      </p:cBhvr>
+                                      <p:to>
+                                        <p:strVal val="visible"/>
+                                      </p:to>
+                                    </p:set>
+                                  </p:childTnLst>
+                                </p:cTn>
+                              </p:par>
+                              <p:par>
+                                <p:cTn id="7" presetID="1" presetClass="entr" presetSubtype="0" fill="hold" nodeType="withEffect">
+                                  <p:stCondLst>
+                                    <p:cond delay="0"/>
+                                  </p:stCondLst>
+                                  <p:childTnLst>
+                                    <p:set>
+                                      <p:cBhvr>
+                                        <p:cTn id="8" dur="1" fill="hold">
+                                          <p:stCondLst>
+                                            <p:cond delay="0"/>
+                                          </p:stCondLst>
+                                        </p:cTn>
+                                        <p:tgtEl>
+                                          <p:spTgt spid="6">
+                                            <p:txEl>
+                                              <p:pRg st="5" end="5"/>
+                                            </p:txEl>
+                                          </p:spTgt>
+                                        </p:tgtEl>
+                                        <p:attrNameLst>
+                                          <p:attrName>style.visibility</p:attrName>
+                                        </p:attrNameLst>
+                                      </p:cBhvr>
+                                      <p:to>
+                                        <p:strVal val="visible"/>
+                                      </p:to>
+                                    </p:set>
+                                  </p:childTnLst>
+                                </p:cTn>
+                              </p:par>
+                              <p:par>
+                                <p:cTn id="9" presetID="1" presetClass="entr" presetSubtype="0" fill="hold" nodeType="withEffect">
+                                  <p:stCondLst>
+                                    <p:cond delay="0"/>
+                                  </p:stCondLst>
+                                  <p:childTnLst>
+                                    <p:set>
+                                      <p:cBhvr>
+                                        <p:cTn id="10" dur="1" fill="hold">
+                                          <p:stCondLst>
+                                            <p:cond delay="0"/>
+                                          </p:stCondLst>
+                                        </p:cTn>
+                                        <p:tgtEl>
+                                          <p:spTgt spid="6">
+                                            <p:txEl>
+                                              <p:pRg st="6" end="6"/>
+                                            </p:txEl>
+                                          </p:spTgt>
+                                        </p:tgtEl>
+                                        <p:attrNameLst>
+                                          <p:attrName>style.visibility</p:attrName>
+                                        </p:attrNameLst>
+                                      </p:cBhvr>
+                                      <p:to>
+                                        <p:strVal val="visible"/>
+                                      </p:to>
+                                    </p:set>
+                                  </p:childTnLst>
+                                </p:cTn>
+                              </p:par>
+                            </p:childTnLst>
+                          </p:cTn>
+                        </p:par>
+                      </p:childTnLst>
+                    </p:cTn>
+                  </p:par>
+                </p:childTnLst>
+              </p:cTn>
+              <p:prevCondLst>
+                <p:cond evt="onPrev" delay="0">
+                  <p:tgtEl>
+                    <p:sldTgt/>
+                  </p:tgtEl>
+                </p:cond>
+              </p:prevCondLst>
+              <p:nextCondLst>
+                <p:cond evt="onNext" delay="0">
+                  <p:tgtEl>
+                    <p:sldTgt/>
+                  </p:tgtEl>
+                </p:cond>
+              </p:nextCondLst>
+            </p:seq>
+          </p:childTnLst>
+        </p:cTn>
+      </p:par>
+    </p:tnLst>
+  </p:timing>
 </p:sld>
 </file>
 
@@ -21717,6 +21858,178 @@
   <p:clrMapOvr>
     <a:masterClrMapping/>
   </p:clrMapOvr>
+  <p:timing>
+    <p:tnLst>
+      <p:par>
+        <p:cTn id="1" dur="indefinite" restart="never" nodeType="tmRoot">
+          <p:childTnLst>
+            <p:seq concurrent="1" nextAc="seek">
+              <p:cTn id="2" dur="indefinite" nodeType="mainSeq">
+                <p:childTnLst>
+                  <p:par>
+                    <p:cTn id="3" fill="hold">
+                      <p:stCondLst>
+                        <p:cond delay="indefinite"/>
+                      </p:stCondLst>
+                      <p:childTnLst>
+                        <p:par>
+                          <p:cTn id="4" fill="hold">
+                            <p:stCondLst>
+                              <p:cond delay="0"/>
+                            </p:stCondLst>
+                            <p:childTnLst>
+                              <p:par>
+                                <p:cTn id="5" presetID="1" presetClass="entr" presetSubtype="0" fill="hold" nodeType="clickEffect">
+                                  <p:stCondLst>
+                                    <p:cond delay="0"/>
+                                  </p:stCondLst>
+                                  <p:childTnLst>
+                                    <p:set>
+                                      <p:cBhvr>
+                                        <p:cTn id="6" dur="1" fill="hold">
+                                          <p:stCondLst>
+                                            <p:cond delay="0"/>
+                                          </p:stCondLst>
+                                        </p:cTn>
+                                        <p:tgtEl>
+                                          <p:spTgt spid="6">
+                                            <p:txEl>
+                                              <p:pRg st="5" end="5"/>
+                                            </p:txEl>
+                                          </p:spTgt>
+                                        </p:tgtEl>
+                                        <p:attrNameLst>
+                                          <p:attrName>style.visibility</p:attrName>
+                                        </p:attrNameLst>
+                                      </p:cBhvr>
+                                      <p:to>
+                                        <p:strVal val="visible"/>
+                                      </p:to>
+                                    </p:set>
+                                  </p:childTnLst>
+                                </p:cTn>
+                              </p:par>
+                              <p:par>
+                                <p:cTn id="7" presetID="1" presetClass="entr" presetSubtype="0" fill="hold" nodeType="withEffect">
+                                  <p:stCondLst>
+                                    <p:cond delay="0"/>
+                                  </p:stCondLst>
+                                  <p:childTnLst>
+                                    <p:set>
+                                      <p:cBhvr>
+                                        <p:cTn id="8" dur="1" fill="hold">
+                                          <p:stCondLst>
+                                            <p:cond delay="0"/>
+                                          </p:stCondLst>
+                                        </p:cTn>
+                                        <p:tgtEl>
+                                          <p:spTgt spid="6">
+                                            <p:txEl>
+                                              <p:pRg st="6" end="6"/>
+                                            </p:txEl>
+                                          </p:spTgt>
+                                        </p:tgtEl>
+                                        <p:attrNameLst>
+                                          <p:attrName>style.visibility</p:attrName>
+                                        </p:attrNameLst>
+                                      </p:cBhvr>
+                                      <p:to>
+                                        <p:strVal val="visible"/>
+                                      </p:to>
+                                    </p:set>
+                                  </p:childTnLst>
+                                </p:cTn>
+                              </p:par>
+                              <p:par>
+                                <p:cTn id="9" presetID="1" presetClass="entr" presetSubtype="0" fill="hold" nodeType="withEffect">
+                                  <p:stCondLst>
+                                    <p:cond delay="0"/>
+                                  </p:stCondLst>
+                                  <p:childTnLst>
+                                    <p:set>
+                                      <p:cBhvr>
+                                        <p:cTn id="10" dur="1" fill="hold">
+                                          <p:stCondLst>
+                                            <p:cond delay="0"/>
+                                          </p:stCondLst>
+                                        </p:cTn>
+                                        <p:tgtEl>
+                                          <p:spTgt spid="6">
+                                            <p:txEl>
+                                              <p:pRg st="7" end="7"/>
+                                            </p:txEl>
+                                          </p:spTgt>
+                                        </p:tgtEl>
+                                        <p:attrNameLst>
+                                          <p:attrName>style.visibility</p:attrName>
+                                        </p:attrNameLst>
+                                      </p:cBhvr>
+                                      <p:to>
+                                        <p:strVal val="visible"/>
+                                      </p:to>
+                                    </p:set>
+                                  </p:childTnLst>
+                                </p:cTn>
+                              </p:par>
+                              <p:par>
+                                <p:cTn id="11" presetID="1" presetClass="entr" presetSubtype="0" fill="hold" nodeType="withEffect">
+                                  <p:stCondLst>
+                                    <p:cond delay="0"/>
+                                  </p:stCondLst>
+                                  <p:childTnLst>
+                                    <p:set>
+                                      <p:cBhvr>
+                                        <p:cTn id="12" dur="1" fill="hold">
+                                          <p:stCondLst>
+                                            <p:cond delay="0"/>
+                                          </p:stCondLst>
+                                        </p:cTn>
+                                        <p:tgtEl>
+                                          <p:spTgt spid="6">
+                                            <p:txEl>
+                                              <p:pRg st="8" end="8"/>
+                                            </p:txEl>
+                                          </p:spTgt>
+                                        </p:tgtEl>
+                                        <p:attrNameLst>
+                                          <p:attrName>style.visibility</p:attrName>
+                                        </p:attrNameLst>
+                                      </p:cBhvr>
+                                      <p:to>
+                                        <p:strVal val="visible"/>
+                                      </p:to>
+                                    </p:set>
+                                  </p:childTnLst>
+                                </p:cTn>
+                              </p:par>
+                            </p:childTnLst>
+                          </p:cTn>
+                        </p:par>
+                      </p:childTnLst>
+                    </p:cTn>
+                  </p:par>
+                </p:childTnLst>
+              </p:cTn>
+              <p:prevCondLst>
+                <p:cond evt="onPrev" delay="0">
+                  <p:tgtEl>
+                    <p:sldTgt/>
+                  </p:tgtEl>
+                </p:cond>
+              </p:prevCondLst>
+              <p:nextCondLst>
+                <p:cond evt="onNext" delay="0">
+                  <p:tgtEl>
+                    <p:sldTgt/>
+                  </p:tgtEl>
+                </p:cond>
+              </p:nextCondLst>
+            </p:seq>
+          </p:childTnLst>
+        </p:cTn>
+      </p:par>
+    </p:tnLst>
+  </p:timing>
 </p:sld>
 </file>
 
@@ -22345,6 +22658,306 @@
   <p:clrMapOvr>
     <a:masterClrMapping/>
   </p:clrMapOvr>
+  <p:timing>
+    <p:tnLst>
+      <p:par>
+        <p:cTn id="1" dur="indefinite" restart="never" nodeType="tmRoot">
+          <p:childTnLst>
+            <p:seq concurrent="1" nextAc="seek">
+              <p:cTn id="2" dur="indefinite" nodeType="mainSeq">
+                <p:childTnLst>
+                  <p:par>
+                    <p:cTn id="3" fill="hold">
+                      <p:stCondLst>
+                        <p:cond delay="indefinite"/>
+                      </p:stCondLst>
+                      <p:childTnLst>
+                        <p:par>
+                          <p:cTn id="4" fill="hold">
+                            <p:stCondLst>
+                              <p:cond delay="0"/>
+                            </p:stCondLst>
+                            <p:childTnLst>
+                              <p:par>
+                                <p:cTn id="5" presetID="1" presetClass="entr" presetSubtype="0" fill="hold" grpId="0" nodeType="clickEffect">
+                                  <p:stCondLst>
+                                    <p:cond delay="0"/>
+                                  </p:stCondLst>
+                                  <p:childTnLst>
+                                    <p:set>
+                                      <p:cBhvr>
+                                        <p:cTn id="6" dur="1" fill="hold">
+                                          <p:stCondLst>
+                                            <p:cond delay="0"/>
+                                          </p:stCondLst>
+                                        </p:cTn>
+                                        <p:tgtEl>
+                                          <p:spTgt spid="6"/>
+                                        </p:tgtEl>
+                                        <p:attrNameLst>
+                                          <p:attrName>style.visibility</p:attrName>
+                                        </p:attrNameLst>
+                                      </p:cBhvr>
+                                      <p:to>
+                                        <p:strVal val="visible"/>
+                                      </p:to>
+                                    </p:set>
+                                  </p:childTnLst>
+                                </p:cTn>
+                              </p:par>
+                            </p:childTnLst>
+                          </p:cTn>
+                        </p:par>
+                      </p:childTnLst>
+                    </p:cTn>
+                  </p:par>
+                  <p:par>
+                    <p:cTn id="7" fill="hold">
+                      <p:stCondLst>
+                        <p:cond delay="indefinite"/>
+                      </p:stCondLst>
+                      <p:childTnLst>
+                        <p:par>
+                          <p:cTn id="8" fill="hold">
+                            <p:stCondLst>
+                              <p:cond delay="0"/>
+                            </p:stCondLst>
+                            <p:childTnLst>
+                              <p:par>
+                                <p:cTn id="9" presetID="1" presetClass="entr" presetSubtype="0" fill="hold" grpId="0" nodeType="clickEffect">
+                                  <p:stCondLst>
+                                    <p:cond delay="0"/>
+                                  </p:stCondLst>
+                                  <p:childTnLst>
+                                    <p:set>
+                                      <p:cBhvr>
+                                        <p:cTn id="10" dur="1" fill="hold">
+                                          <p:stCondLst>
+                                            <p:cond delay="0"/>
+                                          </p:stCondLst>
+                                        </p:cTn>
+                                        <p:tgtEl>
+                                          <p:spTgt spid="7"/>
+                                        </p:tgtEl>
+                                        <p:attrNameLst>
+                                          <p:attrName>style.visibility</p:attrName>
+                                        </p:attrNameLst>
+                                      </p:cBhvr>
+                                      <p:to>
+                                        <p:strVal val="visible"/>
+                                      </p:to>
+                                    </p:set>
+                                  </p:childTnLst>
+                                </p:cTn>
+                              </p:par>
+                            </p:childTnLst>
+                          </p:cTn>
+                        </p:par>
+                      </p:childTnLst>
+                    </p:cTn>
+                  </p:par>
+                  <p:par>
+                    <p:cTn id="11" fill="hold">
+                      <p:stCondLst>
+                        <p:cond delay="indefinite"/>
+                      </p:stCondLst>
+                      <p:childTnLst>
+                        <p:par>
+                          <p:cTn id="12" fill="hold">
+                            <p:stCondLst>
+                              <p:cond delay="0"/>
+                            </p:stCondLst>
+                            <p:childTnLst>
+                              <p:par>
+                                <p:cTn id="13" presetID="1" presetClass="entr" presetSubtype="0" fill="hold" grpId="0" nodeType="clickEffect">
+                                  <p:stCondLst>
+                                    <p:cond delay="0"/>
+                                  </p:stCondLst>
+                                  <p:childTnLst>
+                                    <p:set>
+                                      <p:cBhvr>
+                                        <p:cTn id="14" dur="1" fill="hold">
+                                          <p:stCondLst>
+                                            <p:cond delay="0"/>
+                                          </p:stCondLst>
+                                        </p:cTn>
+                                        <p:tgtEl>
+                                          <p:spTgt spid="8"/>
+                                        </p:tgtEl>
+                                        <p:attrNameLst>
+                                          <p:attrName>style.visibility</p:attrName>
+                                        </p:attrNameLst>
+                                      </p:cBhvr>
+                                      <p:to>
+                                        <p:strVal val="visible"/>
+                                      </p:to>
+                                    </p:set>
+                                  </p:childTnLst>
+                                </p:cTn>
+                              </p:par>
+                            </p:childTnLst>
+                          </p:cTn>
+                        </p:par>
+                      </p:childTnLst>
+                    </p:cTn>
+                  </p:par>
+                  <p:par>
+                    <p:cTn id="15" fill="hold">
+                      <p:stCondLst>
+                        <p:cond delay="indefinite"/>
+                      </p:stCondLst>
+                      <p:childTnLst>
+                        <p:par>
+                          <p:cTn id="16" fill="hold">
+                            <p:stCondLst>
+                              <p:cond delay="0"/>
+                            </p:stCondLst>
+                            <p:childTnLst>
+                              <p:par>
+                                <p:cTn id="17" presetID="1" presetClass="entr" presetSubtype="0" fill="hold" grpId="0" nodeType="clickEffect">
+                                  <p:stCondLst>
+                                    <p:cond delay="0"/>
+                                  </p:stCondLst>
+                                  <p:childTnLst>
+                                    <p:set>
+                                      <p:cBhvr>
+                                        <p:cTn id="18" dur="1" fill="hold">
+                                          <p:stCondLst>
+                                            <p:cond delay="0"/>
+                                          </p:stCondLst>
+                                        </p:cTn>
+                                        <p:tgtEl>
+                                          <p:spTgt spid="9"/>
+                                        </p:tgtEl>
+                                        <p:attrNameLst>
+                                          <p:attrName>style.visibility</p:attrName>
+                                        </p:attrNameLst>
+                                      </p:cBhvr>
+                                      <p:to>
+                                        <p:strVal val="visible"/>
+                                      </p:to>
+                                    </p:set>
+                                  </p:childTnLst>
+                                </p:cTn>
+                              </p:par>
+                              <p:par>
+                                <p:cTn id="19" presetID="1" presetClass="entr" presetSubtype="0" fill="hold" grpId="0" nodeType="withEffect">
+                                  <p:stCondLst>
+                                    <p:cond delay="0"/>
+                                  </p:stCondLst>
+                                  <p:childTnLst>
+                                    <p:set>
+                                      <p:cBhvr>
+                                        <p:cTn id="20" dur="1" fill="hold">
+                                          <p:stCondLst>
+                                            <p:cond delay="0"/>
+                                          </p:stCondLst>
+                                        </p:cTn>
+                                        <p:tgtEl>
+                                          <p:spTgt spid="10"/>
+                                        </p:tgtEl>
+                                        <p:attrNameLst>
+                                          <p:attrName>style.visibility</p:attrName>
+                                        </p:attrNameLst>
+                                      </p:cBhvr>
+                                      <p:to>
+                                        <p:strVal val="visible"/>
+                                      </p:to>
+                                    </p:set>
+                                  </p:childTnLst>
+                                </p:cTn>
+                              </p:par>
+                              <p:par>
+                                <p:cTn id="21" presetID="1" presetClass="entr" presetSubtype="0" fill="hold" grpId="0" nodeType="withEffect">
+                                  <p:stCondLst>
+                                    <p:cond delay="0"/>
+                                  </p:stCondLst>
+                                  <p:childTnLst>
+                                    <p:set>
+                                      <p:cBhvr>
+                                        <p:cTn id="22" dur="1" fill="hold">
+                                          <p:stCondLst>
+                                            <p:cond delay="0"/>
+                                          </p:stCondLst>
+                                        </p:cTn>
+                                        <p:tgtEl>
+                                          <p:spTgt spid="11"/>
+                                        </p:tgtEl>
+                                        <p:attrNameLst>
+                                          <p:attrName>style.visibility</p:attrName>
+                                        </p:attrNameLst>
+                                      </p:cBhvr>
+                                      <p:to>
+                                        <p:strVal val="visible"/>
+                                      </p:to>
+                                    </p:set>
+                                  </p:childTnLst>
+                                </p:cTn>
+                              </p:par>
+                              <p:par>
+                                <p:cTn id="23" presetID="1" presetClass="entr" presetSubtype="0" fill="hold" grpId="0" nodeType="withEffect">
+                                  <p:stCondLst>
+                                    <p:cond delay="0"/>
+                                  </p:stCondLst>
+                                  <p:childTnLst>
+                                    <p:set>
+                                      <p:cBhvr>
+                                        <p:cTn id="24" dur="1" fill="hold">
+                                          <p:stCondLst>
+                                            <p:cond delay="0"/>
+                                          </p:stCondLst>
+                                        </p:cTn>
+                                        <p:tgtEl>
+                                          <p:spTgt spid="12"/>
+                                        </p:tgtEl>
+                                        <p:attrNameLst>
+                                          <p:attrName>style.visibility</p:attrName>
+                                        </p:attrNameLst>
+                                      </p:cBhvr>
+                                      <p:to>
+                                        <p:strVal val="visible"/>
+                                      </p:to>
+                                    </p:set>
+                                  </p:childTnLst>
+                                </p:cTn>
+                              </p:par>
+                            </p:childTnLst>
+                          </p:cTn>
+                        </p:par>
+                      </p:childTnLst>
+                    </p:cTn>
+                  </p:par>
+                </p:childTnLst>
+              </p:cTn>
+              <p:prevCondLst>
+                <p:cond evt="onPrev" delay="0">
+                  <p:tgtEl>
+                    <p:sldTgt/>
+                  </p:tgtEl>
+                </p:cond>
+              </p:prevCondLst>
+              <p:nextCondLst>
+                <p:cond evt="onNext" delay="0">
+                  <p:tgtEl>
+                    <p:sldTgt/>
+                  </p:tgtEl>
+                </p:cond>
+              </p:nextCondLst>
+            </p:seq>
+          </p:childTnLst>
+        </p:cTn>
+      </p:par>
+    </p:tnLst>
+    <p:bldLst>
+      <p:bldP spid="6" grpId="0" animBg="1"/>
+      <p:bldP spid="7" grpId="0" animBg="1"/>
+      <p:bldP spid="8" grpId="0" animBg="1"/>
+      <p:bldP spid="9" grpId="0" animBg="1"/>
+      <p:bldP spid="10" grpId="0" animBg="1"/>
+      <p:bldP spid="11" grpId="0" animBg="1"/>
+      <p:bldP spid="12" grpId="0" animBg="1"/>
+    </p:bldLst>
+  </p:timing>
 </p:sld>
 </file>
 
@@ -24301,6 +24914,258 @@
   <p:clrMapOvr>
     <a:masterClrMapping/>
   </p:clrMapOvr>
+  <p:timing>
+    <p:tnLst>
+      <p:par>
+        <p:cTn id="1" dur="indefinite" restart="never" nodeType="tmRoot">
+          <p:childTnLst>
+            <p:seq concurrent="1" nextAc="seek">
+              <p:cTn id="2" dur="indefinite" nodeType="mainSeq">
+                <p:childTnLst>
+                  <p:par>
+                    <p:cTn id="3" fill="hold">
+                      <p:stCondLst>
+                        <p:cond delay="indefinite"/>
+                      </p:stCondLst>
+                      <p:childTnLst>
+                        <p:par>
+                          <p:cTn id="4" fill="hold">
+                            <p:stCondLst>
+                              <p:cond delay="0"/>
+                            </p:stCondLst>
+                            <p:childTnLst>
+                              <p:par>
+                                <p:cTn id="5" presetID="1" presetClass="entr" presetSubtype="0" fill="hold" nodeType="clickEffect">
+                                  <p:stCondLst>
+                                    <p:cond delay="0"/>
+                                  </p:stCondLst>
+                                  <p:childTnLst>
+                                    <p:set>
+                                      <p:cBhvr>
+                                        <p:cTn id="6" dur="1" fill="hold">
+                                          <p:stCondLst>
+                                            <p:cond delay="0"/>
+                                          </p:stCondLst>
+                                        </p:cTn>
+                                        <p:tgtEl>
+                                          <p:spTgt spid="3">
+                                            <p:txEl>
+                                              <p:pRg st="2" end="2"/>
+                                            </p:txEl>
+                                          </p:spTgt>
+                                        </p:tgtEl>
+                                        <p:attrNameLst>
+                                          <p:attrName>style.visibility</p:attrName>
+                                        </p:attrNameLst>
+                                      </p:cBhvr>
+                                      <p:to>
+                                        <p:strVal val="visible"/>
+                                      </p:to>
+                                    </p:set>
+                                  </p:childTnLst>
+                                </p:cTn>
+                              </p:par>
+                              <p:par>
+                                <p:cTn id="7" presetID="1" presetClass="entr" presetSubtype="0" fill="hold" nodeType="withEffect">
+                                  <p:stCondLst>
+                                    <p:cond delay="0"/>
+                                  </p:stCondLst>
+                                  <p:childTnLst>
+                                    <p:set>
+                                      <p:cBhvr>
+                                        <p:cTn id="8" dur="1" fill="hold">
+                                          <p:stCondLst>
+                                            <p:cond delay="0"/>
+                                          </p:stCondLst>
+                                        </p:cTn>
+                                        <p:tgtEl>
+                                          <p:spTgt spid="3">
+                                            <p:txEl>
+                                              <p:pRg st="3" end="3"/>
+                                            </p:txEl>
+                                          </p:spTgt>
+                                        </p:tgtEl>
+                                        <p:attrNameLst>
+                                          <p:attrName>style.visibility</p:attrName>
+                                        </p:attrNameLst>
+                                      </p:cBhvr>
+                                      <p:to>
+                                        <p:strVal val="visible"/>
+                                      </p:to>
+                                    </p:set>
+                                  </p:childTnLst>
+                                </p:cTn>
+                              </p:par>
+                              <p:par>
+                                <p:cTn id="9" presetID="1" presetClass="entr" presetSubtype="0" fill="hold" nodeType="withEffect">
+                                  <p:stCondLst>
+                                    <p:cond delay="0"/>
+                                  </p:stCondLst>
+                                  <p:childTnLst>
+                                    <p:set>
+                                      <p:cBhvr>
+                                        <p:cTn id="10" dur="1" fill="hold">
+                                          <p:stCondLst>
+                                            <p:cond delay="0"/>
+                                          </p:stCondLst>
+                                        </p:cTn>
+                                        <p:tgtEl>
+                                          <p:spTgt spid="3">
+                                            <p:txEl>
+                                              <p:pRg st="4" end="4"/>
+                                            </p:txEl>
+                                          </p:spTgt>
+                                        </p:tgtEl>
+                                        <p:attrNameLst>
+                                          <p:attrName>style.visibility</p:attrName>
+                                        </p:attrNameLst>
+                                      </p:cBhvr>
+                                      <p:to>
+                                        <p:strVal val="visible"/>
+                                      </p:to>
+                                    </p:set>
+                                  </p:childTnLst>
+                                </p:cTn>
+                              </p:par>
+                            </p:childTnLst>
+                          </p:cTn>
+                        </p:par>
+                      </p:childTnLst>
+                    </p:cTn>
+                  </p:par>
+                  <p:par>
+                    <p:cTn id="11" fill="hold">
+                      <p:stCondLst>
+                        <p:cond delay="indefinite"/>
+                      </p:stCondLst>
+                      <p:childTnLst>
+                        <p:par>
+                          <p:cTn id="12" fill="hold">
+                            <p:stCondLst>
+                              <p:cond delay="0"/>
+                            </p:stCondLst>
+                            <p:childTnLst>
+                              <p:par>
+                                <p:cTn id="13" presetID="1" presetClass="entr" presetSubtype="0" fill="hold" nodeType="clickEffect">
+                                  <p:stCondLst>
+                                    <p:cond delay="0"/>
+                                  </p:stCondLst>
+                                  <p:childTnLst>
+                                    <p:set>
+                                      <p:cBhvr>
+                                        <p:cTn id="14" dur="1" fill="hold">
+                                          <p:stCondLst>
+                                            <p:cond delay="0"/>
+                                          </p:stCondLst>
+                                        </p:cTn>
+                                        <p:tgtEl>
+                                          <p:spTgt spid="3">
+                                            <p:txEl>
+                                              <p:pRg st="5" end="5"/>
+                                            </p:txEl>
+                                          </p:spTgt>
+                                        </p:tgtEl>
+                                        <p:attrNameLst>
+                                          <p:attrName>style.visibility</p:attrName>
+                                        </p:attrNameLst>
+                                      </p:cBhvr>
+                                      <p:to>
+                                        <p:strVal val="visible"/>
+                                      </p:to>
+                                    </p:set>
+                                  </p:childTnLst>
+                                </p:cTn>
+                              </p:par>
+                              <p:par>
+                                <p:cTn id="15" presetID="1" presetClass="entr" presetSubtype="0" fill="hold" nodeType="withEffect">
+                                  <p:stCondLst>
+                                    <p:cond delay="0"/>
+                                  </p:stCondLst>
+                                  <p:childTnLst>
+                                    <p:set>
+                                      <p:cBhvr>
+                                        <p:cTn id="16" dur="1" fill="hold">
+                                          <p:stCondLst>
+                                            <p:cond delay="0"/>
+                                          </p:stCondLst>
+                                        </p:cTn>
+                                        <p:tgtEl>
+                                          <p:spTgt spid="3">
+                                            <p:txEl>
+                                              <p:pRg st="6" end="6"/>
+                                            </p:txEl>
+                                          </p:spTgt>
+                                        </p:tgtEl>
+                                        <p:attrNameLst>
+                                          <p:attrName>style.visibility</p:attrName>
+                                        </p:attrNameLst>
+                                      </p:cBhvr>
+                                      <p:to>
+                                        <p:strVal val="visible"/>
+                                      </p:to>
+                                    </p:set>
+                                  </p:childTnLst>
+                                </p:cTn>
+                              </p:par>
+                              <p:par>
+                                <p:cTn id="17" presetID="1" presetClass="entr" presetSubtype="0" fill="hold" nodeType="withEffect">
+                                  <p:stCondLst>
+                                    <p:cond delay="0"/>
+                                  </p:stCondLst>
+                                  <p:childTnLst>
+                                    <p:set>
+                                      <p:cBhvr>
+                                        <p:cTn id="18" dur="1" fill="hold">
+                                          <p:stCondLst>
+                                            <p:cond delay="0"/>
+                                          </p:stCondLst>
+                                        </p:cTn>
+                                        <p:tgtEl>
+                                          <p:spTgt spid="3">
+                                            <p:txEl>
+                                              <p:pRg st="7" end="7"/>
+                                            </p:txEl>
+                                          </p:spTgt>
+                                        </p:tgtEl>
+                                        <p:attrNameLst>
+                                          <p:attrName>style.visibility</p:attrName>
+                                        </p:attrNameLst>
+                                      </p:cBhvr>
+                                      <p:to>
+                                        <p:strVal val="visible"/>
+                                      </p:to>
+                                    </p:set>
+                                  </p:childTnLst>
+                                </p:cTn>
+                              </p:par>
+                            </p:childTnLst>
+                          </p:cTn>
+                        </p:par>
+                      </p:childTnLst>
+                    </p:cTn>
+                  </p:par>
+                </p:childTnLst>
+              </p:cTn>
+              <p:prevCondLst>
+                <p:cond evt="onPrev" delay="0">
+                  <p:tgtEl>
+                    <p:sldTgt/>
+                  </p:tgtEl>
+                </p:cond>
+              </p:prevCondLst>
+              <p:nextCondLst>
+                <p:cond evt="onNext" delay="0">
+                  <p:tgtEl>
+                    <p:sldTgt/>
+                  </p:tgtEl>
+                </p:cond>
+              </p:nextCondLst>
+            </p:seq>
+          </p:childTnLst>
+        </p:cTn>
+      </p:par>
+    </p:tnLst>
+  </p:timing>
 </p:sld>
 </file>
 

--- a/statics/slides/2023-Fall-Practicum Talk.pptx
+++ b/statics/slides/2023-Fall-Practicum Talk.pptx
@@ -5,7 +5,7 @@
     <p:sldMasterId id="2147483648" r:id="rId1"/>
   </p:sldMasterIdLst>
   <p:notesMasterIdLst>
-    <p:notesMasterId r:id="rId22"/>
+    <p:notesMasterId r:id="rId27"/>
   </p:notesMasterIdLst>
   <p:sldIdLst>
     <p:sldId id="256" r:id="rId2"/>
@@ -16,18 +16,23 @@
     <p:sldId id="260" r:id="rId7"/>
     <p:sldId id="265" r:id="rId8"/>
     <p:sldId id="266" r:id="rId9"/>
-    <p:sldId id="268" r:id="rId10"/>
-    <p:sldId id="267" r:id="rId11"/>
-    <p:sldId id="274" r:id="rId12"/>
-    <p:sldId id="269" r:id="rId13"/>
-    <p:sldId id="270" r:id="rId14"/>
-    <p:sldId id="271" r:id="rId15"/>
-    <p:sldId id="273" r:id="rId16"/>
-    <p:sldId id="277" r:id="rId17"/>
-    <p:sldId id="279" r:id="rId18"/>
-    <p:sldId id="275" r:id="rId19"/>
-    <p:sldId id="278" r:id="rId20"/>
-    <p:sldId id="272" r:id="rId21"/>
+    <p:sldId id="274" r:id="rId10"/>
+    <p:sldId id="277" r:id="rId11"/>
+    <p:sldId id="279" r:id="rId12"/>
+    <p:sldId id="275" r:id="rId13"/>
+    <p:sldId id="268" r:id="rId14"/>
+    <p:sldId id="267" r:id="rId15"/>
+    <p:sldId id="282" r:id="rId16"/>
+    <p:sldId id="269" r:id="rId17"/>
+    <p:sldId id="270" r:id="rId18"/>
+    <p:sldId id="271" r:id="rId19"/>
+    <p:sldId id="273" r:id="rId20"/>
+    <p:sldId id="283" r:id="rId21"/>
+    <p:sldId id="278" r:id="rId22"/>
+    <p:sldId id="284" r:id="rId23"/>
+    <p:sldId id="285" r:id="rId24"/>
+    <p:sldId id="280" r:id="rId25"/>
+    <p:sldId id="281" r:id="rId26"/>
   </p:sldIdLst>
   <p:sldSz cx="12192000" cy="6858000"/>
   <p:notesSz cx="6858000" cy="9144000"/>
@@ -4690,7 +4695,7 @@
   <dgm:whole/>
   <dgm:extLst>
     <a:ext uri="http://schemas.microsoft.com/office/drawing/2008/diagram">
-      <dsp:dataModelExt xmlns:dsp="http://schemas.microsoft.com/office/drawing/2008/diagram" relId="rId6" minVer="http://schemas.openxmlformats.org/drawingml/2006/diagram"/>
+      <dsp:dataModelExt xmlns:dsp="http://schemas.microsoft.com/office/drawing/2008/diagram" relId="rId7" minVer="http://schemas.openxmlformats.org/drawingml/2006/diagram"/>
     </a:ext>
   </dgm:extLst>
 </dgm:dataModel>
@@ -14973,7 +14978,7 @@
           <a:p>
             <a:fld id="{106FE443-74C4-499B-B94E-38139690B594}" type="datetimeFigureOut">
               <a:rPr lang="zh-CN" altLang="en-US" smtClean="0"/>
-              <a:t>2023/9/24</a:t>
+              <a:t>2023/10/2</a:t>
             </a:fld>
             <a:endParaRPr lang="zh-CN" altLang="en-US"/>
           </a:p>
@@ -15286,19 +15291,7 @@
           <a:p>
             <a:r>
               <a:rPr lang="en-US" altLang="zh-CN" dirty="0"/>
-              <a:t>Manager controls the development process to allocate resources internally and externally, coordinate across other teams, tracking the progress, monitor team operation metrics.</a:t>
-            </a:r>
-          </a:p>
-          <a:p>
-            <a:r>
-              <a:rPr lang="en-US" altLang="zh-CN" dirty="0"/>
-              <a:t>PM make feature requests but won’t affect the technical decision made by the engineers.</a:t>
-            </a:r>
-          </a:p>
-          <a:p>
-            <a:r>
-              <a:rPr lang="en-US" altLang="zh-CN" dirty="0"/>
-              <a:t>Development team has most of the power to make the right technical decisions for features, and also estimate the effort needed for features.</a:t>
+              <a:t>I’ll first walk through the development process you would expect working as an engineer at Amazon. In general, Amazon is doing a standard Scrum process. I’ll focus on the development activities and artifacts, especially I’ll focus on design and analysis related activities and artifacts.</a:t>
             </a:r>
             <a:endParaRPr lang="zh-CN" altLang="en-US" dirty="0"/>
           </a:p>
@@ -15321,7 +15314,7 @@
           <a:p>
             <a:fld id="{5A9EAB40-E790-4C8C-B9D5-7C0E0C79FA99}" type="slidenum">
               <a:rPr lang="zh-CN" altLang="en-US" smtClean="0"/>
-              <a:t>3</a:t>
+              <a:t>2</a:t>
             </a:fld>
             <a:endParaRPr lang="zh-CN" altLang="en-US"/>
           </a:p>
@@ -15330,7 +15323,744 @@
     </p:spTree>
     <p:extLst>
       <p:ext uri="{BB962C8B-B14F-4D97-AF65-F5344CB8AC3E}">
-        <p14:creationId xmlns:p14="http://schemas.microsoft.com/office/powerpoint/2010/main" val="3379911583"/>
+        <p14:creationId xmlns:p14="http://schemas.microsoft.com/office/powerpoint/2010/main" val="1215814490"/>
+      </p:ext>
+    </p:extLst>
+  </p:cSld>
+  <p:clrMapOvr>
+    <a:masterClrMapping/>
+  </p:clrMapOvr>
+</p:notes>
+</file>
+
+<file path=ppt/notesSlides/notesSlide10.xml><?xml version="1.0" encoding="utf-8"?>
+<p:notes xmlns:a="http://schemas.openxmlformats.org/drawingml/2006/main" xmlns:r="http://schemas.openxmlformats.org/officeDocument/2006/relationships" xmlns:p="http://schemas.openxmlformats.org/presentationml/2006/main">
+  <p:cSld>
+    <p:spTree>
+      <p:nvGrpSpPr>
+        <p:cNvPr id="1" name=""/>
+        <p:cNvGrpSpPr/>
+        <p:nvPr/>
+      </p:nvGrpSpPr>
+      <p:grpSpPr>
+        <a:xfrm>
+          <a:off x="0" y="0"/>
+          <a:ext cx="0" cy="0"/>
+          <a:chOff x="0" y="0"/>
+          <a:chExt cx="0" cy="0"/>
+        </a:xfrm>
+      </p:grpSpPr>
+      <p:sp>
+        <p:nvSpPr>
+          <p:cNvPr id="2" name="幻灯片图像占位符 1"/>
+          <p:cNvSpPr>
+            <a:spLocks noGrp="1" noRot="1" noChangeAspect="1"/>
+          </p:cNvSpPr>
+          <p:nvPr>
+            <p:ph type="sldImg"/>
+          </p:nvPr>
+        </p:nvSpPr>
+        <p:spPr/>
+      </p:sp>
+      <p:sp>
+        <p:nvSpPr>
+          <p:cNvPr id="3" name="备注占位符 2"/>
+          <p:cNvSpPr>
+            <a:spLocks noGrp="1"/>
+          </p:cNvSpPr>
+          <p:nvPr>
+            <p:ph type="body" idx="1"/>
+          </p:nvPr>
+        </p:nvSpPr>
+        <p:spPr/>
+        <p:txBody>
+          <a:bodyPr/>
+          <a:lstStyle/>
+          <a:p>
+            <a:r>
+              <a:rPr lang="en-US" altLang="zh-CN" dirty="0"/>
+              <a:t>A lot of internal services as well as customer services are affected. Nightmare for </a:t>
+            </a:r>
+            <a:r>
+              <a:rPr lang="en-US" altLang="zh-CN" dirty="0" err="1"/>
+              <a:t>oncall</a:t>
+            </a:r>
+            <a:r>
+              <a:rPr lang="en-US" altLang="zh-CN" dirty="0"/>
+              <a:t> engineers, but at the same time, a lot of interns (some full-time engineers) are posting memes in the Slack channel. Ironically, later, Slack was also affected and some of its services were in degraded mode. Not sure if this was related to increasing volume of Slack because of the memes, but…</a:t>
+            </a:r>
+          </a:p>
+          <a:p>
+            <a:r>
+              <a:rPr lang="en-US" altLang="zh-CN" dirty="0"/>
+              <a:t>Even more memes were posted </a:t>
+            </a:r>
+            <a:r>
+              <a:rPr lang="en-US" altLang="zh-CN" dirty="0">
+                <a:sym typeface="Wingdings" panose="05000000000000000000" pitchFamily="2" charset="2"/>
+              </a:rPr>
+              <a:t>LOL.</a:t>
+            </a:r>
+            <a:endParaRPr lang="zh-CN" altLang="en-US" dirty="0"/>
+          </a:p>
+        </p:txBody>
+      </p:sp>
+      <p:sp>
+        <p:nvSpPr>
+          <p:cNvPr id="4" name="灯片编号占位符 3"/>
+          <p:cNvSpPr>
+            <a:spLocks noGrp="1"/>
+          </p:cNvSpPr>
+          <p:nvPr>
+            <p:ph type="sldNum" sz="quarter" idx="5"/>
+          </p:nvPr>
+        </p:nvSpPr>
+        <p:spPr/>
+        <p:txBody>
+          <a:bodyPr/>
+          <a:lstStyle/>
+          <a:p>
+            <a:fld id="{5A9EAB40-E790-4C8C-B9D5-7C0E0C79FA99}" type="slidenum">
+              <a:rPr lang="zh-CN" altLang="en-US" smtClean="0"/>
+              <a:t>14</a:t>
+            </a:fld>
+            <a:endParaRPr lang="zh-CN" altLang="en-US"/>
+          </a:p>
+        </p:txBody>
+      </p:sp>
+    </p:spTree>
+    <p:extLst>
+      <p:ext uri="{BB962C8B-B14F-4D97-AF65-F5344CB8AC3E}">
+        <p14:creationId xmlns:p14="http://schemas.microsoft.com/office/powerpoint/2010/main" val="1330287854"/>
+      </p:ext>
+    </p:extLst>
+  </p:cSld>
+  <p:clrMapOvr>
+    <a:masterClrMapping/>
+  </p:clrMapOvr>
+</p:notes>
+</file>
+
+<file path=ppt/notesSlides/notesSlide11.xml><?xml version="1.0" encoding="utf-8"?>
+<p:notes xmlns:a="http://schemas.openxmlformats.org/drawingml/2006/main" xmlns:r="http://schemas.openxmlformats.org/officeDocument/2006/relationships" xmlns:p="http://schemas.openxmlformats.org/presentationml/2006/main">
+  <p:cSld>
+    <p:spTree>
+      <p:nvGrpSpPr>
+        <p:cNvPr id="1" name=""/>
+        <p:cNvGrpSpPr/>
+        <p:nvPr/>
+      </p:nvGrpSpPr>
+      <p:grpSpPr>
+        <a:xfrm>
+          <a:off x="0" y="0"/>
+          <a:ext cx="0" cy="0"/>
+          <a:chOff x="0" y="0"/>
+          <a:chExt cx="0" cy="0"/>
+        </a:xfrm>
+      </p:grpSpPr>
+      <p:sp>
+        <p:nvSpPr>
+          <p:cNvPr id="2" name="幻灯片图像占位符 1"/>
+          <p:cNvSpPr>
+            <a:spLocks noGrp="1" noRot="1" noChangeAspect="1"/>
+          </p:cNvSpPr>
+          <p:nvPr>
+            <p:ph type="sldImg"/>
+          </p:nvPr>
+        </p:nvSpPr>
+        <p:spPr/>
+      </p:sp>
+      <p:sp>
+        <p:nvSpPr>
+          <p:cNvPr id="3" name="备注占位符 2"/>
+          <p:cNvSpPr>
+            <a:spLocks noGrp="1"/>
+          </p:cNvSpPr>
+          <p:nvPr>
+            <p:ph type="body" idx="1"/>
+          </p:nvPr>
+        </p:nvSpPr>
+        <p:spPr/>
+        <p:txBody>
+          <a:bodyPr/>
+          <a:lstStyle/>
+          <a:p>
+            <a:r>
+              <a:rPr lang="en-US" altLang="zh-CN" dirty="0"/>
+              <a:t>What’s the current status on software development process research? Do we have an SOP for organizations to help them build their most suitable process.</a:t>
+            </a:r>
+            <a:endParaRPr lang="zh-CN" altLang="en-US" dirty="0"/>
+          </a:p>
+        </p:txBody>
+      </p:sp>
+      <p:sp>
+        <p:nvSpPr>
+          <p:cNvPr id="4" name="灯片编号占位符 3"/>
+          <p:cNvSpPr>
+            <a:spLocks noGrp="1"/>
+          </p:cNvSpPr>
+          <p:nvPr>
+            <p:ph type="sldNum" sz="quarter" idx="5"/>
+          </p:nvPr>
+        </p:nvSpPr>
+        <p:spPr/>
+        <p:txBody>
+          <a:bodyPr/>
+          <a:lstStyle/>
+          <a:p>
+            <a:fld id="{5A9EAB40-E790-4C8C-B9D5-7C0E0C79FA99}" type="slidenum">
+              <a:rPr lang="zh-CN" altLang="en-US" smtClean="0"/>
+              <a:t>15</a:t>
+            </a:fld>
+            <a:endParaRPr lang="zh-CN" altLang="en-US"/>
+          </a:p>
+        </p:txBody>
+      </p:sp>
+    </p:spTree>
+    <p:extLst>
+      <p:ext uri="{BB962C8B-B14F-4D97-AF65-F5344CB8AC3E}">
+        <p14:creationId xmlns:p14="http://schemas.microsoft.com/office/powerpoint/2010/main" val="443200669"/>
+      </p:ext>
+    </p:extLst>
+  </p:cSld>
+  <p:clrMapOvr>
+    <a:masterClrMapping/>
+  </p:clrMapOvr>
+</p:notes>
+</file>
+
+<file path=ppt/notesSlides/notesSlide12.xml><?xml version="1.0" encoding="utf-8"?>
+<p:notes xmlns:a="http://schemas.openxmlformats.org/drawingml/2006/main" xmlns:r="http://schemas.openxmlformats.org/officeDocument/2006/relationships" xmlns:p="http://schemas.openxmlformats.org/presentationml/2006/main">
+  <p:cSld>
+    <p:spTree>
+      <p:nvGrpSpPr>
+        <p:cNvPr id="1" name=""/>
+        <p:cNvGrpSpPr/>
+        <p:nvPr/>
+      </p:nvGrpSpPr>
+      <p:grpSpPr>
+        <a:xfrm>
+          <a:off x="0" y="0"/>
+          <a:ext cx="0" cy="0"/>
+          <a:chOff x="0" y="0"/>
+          <a:chExt cx="0" cy="0"/>
+        </a:xfrm>
+      </p:grpSpPr>
+      <p:sp>
+        <p:nvSpPr>
+          <p:cNvPr id="2" name="幻灯片图像占位符 1"/>
+          <p:cNvSpPr>
+            <a:spLocks noGrp="1" noRot="1" noChangeAspect="1"/>
+          </p:cNvSpPr>
+          <p:nvPr>
+            <p:ph type="sldImg"/>
+          </p:nvPr>
+        </p:nvSpPr>
+        <p:spPr/>
+      </p:sp>
+      <p:sp>
+        <p:nvSpPr>
+          <p:cNvPr id="3" name="备注占位符 2"/>
+          <p:cNvSpPr>
+            <a:spLocks noGrp="1"/>
+          </p:cNvSpPr>
+          <p:nvPr>
+            <p:ph type="body" idx="1"/>
+          </p:nvPr>
+        </p:nvSpPr>
+        <p:spPr/>
+        <p:txBody>
+          <a:bodyPr/>
+          <a:lstStyle/>
+          <a:p>
+            <a:r>
+              <a:rPr lang="en-US" altLang="zh-CN" dirty="0"/>
+              <a:t>The happy case is simple. If save fails, the left one would not have any record and publish any data; the right one would publish the data.</a:t>
+            </a:r>
+          </a:p>
+          <a:p>
+            <a:r>
+              <a:rPr lang="en-US" altLang="zh-CN" dirty="0"/>
+              <a:t>However, SQS by default would retry. So the left one would try save the same record multiple times, it should not unexpected side-effect, like multiple same records.</a:t>
+            </a:r>
+          </a:p>
+          <a:p>
+            <a:r>
+              <a:rPr lang="en-US" altLang="zh-CN" dirty="0"/>
+              <a:t>The right one would publish the data multiple times, would it affect the downstream functions?</a:t>
+            </a:r>
+            <a:endParaRPr lang="zh-CN" altLang="en-US" dirty="0"/>
+          </a:p>
+        </p:txBody>
+      </p:sp>
+      <p:sp>
+        <p:nvSpPr>
+          <p:cNvPr id="4" name="灯片编号占位符 3"/>
+          <p:cNvSpPr>
+            <a:spLocks noGrp="1"/>
+          </p:cNvSpPr>
+          <p:nvPr>
+            <p:ph type="sldNum" sz="quarter" idx="5"/>
+          </p:nvPr>
+        </p:nvSpPr>
+        <p:spPr/>
+        <p:txBody>
+          <a:bodyPr/>
+          <a:lstStyle/>
+          <a:p>
+            <a:fld id="{5A9EAB40-E790-4C8C-B9D5-7C0E0C79FA99}" type="slidenum">
+              <a:rPr lang="zh-CN" altLang="en-US" smtClean="0"/>
+              <a:t>17</a:t>
+            </a:fld>
+            <a:endParaRPr lang="zh-CN" altLang="en-US"/>
+          </a:p>
+        </p:txBody>
+      </p:sp>
+    </p:spTree>
+    <p:extLst>
+      <p:ext uri="{BB962C8B-B14F-4D97-AF65-F5344CB8AC3E}">
+        <p14:creationId xmlns:p14="http://schemas.microsoft.com/office/powerpoint/2010/main" val="3651629133"/>
+      </p:ext>
+    </p:extLst>
+  </p:cSld>
+  <p:clrMapOvr>
+    <a:masterClrMapping/>
+  </p:clrMapOvr>
+</p:notes>
+</file>
+
+<file path=ppt/notesSlides/notesSlide13.xml><?xml version="1.0" encoding="utf-8"?>
+<p:notes xmlns:a="http://schemas.openxmlformats.org/drawingml/2006/main" xmlns:r="http://schemas.openxmlformats.org/officeDocument/2006/relationships" xmlns:p="http://schemas.openxmlformats.org/presentationml/2006/main">
+  <p:cSld>
+    <p:spTree>
+      <p:nvGrpSpPr>
+        <p:cNvPr id="1" name=""/>
+        <p:cNvGrpSpPr/>
+        <p:nvPr/>
+      </p:nvGrpSpPr>
+      <p:grpSpPr>
+        <a:xfrm>
+          <a:off x="0" y="0"/>
+          <a:ext cx="0" cy="0"/>
+          <a:chOff x="0" y="0"/>
+          <a:chExt cx="0" cy="0"/>
+        </a:xfrm>
+      </p:grpSpPr>
+      <p:sp>
+        <p:nvSpPr>
+          <p:cNvPr id="2" name="幻灯片图像占位符 1"/>
+          <p:cNvSpPr>
+            <a:spLocks noGrp="1" noRot="1" noChangeAspect="1"/>
+          </p:cNvSpPr>
+          <p:nvPr>
+            <p:ph type="sldImg"/>
+          </p:nvPr>
+        </p:nvSpPr>
+        <p:spPr/>
+      </p:sp>
+      <p:sp>
+        <p:nvSpPr>
+          <p:cNvPr id="3" name="备注占位符 2"/>
+          <p:cNvSpPr>
+            <a:spLocks noGrp="1"/>
+          </p:cNvSpPr>
+          <p:nvPr>
+            <p:ph type="body" idx="1"/>
+          </p:nvPr>
+        </p:nvSpPr>
+        <p:spPr/>
+        <p:txBody>
+          <a:bodyPr/>
+          <a:lstStyle/>
+          <a:p>
+            <a:r>
+              <a:rPr lang="en-US" altLang="zh-CN" dirty="0"/>
+              <a:t>From the error message, my guess is I reach the limit of allowed concurrent instances of Lambda. But it’s just a simple integration tests with less than 10 requests? Isn’t Lambda supposed to scale and handle them!</a:t>
+            </a:r>
+          </a:p>
+          <a:p>
+            <a:endParaRPr lang="en-US" altLang="zh-CN" dirty="0"/>
+          </a:p>
+          <a:p>
+            <a:r>
+              <a:rPr lang="en-US" altLang="zh-CN" dirty="0"/>
+              <a:t>Root cause: the integration tests first test the upstream function which would later trigger the downstream function, then the tests directly invoke the downstream lambda, so the downstream lambda may have a concurrency greater than 1.</a:t>
+            </a:r>
+            <a:endParaRPr lang="zh-CN" altLang="en-US" dirty="0"/>
+          </a:p>
+        </p:txBody>
+      </p:sp>
+      <p:sp>
+        <p:nvSpPr>
+          <p:cNvPr id="4" name="灯片编号占位符 3"/>
+          <p:cNvSpPr>
+            <a:spLocks noGrp="1"/>
+          </p:cNvSpPr>
+          <p:nvPr>
+            <p:ph type="sldNum" sz="quarter" idx="5"/>
+          </p:nvPr>
+        </p:nvSpPr>
+        <p:spPr/>
+        <p:txBody>
+          <a:bodyPr/>
+          <a:lstStyle/>
+          <a:p>
+            <a:fld id="{5A9EAB40-E790-4C8C-B9D5-7C0E0C79FA99}" type="slidenum">
+              <a:rPr lang="zh-CN" altLang="en-US" smtClean="0"/>
+              <a:t>18</a:t>
+            </a:fld>
+            <a:endParaRPr lang="zh-CN" altLang="en-US"/>
+          </a:p>
+        </p:txBody>
+      </p:sp>
+    </p:spTree>
+    <p:extLst>
+      <p:ext uri="{BB962C8B-B14F-4D97-AF65-F5344CB8AC3E}">
+        <p14:creationId xmlns:p14="http://schemas.microsoft.com/office/powerpoint/2010/main" val="3345337190"/>
+      </p:ext>
+    </p:extLst>
+  </p:cSld>
+  <p:clrMapOvr>
+    <a:masterClrMapping/>
+  </p:clrMapOvr>
+</p:notes>
+</file>
+
+<file path=ppt/notesSlides/notesSlide14.xml><?xml version="1.0" encoding="utf-8"?>
+<p:notes xmlns:a="http://schemas.openxmlformats.org/drawingml/2006/main" xmlns:r="http://schemas.openxmlformats.org/officeDocument/2006/relationships" xmlns:p="http://schemas.openxmlformats.org/presentationml/2006/main">
+  <p:cSld>
+    <p:spTree>
+      <p:nvGrpSpPr>
+        <p:cNvPr id="1" name=""/>
+        <p:cNvGrpSpPr/>
+        <p:nvPr/>
+      </p:nvGrpSpPr>
+      <p:grpSpPr>
+        <a:xfrm>
+          <a:off x="0" y="0"/>
+          <a:ext cx="0" cy="0"/>
+          <a:chOff x="0" y="0"/>
+          <a:chExt cx="0" cy="0"/>
+        </a:xfrm>
+      </p:grpSpPr>
+      <p:sp>
+        <p:nvSpPr>
+          <p:cNvPr id="2" name="幻灯片图像占位符 1"/>
+          <p:cNvSpPr>
+            <a:spLocks noGrp="1" noRot="1" noChangeAspect="1"/>
+          </p:cNvSpPr>
+          <p:nvPr>
+            <p:ph type="sldImg"/>
+          </p:nvPr>
+        </p:nvSpPr>
+        <p:spPr/>
+      </p:sp>
+      <p:sp>
+        <p:nvSpPr>
+          <p:cNvPr id="3" name="备注占位符 2"/>
+          <p:cNvSpPr>
+            <a:spLocks noGrp="1"/>
+          </p:cNvSpPr>
+          <p:nvPr>
+            <p:ph type="body" idx="1"/>
+          </p:nvPr>
+        </p:nvSpPr>
+        <p:spPr/>
+        <p:txBody>
+          <a:bodyPr/>
+          <a:lstStyle/>
+          <a:p>
+            <a:endParaRPr lang="zh-CN" altLang="en-US" dirty="0"/>
+          </a:p>
+        </p:txBody>
+      </p:sp>
+      <p:sp>
+        <p:nvSpPr>
+          <p:cNvPr id="4" name="灯片编号占位符 3"/>
+          <p:cNvSpPr>
+            <a:spLocks noGrp="1"/>
+          </p:cNvSpPr>
+          <p:nvPr>
+            <p:ph type="sldNum" sz="quarter" idx="5"/>
+          </p:nvPr>
+        </p:nvSpPr>
+        <p:spPr/>
+        <p:txBody>
+          <a:bodyPr/>
+          <a:lstStyle/>
+          <a:p>
+            <a:fld id="{5A9EAB40-E790-4C8C-B9D5-7C0E0C79FA99}" type="slidenum">
+              <a:rPr lang="zh-CN" altLang="en-US" smtClean="0"/>
+              <a:t>20</a:t>
+            </a:fld>
+            <a:endParaRPr lang="zh-CN" altLang="en-US"/>
+          </a:p>
+        </p:txBody>
+      </p:sp>
+    </p:spTree>
+    <p:extLst>
+      <p:ext uri="{BB962C8B-B14F-4D97-AF65-F5344CB8AC3E}">
+        <p14:creationId xmlns:p14="http://schemas.microsoft.com/office/powerpoint/2010/main" val="816051024"/>
+      </p:ext>
+    </p:extLst>
+  </p:cSld>
+  <p:clrMapOvr>
+    <a:masterClrMapping/>
+  </p:clrMapOvr>
+</p:notes>
+</file>
+
+<file path=ppt/notesSlides/notesSlide15.xml><?xml version="1.0" encoding="utf-8"?>
+<p:notes xmlns:a="http://schemas.openxmlformats.org/drawingml/2006/main" xmlns:r="http://schemas.openxmlformats.org/officeDocument/2006/relationships" xmlns:p="http://schemas.openxmlformats.org/presentationml/2006/main">
+  <p:cSld>
+    <p:spTree>
+      <p:nvGrpSpPr>
+        <p:cNvPr id="1" name=""/>
+        <p:cNvGrpSpPr/>
+        <p:nvPr/>
+      </p:nvGrpSpPr>
+      <p:grpSpPr>
+        <a:xfrm>
+          <a:off x="0" y="0"/>
+          <a:ext cx="0" cy="0"/>
+          <a:chOff x="0" y="0"/>
+          <a:chExt cx="0" cy="0"/>
+        </a:xfrm>
+      </p:grpSpPr>
+      <p:sp>
+        <p:nvSpPr>
+          <p:cNvPr id="2" name="幻灯片图像占位符 1"/>
+          <p:cNvSpPr>
+            <a:spLocks noGrp="1" noRot="1" noChangeAspect="1"/>
+          </p:cNvSpPr>
+          <p:nvPr>
+            <p:ph type="sldImg"/>
+          </p:nvPr>
+        </p:nvSpPr>
+        <p:spPr/>
+      </p:sp>
+      <p:sp>
+        <p:nvSpPr>
+          <p:cNvPr id="3" name="备注占位符 2"/>
+          <p:cNvSpPr>
+            <a:spLocks noGrp="1"/>
+          </p:cNvSpPr>
+          <p:nvPr>
+            <p:ph type="body" idx="1"/>
+          </p:nvPr>
+        </p:nvSpPr>
+        <p:spPr/>
+        <p:txBody>
+          <a:bodyPr/>
+          <a:lstStyle/>
+          <a:p>
+            <a:r>
+              <a:rPr lang="en-US" altLang="zh-CN" dirty="0"/>
+              <a:t>When I’m clear what to work on, and after I learned the techniques I’m going to use. The coding part becomes copy-paste from existing code base. Because everyone writes the same code, understanding and finding code for similar functionality becomes easy.</a:t>
+            </a:r>
+            <a:endParaRPr lang="zh-CN" altLang="en-US" dirty="0"/>
+          </a:p>
+        </p:txBody>
+      </p:sp>
+      <p:sp>
+        <p:nvSpPr>
+          <p:cNvPr id="4" name="灯片编号占位符 3"/>
+          <p:cNvSpPr>
+            <a:spLocks noGrp="1"/>
+          </p:cNvSpPr>
+          <p:nvPr>
+            <p:ph type="sldNum" sz="quarter" idx="5"/>
+          </p:nvPr>
+        </p:nvSpPr>
+        <p:spPr/>
+        <p:txBody>
+          <a:bodyPr/>
+          <a:lstStyle/>
+          <a:p>
+            <a:fld id="{5A9EAB40-E790-4C8C-B9D5-7C0E0C79FA99}" type="slidenum">
+              <a:rPr lang="zh-CN" altLang="en-US" smtClean="0"/>
+              <a:t>21</a:t>
+            </a:fld>
+            <a:endParaRPr lang="zh-CN" altLang="en-US"/>
+          </a:p>
+        </p:txBody>
+      </p:sp>
+    </p:spTree>
+    <p:extLst>
+      <p:ext uri="{BB962C8B-B14F-4D97-AF65-F5344CB8AC3E}">
+        <p14:creationId xmlns:p14="http://schemas.microsoft.com/office/powerpoint/2010/main" val="3303298897"/>
+      </p:ext>
+    </p:extLst>
+  </p:cSld>
+  <p:clrMapOvr>
+    <a:masterClrMapping/>
+  </p:clrMapOvr>
+</p:notes>
+</file>
+
+<file path=ppt/notesSlides/notesSlide16.xml><?xml version="1.0" encoding="utf-8"?>
+<p:notes xmlns:a="http://schemas.openxmlformats.org/drawingml/2006/main" xmlns:r="http://schemas.openxmlformats.org/officeDocument/2006/relationships" xmlns:p="http://schemas.openxmlformats.org/presentationml/2006/main">
+  <p:cSld>
+    <p:spTree>
+      <p:nvGrpSpPr>
+        <p:cNvPr id="1" name=""/>
+        <p:cNvGrpSpPr/>
+        <p:nvPr/>
+      </p:nvGrpSpPr>
+      <p:grpSpPr>
+        <a:xfrm>
+          <a:off x="0" y="0"/>
+          <a:ext cx="0" cy="0"/>
+          <a:chOff x="0" y="0"/>
+          <a:chExt cx="0" cy="0"/>
+        </a:xfrm>
+      </p:grpSpPr>
+      <p:sp>
+        <p:nvSpPr>
+          <p:cNvPr id="2" name="幻灯片图像占位符 1"/>
+          <p:cNvSpPr>
+            <a:spLocks noGrp="1" noRot="1" noChangeAspect="1"/>
+          </p:cNvSpPr>
+          <p:nvPr>
+            <p:ph type="sldImg"/>
+          </p:nvPr>
+        </p:nvSpPr>
+        <p:spPr/>
+      </p:sp>
+      <p:sp>
+        <p:nvSpPr>
+          <p:cNvPr id="3" name="备注占位符 2"/>
+          <p:cNvSpPr>
+            <a:spLocks noGrp="1"/>
+          </p:cNvSpPr>
+          <p:nvPr>
+            <p:ph type="body" idx="1"/>
+          </p:nvPr>
+        </p:nvSpPr>
+        <p:spPr/>
+        <p:txBody>
+          <a:bodyPr/>
+          <a:lstStyle/>
+          <a:p>
+            <a:r>
+              <a:rPr lang="en-US" altLang="zh-CN" dirty="0"/>
+              <a:t>Might be biased here, but academia and industry should focus more on requirements, specifications, and designs, instead of just code.</a:t>
+            </a:r>
+            <a:endParaRPr lang="zh-CN" altLang="en-US" dirty="0"/>
+          </a:p>
+        </p:txBody>
+      </p:sp>
+      <p:sp>
+        <p:nvSpPr>
+          <p:cNvPr id="4" name="灯片编号占位符 3"/>
+          <p:cNvSpPr>
+            <a:spLocks noGrp="1"/>
+          </p:cNvSpPr>
+          <p:nvPr>
+            <p:ph type="sldNum" sz="quarter" idx="5"/>
+          </p:nvPr>
+        </p:nvSpPr>
+        <p:spPr/>
+        <p:txBody>
+          <a:bodyPr/>
+          <a:lstStyle/>
+          <a:p>
+            <a:fld id="{5A9EAB40-E790-4C8C-B9D5-7C0E0C79FA99}" type="slidenum">
+              <a:rPr lang="zh-CN" altLang="en-US" smtClean="0"/>
+              <a:t>23</a:t>
+            </a:fld>
+            <a:endParaRPr lang="zh-CN" altLang="en-US"/>
+          </a:p>
+        </p:txBody>
+      </p:sp>
+    </p:spTree>
+    <p:extLst>
+      <p:ext uri="{BB962C8B-B14F-4D97-AF65-F5344CB8AC3E}">
+        <p14:creationId xmlns:p14="http://schemas.microsoft.com/office/powerpoint/2010/main" val="2105316596"/>
+      </p:ext>
+    </p:extLst>
+  </p:cSld>
+  <p:clrMapOvr>
+    <a:masterClrMapping/>
+  </p:clrMapOvr>
+</p:notes>
+</file>
+
+<file path=ppt/notesSlides/notesSlide17.xml><?xml version="1.0" encoding="utf-8"?>
+<p:notes xmlns:a="http://schemas.openxmlformats.org/drawingml/2006/main" xmlns:r="http://schemas.openxmlformats.org/officeDocument/2006/relationships" xmlns:p="http://schemas.openxmlformats.org/presentationml/2006/main">
+  <p:cSld>
+    <p:spTree>
+      <p:nvGrpSpPr>
+        <p:cNvPr id="1" name=""/>
+        <p:cNvGrpSpPr/>
+        <p:nvPr/>
+      </p:nvGrpSpPr>
+      <p:grpSpPr>
+        <a:xfrm>
+          <a:off x="0" y="0"/>
+          <a:ext cx="0" cy="0"/>
+          <a:chOff x="0" y="0"/>
+          <a:chExt cx="0" cy="0"/>
+        </a:xfrm>
+      </p:grpSpPr>
+      <p:sp>
+        <p:nvSpPr>
+          <p:cNvPr id="2" name="幻灯片图像占位符 1"/>
+          <p:cNvSpPr>
+            <a:spLocks noGrp="1" noRot="1" noChangeAspect="1"/>
+          </p:cNvSpPr>
+          <p:nvPr>
+            <p:ph type="sldImg"/>
+          </p:nvPr>
+        </p:nvSpPr>
+        <p:spPr/>
+      </p:sp>
+      <p:sp>
+        <p:nvSpPr>
+          <p:cNvPr id="3" name="备注占位符 2"/>
+          <p:cNvSpPr>
+            <a:spLocks noGrp="1"/>
+          </p:cNvSpPr>
+          <p:nvPr>
+            <p:ph type="body" idx="1"/>
+          </p:nvPr>
+        </p:nvSpPr>
+        <p:spPr/>
+        <p:txBody>
+          <a:bodyPr/>
+          <a:lstStyle/>
+          <a:p>
+            <a:endParaRPr lang="zh-CN" altLang="en-US" dirty="0"/>
+          </a:p>
+        </p:txBody>
+      </p:sp>
+      <p:sp>
+        <p:nvSpPr>
+          <p:cNvPr id="4" name="灯片编号占位符 3"/>
+          <p:cNvSpPr>
+            <a:spLocks noGrp="1"/>
+          </p:cNvSpPr>
+          <p:nvPr>
+            <p:ph type="sldNum" sz="quarter" idx="5"/>
+          </p:nvPr>
+        </p:nvSpPr>
+        <p:spPr/>
+        <p:txBody>
+          <a:bodyPr/>
+          <a:lstStyle/>
+          <a:p>
+            <a:fld id="{5A9EAB40-E790-4C8C-B9D5-7C0E0C79FA99}" type="slidenum">
+              <a:rPr lang="zh-CN" altLang="en-US" smtClean="0"/>
+              <a:t>24</a:t>
+            </a:fld>
+            <a:endParaRPr lang="zh-CN" altLang="en-US"/>
+          </a:p>
+        </p:txBody>
+      </p:sp>
+    </p:spTree>
+    <p:extLst>
+      <p:ext uri="{BB962C8B-B14F-4D97-AF65-F5344CB8AC3E}">
+        <p14:creationId xmlns:p14="http://schemas.microsoft.com/office/powerpoint/2010/main" val="1749570743"/>
       </p:ext>
     </p:extLst>
   </p:cSld>
@@ -15386,16 +16116,19 @@
           <a:p>
             <a:r>
               <a:rPr lang="en-US" altLang="zh-CN" dirty="0"/>
-              <a:t>Retro is a great time to reflect how the team can improve the development process. Story: I was developing using a tool new to the team, so I follow the documented step to manually deploy the code to the beta phase. It triggers a warning in the team operation metrics that there was a spike in the number of manual deployment, which was 0 in the past.</a:t>
-            </a:r>
-          </a:p>
-          <a:p>
-            <a:endParaRPr lang="en-US" altLang="zh-CN" dirty="0"/>
+              <a:t>Manager controls the development process to allocate resources internally and externally, coordinate across other teams, tracking the progress, monitor team operation metrics.</a:t>
+            </a:r>
           </a:p>
           <a:p>
             <a:r>
               <a:rPr lang="en-US" altLang="zh-CN" dirty="0"/>
-              <a:t>Instead of just letting not manually deploy or turn off the warning, the team researched how this metric is collected, is it reasonable, and can we let it ignore manual deployment for projects that are not in production.</a:t>
+              <a:t>PM make feature requests but won’t affect the technical decision made by the engineers.</a:t>
+            </a:r>
+          </a:p>
+          <a:p>
+            <a:r>
+              <a:rPr lang="en-US" altLang="zh-CN" dirty="0"/>
+              <a:t>Development team has most of the power to make the right technical decisions for features, and also estimate the effort needed for features.</a:t>
             </a:r>
             <a:endParaRPr lang="zh-CN" altLang="en-US" dirty="0"/>
           </a:p>
@@ -15418,7 +16151,7 @@
           <a:p>
             <a:fld id="{5A9EAB40-E790-4C8C-B9D5-7C0E0C79FA99}" type="slidenum">
               <a:rPr lang="zh-CN" altLang="en-US" smtClean="0"/>
-              <a:t>8</a:t>
+              <a:t>3</a:t>
             </a:fld>
             <a:endParaRPr lang="zh-CN" altLang="en-US"/>
           </a:p>
@@ -15427,7 +16160,7 @@
     </p:spTree>
     <p:extLst>
       <p:ext uri="{BB962C8B-B14F-4D97-AF65-F5344CB8AC3E}">
-        <p14:creationId xmlns:p14="http://schemas.microsoft.com/office/powerpoint/2010/main" val="2861514087"/>
+        <p14:creationId xmlns:p14="http://schemas.microsoft.com/office/powerpoint/2010/main" val="3379911583"/>
       </p:ext>
     </p:extLst>
   </p:cSld>
@@ -15483,27 +16216,7 @@
           <a:p>
             <a:r>
               <a:rPr lang="en-US" altLang="zh-CN" dirty="0"/>
-              <a:t>A lot of internal services as well as customer services are affected. Nightmare for </a:t>
-            </a:r>
-            <a:r>
-              <a:rPr lang="en-US" altLang="zh-CN" dirty="0" err="1"/>
-              <a:t>oncall</a:t>
-            </a:r>
-            <a:r>
-              <a:rPr lang="en-US" altLang="zh-CN" dirty="0"/>
-              <a:t> engineers, but at the same time, a lot of interns (some full-time engineers) are posting memes in the Slack channel. Ironically, later, Slack was also affected and some of its services were in degraded mode. Not sure if this was related to increasing volume of Slack because of the memes, but…</a:t>
-            </a:r>
-          </a:p>
-          <a:p>
-            <a:r>
-              <a:rPr lang="en-US" altLang="zh-CN" dirty="0"/>
-              <a:t>Even more memes were posted </a:t>
-            </a:r>
-            <a:r>
-              <a:rPr lang="en-US" altLang="zh-CN" dirty="0">
-                <a:sym typeface="Wingdings" panose="05000000000000000000" pitchFamily="2" charset="2"/>
-              </a:rPr>
-              <a:t>LOL.</a:t>
+              <a:t>At Amazon, they have a strong focus on system design. For every feature, an engineer is responsible for creating a design for it.</a:t>
             </a:r>
             <a:endParaRPr lang="zh-CN" altLang="en-US" dirty="0"/>
           </a:p>
@@ -15526,7 +16239,7 @@
           <a:p>
             <a:fld id="{5A9EAB40-E790-4C8C-B9D5-7C0E0C79FA99}" type="slidenum">
               <a:rPr lang="zh-CN" altLang="en-US" smtClean="0"/>
-              <a:t>10</a:t>
+              <a:t>4</a:t>
             </a:fld>
             <a:endParaRPr lang="zh-CN" altLang="en-US"/>
           </a:p>
@@ -15535,7 +16248,7 @@
     </p:spTree>
     <p:extLst>
       <p:ext uri="{BB962C8B-B14F-4D97-AF65-F5344CB8AC3E}">
-        <p14:creationId xmlns:p14="http://schemas.microsoft.com/office/powerpoint/2010/main" val="1330287854"/>
+        <p14:creationId xmlns:p14="http://schemas.microsoft.com/office/powerpoint/2010/main" val="513226426"/>
       </p:ext>
     </p:extLst>
   </p:cSld>
@@ -15591,19 +16304,7 @@
           <a:p>
             <a:r>
               <a:rPr lang="en-US" altLang="zh-CN" dirty="0"/>
-              <a:t>The happy case is simple. If save fails, the left one would not have any record and publish any data; the right one would publish the data.</a:t>
-            </a:r>
-          </a:p>
-          <a:p>
-            <a:r>
-              <a:rPr lang="en-US" altLang="zh-CN" dirty="0"/>
-              <a:t>However, SQS by default would retry. So the left one would try save the same record multiple times, it should not unexpected side-effect, like multiple same records.</a:t>
-            </a:r>
-          </a:p>
-          <a:p>
-            <a:r>
-              <a:rPr lang="en-US" altLang="zh-CN" dirty="0"/>
-              <a:t>The right one would publish the data multiple times, would it affect the downstream functions?</a:t>
+              <a:t>So in general, Amazon use code review, static checkers, and testing to ensure the quality of the system.</a:t>
             </a:r>
             <a:endParaRPr lang="zh-CN" altLang="en-US" dirty="0"/>
           </a:p>
@@ -15626,7 +16327,7 @@
           <a:p>
             <a:fld id="{5A9EAB40-E790-4C8C-B9D5-7C0E0C79FA99}" type="slidenum">
               <a:rPr lang="zh-CN" altLang="en-US" smtClean="0"/>
-              <a:t>13</a:t>
+              <a:t>6</a:t>
             </a:fld>
             <a:endParaRPr lang="zh-CN" altLang="en-US"/>
           </a:p>
@@ -15635,7 +16336,7 @@
     </p:spTree>
     <p:extLst>
       <p:ext uri="{BB962C8B-B14F-4D97-AF65-F5344CB8AC3E}">
-        <p14:creationId xmlns:p14="http://schemas.microsoft.com/office/powerpoint/2010/main" val="3651629133"/>
+        <p14:creationId xmlns:p14="http://schemas.microsoft.com/office/powerpoint/2010/main" val="4175622397"/>
       </p:ext>
     </p:extLst>
   </p:cSld>
@@ -15691,7 +16392,7 @@
           <a:p>
             <a:r>
               <a:rPr lang="en-US" altLang="zh-CN" dirty="0"/>
-              <a:t>From the error message, my guess is I reach the limit of allowed concurrent instances of Lambda. But it’s just a simple integration tests with less than 10 requests? Isn’t Lambda supposed to scale and handle them!</a:t>
+              <a:t>Retro is a great time to reflect how the team can improve the development process. Story: I was developing using a tool new to the team, so I follow the documented step to manually deploy the code to the beta phase. It triggers a warning in the team operation metrics that there was a spike in the number of manual deployment, which was 0 in the past.</a:t>
             </a:r>
           </a:p>
           <a:p>
@@ -15700,7 +16401,7 @@
           <a:p>
             <a:r>
               <a:rPr lang="en-US" altLang="zh-CN" dirty="0"/>
-              <a:t>Root cause: the integration tests first test the upstream function which would later trigger the downstream function, then the tests directly invoke the downstream lambda, so the downstream lambda may have a concurrency greater than 1.</a:t>
+              <a:t>Instead of just letting not manually deploy or turn off the warning, the team researched how this metric is collected, is it reasonable, and can we let it ignore manual deployment for projects that are not in production.</a:t>
             </a:r>
             <a:endParaRPr lang="zh-CN" altLang="en-US" dirty="0"/>
           </a:p>
@@ -15723,7 +16424,7 @@
           <a:p>
             <a:fld id="{5A9EAB40-E790-4C8C-B9D5-7C0E0C79FA99}" type="slidenum">
               <a:rPr lang="zh-CN" altLang="en-US" smtClean="0"/>
-              <a:t>14</a:t>
+              <a:t>8</a:t>
             </a:fld>
             <a:endParaRPr lang="zh-CN" altLang="en-US"/>
           </a:p>
@@ -15732,7 +16433,7 @@
     </p:spTree>
     <p:extLst>
       <p:ext uri="{BB962C8B-B14F-4D97-AF65-F5344CB8AC3E}">
-        <p14:creationId xmlns:p14="http://schemas.microsoft.com/office/powerpoint/2010/main" val="3345337190"/>
+        <p14:creationId xmlns:p14="http://schemas.microsoft.com/office/powerpoint/2010/main" val="2861514087"/>
       </p:ext>
     </p:extLst>
   </p:cSld>
@@ -15788,23 +16489,7 @@
           <a:p>
             <a:r>
               <a:rPr lang="en-US" altLang="zh-CN" dirty="0"/>
-              <a:t>Code as comment is the result of design doc, meetings, design patterns, strict code standard, and static checkers.</a:t>
-            </a:r>
-          </a:p>
-          <a:p>
-            <a:r>
-              <a:rPr lang="en-US" altLang="zh-CN" dirty="0"/>
-              <a:t>The use of Lambda and serverless is the result of logically simple program needs to run in scale.</a:t>
-            </a:r>
-          </a:p>
-          <a:p>
-            <a:r>
-              <a:rPr lang="en-US" altLang="zh-CN" dirty="0"/>
-              <a:t>The change in organization structure is the result of change in business goal, e.g., BAD has extended its business functionality from only addressing </a:t>
-            </a:r>
-            <a:r>
-              <a:rPr lang="en-US" altLang="zh-CN"/>
-              <a:t>bad actors.</a:t>
+              <a:t>So I have briefly summarized the activities as an engineer at Amazon. Then, I’ll reflect on what I think about the engineering practices, what works well, what can be improved, what are the insights for my own research.</a:t>
             </a:r>
             <a:endParaRPr lang="zh-CN" altLang="en-US" dirty="0"/>
           </a:p>
@@ -15827,7 +16512,7 @@
           <a:p>
             <a:fld id="{5A9EAB40-E790-4C8C-B9D5-7C0E0C79FA99}" type="slidenum">
               <a:rPr lang="zh-CN" altLang="en-US" smtClean="0"/>
-              <a:t>18</a:t>
+              <a:t>9</a:t>
             </a:fld>
             <a:endParaRPr lang="zh-CN" altLang="en-US"/>
           </a:p>
@@ -15836,7 +16521,7 @@
     </p:spTree>
     <p:extLst>
       <p:ext uri="{BB962C8B-B14F-4D97-AF65-F5344CB8AC3E}">
-        <p14:creationId xmlns:p14="http://schemas.microsoft.com/office/powerpoint/2010/main" val="535836020"/>
+        <p14:creationId xmlns:p14="http://schemas.microsoft.com/office/powerpoint/2010/main" val="4258485835"/>
       </p:ext>
     </p:extLst>
   </p:cSld>
@@ -15892,7 +16577,7 @@
           <a:p>
             <a:r>
               <a:rPr lang="en-US" altLang="zh-CN" dirty="0"/>
-              <a:t>When I’m clear what to work on, and after I learned the techniques I’m going to use. The coding part becomes copy-paste from existing code base. Because everyone writes the same code, understanding and finding code for similar functionality becomes easy.</a:t>
+              <a:t>1. So its </a:t>
             </a:r>
             <a:endParaRPr lang="zh-CN" altLang="en-US" dirty="0"/>
           </a:p>
@@ -15915,7 +16600,7 @@
           <a:p>
             <a:fld id="{5A9EAB40-E790-4C8C-B9D5-7C0E0C79FA99}" type="slidenum">
               <a:rPr lang="zh-CN" altLang="en-US" smtClean="0"/>
-              <a:t>19</a:t>
+              <a:t>10</a:t>
             </a:fld>
             <a:endParaRPr lang="zh-CN" altLang="en-US"/>
           </a:p>
@@ -15924,7 +16609,7 @@
     </p:spTree>
     <p:extLst>
       <p:ext uri="{BB962C8B-B14F-4D97-AF65-F5344CB8AC3E}">
-        <p14:creationId xmlns:p14="http://schemas.microsoft.com/office/powerpoint/2010/main" val="3303298897"/>
+        <p14:creationId xmlns:p14="http://schemas.microsoft.com/office/powerpoint/2010/main" val="2806130723"/>
       </p:ext>
     </p:extLst>
   </p:cSld>
@@ -15980,19 +16665,24 @@
           <a:p>
             <a:r>
               <a:rPr lang="en-US" altLang="zh-CN" dirty="0"/>
-              <a:t>Data collection not only helps understand and diagnose the status and issues of the application, but also helps identify issues of the development process, which then helps produce better product.</a:t>
-            </a:r>
-          </a:p>
-          <a:p>
-            <a:endParaRPr lang="en-US" altLang="zh-CN" dirty="0"/>
+              <a:t>Code as comment is the result of design doc, meetings, design patterns, strict code standard, and static checkers.</a:t>
+            </a:r>
           </a:p>
           <a:p>
             <a:r>
               <a:rPr lang="en-US" altLang="zh-CN" dirty="0"/>
-              <a:t>Some people interpret code as documentation as we don’t write docs or comments. However, now I argue, it means if you have a good enough process, you don’t have to repeat yourself on documentation or else.</a:t>
-            </a:r>
-          </a:p>
-          <a:p>
+              <a:t>The use of Lambda and serverless is the result of logically simple program needs to run in scale.</a:t>
+            </a:r>
+          </a:p>
+          <a:p>
+            <a:r>
+              <a:rPr lang="en-US" altLang="zh-CN" dirty="0"/>
+              <a:t>The change in organization structure is the result of change in business goal, e.g., BAD has extended its business functionality from only addressing </a:t>
+            </a:r>
+            <a:r>
+              <a:rPr lang="en-US" altLang="zh-CN"/>
+              <a:t>bad actors.</a:t>
+            </a:r>
             <a:endParaRPr lang="zh-CN" altLang="en-US" dirty="0"/>
           </a:p>
         </p:txBody>
@@ -16014,7 +16704,7 @@
           <a:p>
             <a:fld id="{5A9EAB40-E790-4C8C-B9D5-7C0E0C79FA99}" type="slidenum">
               <a:rPr lang="zh-CN" altLang="en-US" smtClean="0"/>
-              <a:t>20</a:t>
+              <a:t>12</a:t>
             </a:fld>
             <a:endParaRPr lang="zh-CN" altLang="en-US"/>
           </a:p>
@@ -16023,7 +16713,95 @@
     </p:spTree>
     <p:extLst>
       <p:ext uri="{BB962C8B-B14F-4D97-AF65-F5344CB8AC3E}">
-        <p14:creationId xmlns:p14="http://schemas.microsoft.com/office/powerpoint/2010/main" val="1634025188"/>
+        <p14:creationId xmlns:p14="http://schemas.microsoft.com/office/powerpoint/2010/main" val="535836020"/>
+      </p:ext>
+    </p:extLst>
+  </p:cSld>
+  <p:clrMapOvr>
+    <a:masterClrMapping/>
+  </p:clrMapOvr>
+</p:notes>
+</file>
+
+<file path=ppt/notesSlides/notesSlide9.xml><?xml version="1.0" encoding="utf-8"?>
+<p:notes xmlns:a="http://schemas.openxmlformats.org/drawingml/2006/main" xmlns:r="http://schemas.openxmlformats.org/officeDocument/2006/relationships" xmlns:p="http://schemas.openxmlformats.org/presentationml/2006/main">
+  <p:cSld>
+    <p:spTree>
+      <p:nvGrpSpPr>
+        <p:cNvPr id="1" name=""/>
+        <p:cNvGrpSpPr/>
+        <p:nvPr/>
+      </p:nvGrpSpPr>
+      <p:grpSpPr>
+        <a:xfrm>
+          <a:off x="0" y="0"/>
+          <a:ext cx="0" cy="0"/>
+          <a:chOff x="0" y="0"/>
+          <a:chExt cx="0" cy="0"/>
+        </a:xfrm>
+      </p:grpSpPr>
+      <p:sp>
+        <p:nvSpPr>
+          <p:cNvPr id="2" name="幻灯片图像占位符 1"/>
+          <p:cNvSpPr>
+            <a:spLocks noGrp="1" noRot="1" noChangeAspect="1"/>
+          </p:cNvSpPr>
+          <p:nvPr>
+            <p:ph type="sldImg"/>
+          </p:nvPr>
+        </p:nvSpPr>
+        <p:spPr/>
+      </p:sp>
+      <p:sp>
+        <p:nvSpPr>
+          <p:cNvPr id="3" name="备注占位符 2"/>
+          <p:cNvSpPr>
+            <a:spLocks noGrp="1"/>
+          </p:cNvSpPr>
+          <p:nvPr>
+            <p:ph type="body" idx="1"/>
+          </p:nvPr>
+        </p:nvSpPr>
+        <p:spPr/>
+        <p:txBody>
+          <a:bodyPr/>
+          <a:lstStyle/>
+          <a:p>
+            <a:r>
+              <a:rPr lang="en-US" altLang="zh-CN" dirty="0"/>
+              <a:t>I’m not saying the meetings are useless. In fact, I think they are really helpful and the documentation generated from these meetings are important. However, I don’t think they are in the right format. If a lot of the engineers are working on their own jobs in a meeting, then we should rethink the format and the purpose of that meeting.</a:t>
+            </a:r>
+            <a:endParaRPr lang="zh-CN" altLang="en-US" dirty="0"/>
+          </a:p>
+        </p:txBody>
+      </p:sp>
+      <p:sp>
+        <p:nvSpPr>
+          <p:cNvPr id="4" name="灯片编号占位符 3"/>
+          <p:cNvSpPr>
+            <a:spLocks noGrp="1"/>
+          </p:cNvSpPr>
+          <p:nvPr>
+            <p:ph type="sldNum" sz="quarter" idx="5"/>
+          </p:nvPr>
+        </p:nvSpPr>
+        <p:spPr/>
+        <p:txBody>
+          <a:bodyPr/>
+          <a:lstStyle/>
+          <a:p>
+            <a:fld id="{5A9EAB40-E790-4C8C-B9D5-7C0E0C79FA99}" type="slidenum">
+              <a:rPr lang="zh-CN" altLang="en-US" smtClean="0"/>
+              <a:t>13</a:t>
+            </a:fld>
+            <a:endParaRPr lang="zh-CN" altLang="en-US"/>
+          </a:p>
+        </p:txBody>
+      </p:sp>
+    </p:spTree>
+    <p:extLst>
+      <p:ext uri="{BB962C8B-B14F-4D97-AF65-F5344CB8AC3E}">
+        <p14:creationId xmlns:p14="http://schemas.microsoft.com/office/powerpoint/2010/main" val="607350400"/>
       </p:ext>
     </p:extLst>
   </p:cSld>
@@ -16180,7 +16958,7 @@
           <a:p>
             <a:fld id="{E72028D4-BDA7-48F1-97BA-5449C377C1F7}" type="datetime1">
               <a:rPr lang="zh-CN" altLang="en-US" smtClean="0"/>
-              <a:t>2023/9/24</a:t>
+              <a:t>2023/10/2</a:t>
             </a:fld>
             <a:endParaRPr lang="zh-CN" altLang="en-US"/>
           </a:p>
@@ -16378,7 +17156,7 @@
           <a:p>
             <a:fld id="{E38F565A-8440-471E-8848-814D992211A1}" type="datetime1">
               <a:rPr lang="zh-CN" altLang="en-US" smtClean="0"/>
-              <a:t>2023/9/24</a:t>
+              <a:t>2023/10/2</a:t>
             </a:fld>
             <a:endParaRPr lang="zh-CN" altLang="en-US"/>
           </a:p>
@@ -16586,7 +17364,7 @@
           <a:p>
             <a:fld id="{9CC89AAA-C284-49AE-87F3-513C91A46E86}" type="datetime1">
               <a:rPr lang="zh-CN" altLang="en-US" smtClean="0"/>
-              <a:t>2023/9/24</a:t>
+              <a:t>2023/10/2</a:t>
             </a:fld>
             <a:endParaRPr lang="zh-CN" altLang="en-US"/>
           </a:p>
@@ -16784,7 +17562,7 @@
           <a:p>
             <a:fld id="{CF682199-90A7-47A3-ACA4-94ABDAEA65D2}" type="datetime1">
               <a:rPr lang="zh-CN" altLang="en-US" smtClean="0"/>
-              <a:t>2023/9/24</a:t>
+              <a:t>2023/10/2</a:t>
             </a:fld>
             <a:endParaRPr lang="zh-CN" altLang="en-US"/>
           </a:p>
@@ -17059,7 +17837,7 @@
           <a:p>
             <a:fld id="{57B4A720-9266-4F21-B1D5-A546C6B171E2}" type="datetime1">
               <a:rPr lang="zh-CN" altLang="en-US" smtClean="0"/>
-              <a:t>2023/9/24</a:t>
+              <a:t>2023/10/2</a:t>
             </a:fld>
             <a:endParaRPr lang="zh-CN" altLang="en-US"/>
           </a:p>
@@ -17324,7 +18102,7 @@
           <a:p>
             <a:fld id="{A3A2F5F4-D417-4F90-8628-3D209E28D6E7}" type="datetime1">
               <a:rPr lang="zh-CN" altLang="en-US" smtClean="0"/>
-              <a:t>2023/9/24</a:t>
+              <a:t>2023/10/2</a:t>
             </a:fld>
             <a:endParaRPr lang="zh-CN" altLang="en-US"/>
           </a:p>
@@ -17736,7 +18514,7 @@
           <a:p>
             <a:fld id="{8D9761D2-4B29-4C41-A866-55E3457D1F34}" type="datetime1">
               <a:rPr lang="zh-CN" altLang="en-US" smtClean="0"/>
-              <a:t>2023/9/24</a:t>
+              <a:t>2023/10/2</a:t>
             </a:fld>
             <a:endParaRPr lang="zh-CN" altLang="en-US"/>
           </a:p>
@@ -17877,7 +18655,7 @@
           <a:p>
             <a:fld id="{AC7DDA61-DECA-4E13-8DD1-21A894F56E1C}" type="datetime1">
               <a:rPr lang="zh-CN" altLang="en-US" smtClean="0"/>
-              <a:t>2023/9/24</a:t>
+              <a:t>2023/10/2</a:t>
             </a:fld>
             <a:endParaRPr lang="zh-CN" altLang="en-US"/>
           </a:p>
@@ -17990,7 +18768,7 @@
           <a:p>
             <a:fld id="{0DBFB9FA-2AB9-4F99-86A7-BB6208662C5A}" type="datetime1">
               <a:rPr lang="zh-CN" altLang="en-US" smtClean="0"/>
-              <a:t>2023/9/24</a:t>
+              <a:t>2023/10/2</a:t>
             </a:fld>
             <a:endParaRPr lang="zh-CN" altLang="en-US"/>
           </a:p>
@@ -18301,7 +19079,7 @@
           <a:p>
             <a:fld id="{856EBE9C-F7E3-4BBF-980C-FE671B31260E}" type="datetime1">
               <a:rPr lang="zh-CN" altLang="en-US" smtClean="0"/>
-              <a:t>2023/9/24</a:t>
+              <a:t>2023/10/2</a:t>
             </a:fld>
             <a:endParaRPr lang="zh-CN" altLang="en-US"/>
           </a:p>
@@ -18589,7 +19367,7 @@
           <a:p>
             <a:fld id="{9BEAA614-C2FC-4E03-A9B7-1CC8EB72169B}" type="datetime1">
               <a:rPr lang="zh-CN" altLang="en-US" smtClean="0"/>
-              <a:t>2023/9/24</a:t>
+              <a:t>2023/10/2</a:t>
             </a:fld>
             <a:endParaRPr lang="zh-CN" altLang="en-US"/>
           </a:p>
@@ -18830,7 +19608,7 @@
           <a:p>
             <a:fld id="{0BE153CE-BD76-4431-90A5-9AC664E7DF69}" type="datetime1">
               <a:rPr lang="zh-CN" altLang="en-US" smtClean="0"/>
-              <a:t>2023/9/24</a:t>
+              <a:t>2023/10/2</a:t>
             </a:fld>
             <a:endParaRPr lang="zh-CN" altLang="en-US"/>
           </a:p>
@@ -19381,6 +20159,1303 @@
       </p:grpSpPr>
       <p:sp>
         <p:nvSpPr>
+          <p:cNvPr id="5" name="标题 4">
+            <a:extLst>
+              <a:ext uri="{FF2B5EF4-FFF2-40B4-BE49-F238E27FC236}">
+                <a16:creationId xmlns:a16="http://schemas.microsoft.com/office/drawing/2014/main" id="{DFA73D86-645D-E5D6-3209-ED9126E01C23}"/>
+              </a:ext>
+            </a:extLst>
+          </p:cNvPr>
+          <p:cNvSpPr>
+            <a:spLocks noGrp="1"/>
+          </p:cNvSpPr>
+          <p:nvPr>
+            <p:ph type="title"/>
+          </p:nvPr>
+        </p:nvSpPr>
+        <p:spPr/>
+        <p:txBody>
+          <a:bodyPr/>
+          <a:lstStyle/>
+          <a:p>
+            <a:r>
+              <a:rPr lang="en-US" altLang="zh-CN" dirty="0"/>
+              <a:t>How Agile Manifesto is Respected?</a:t>
+            </a:r>
+            <a:endParaRPr lang="zh-CN" altLang="en-US" dirty="0"/>
+          </a:p>
+        </p:txBody>
+      </p:sp>
+      <p:sp>
+        <p:nvSpPr>
+          <p:cNvPr id="6" name="内容占位符 5">
+            <a:extLst>
+              <a:ext uri="{FF2B5EF4-FFF2-40B4-BE49-F238E27FC236}">
+                <a16:creationId xmlns:a16="http://schemas.microsoft.com/office/drawing/2014/main" id="{6F707A4C-1DE0-2440-AFCB-6EDAA7CE385A}"/>
+              </a:ext>
+            </a:extLst>
+          </p:cNvPr>
+          <p:cNvSpPr>
+            <a:spLocks noGrp="1"/>
+          </p:cNvSpPr>
+          <p:nvPr>
+            <p:ph idx="1"/>
+          </p:nvPr>
+        </p:nvSpPr>
+        <p:spPr/>
+        <p:txBody>
+          <a:bodyPr/>
+          <a:lstStyle/>
+          <a:p>
+            <a:pPr marL="0" indent="0">
+              <a:buNone/>
+            </a:pPr>
+            <a:r>
+              <a:rPr lang="en-US" altLang="zh-CN" dirty="0"/>
+              <a:t>Individuals and interactions </a:t>
+            </a:r>
+            <a:r>
+              <a:rPr lang="en-US" altLang="zh-CN" sz="2000" dirty="0"/>
+              <a:t>over processes and tools</a:t>
+            </a:r>
+          </a:p>
+          <a:p>
+            <a:pPr lvl="1"/>
+            <a:r>
+              <a:rPr lang="en-US" altLang="zh-CN" sz="2000" dirty="0"/>
+              <a:t>Interactions and communications via various meetings, whiteboard sessions, pair programming.</a:t>
+            </a:r>
+          </a:p>
+          <a:p>
+            <a:pPr lvl="1"/>
+            <a:r>
+              <a:rPr lang="en-US" altLang="zh-CN" sz="2000" dirty="0"/>
+              <a:t>But also processes and tools to support communication, logging, knowledge sharing.</a:t>
+            </a:r>
+          </a:p>
+          <a:p>
+            <a:pPr lvl="1"/>
+            <a:r>
+              <a:rPr lang="en-US" altLang="zh-CN" sz="2000" dirty="0"/>
+              <a:t>Need interactions but also keep them in record!</a:t>
+            </a:r>
+          </a:p>
+          <a:p>
+            <a:pPr lvl="1"/>
+            <a:endParaRPr lang="en-US" altLang="zh-CN" sz="2000" dirty="0"/>
+          </a:p>
+          <a:p>
+            <a:pPr marL="0" indent="0">
+              <a:buNone/>
+            </a:pPr>
+            <a:r>
+              <a:rPr lang="en-US" altLang="zh-CN" dirty="0"/>
+              <a:t>Working software </a:t>
+            </a:r>
+            <a:r>
+              <a:rPr lang="en-US" altLang="zh-CN" sz="2000" dirty="0"/>
+              <a:t>over comprehensive documentation</a:t>
+            </a:r>
+          </a:p>
+          <a:p>
+            <a:pPr lvl="1"/>
+            <a:r>
+              <a:rPr lang="en-US" altLang="zh-CN" sz="2000" dirty="0"/>
+              <a:t>Surprisingly more documents than you would expect, Wiki, design doc, planning &amp; tracking docs, SOPs.</a:t>
+            </a:r>
+          </a:p>
+          <a:p>
+            <a:pPr lvl="1"/>
+            <a:r>
+              <a:rPr lang="en-US" altLang="zh-CN" sz="2000" dirty="0"/>
+              <a:t>Various testing, static analysis, CI/CD support to ensure quality and facilitate fast delivery.</a:t>
+            </a:r>
+          </a:p>
+        </p:txBody>
+      </p:sp>
+      <p:sp>
+        <p:nvSpPr>
+          <p:cNvPr id="4" name="灯片编号占位符 3">
+            <a:extLst>
+              <a:ext uri="{FF2B5EF4-FFF2-40B4-BE49-F238E27FC236}">
+                <a16:creationId xmlns:a16="http://schemas.microsoft.com/office/drawing/2014/main" id="{2BD23E71-E580-5BF6-1C9C-813AC5D3688B}"/>
+              </a:ext>
+            </a:extLst>
+          </p:cNvPr>
+          <p:cNvSpPr>
+            <a:spLocks noGrp="1"/>
+          </p:cNvSpPr>
+          <p:nvPr>
+            <p:ph type="sldNum" sz="quarter" idx="12"/>
+          </p:nvPr>
+        </p:nvSpPr>
+        <p:spPr/>
+        <p:txBody>
+          <a:bodyPr/>
+          <a:lstStyle/>
+          <a:p>
+            <a:fld id="{A28059E6-AE8B-428C-9632-7EEB8C37C8BE}" type="slidenum">
+              <a:rPr lang="zh-CN" altLang="en-US" smtClean="0"/>
+              <a:t>10</a:t>
+            </a:fld>
+            <a:endParaRPr lang="zh-CN" altLang="en-US"/>
+          </a:p>
+        </p:txBody>
+      </p:sp>
+    </p:spTree>
+    <p:extLst>
+      <p:ext uri="{BB962C8B-B14F-4D97-AF65-F5344CB8AC3E}">
+        <p14:creationId xmlns:p14="http://schemas.microsoft.com/office/powerpoint/2010/main" val="2975277067"/>
+      </p:ext>
+    </p:extLst>
+  </p:cSld>
+  <p:clrMapOvr>
+    <a:masterClrMapping/>
+  </p:clrMapOvr>
+  <p:timing>
+    <p:tnLst>
+      <p:par>
+        <p:cTn id="1" dur="indefinite" restart="never" nodeType="tmRoot">
+          <p:childTnLst>
+            <p:seq concurrent="1" nextAc="seek">
+              <p:cTn id="2" dur="indefinite" nodeType="mainSeq">
+                <p:childTnLst>
+                  <p:par>
+                    <p:cTn id="3" fill="hold">
+                      <p:stCondLst>
+                        <p:cond delay="indefinite"/>
+                      </p:stCondLst>
+                      <p:childTnLst>
+                        <p:par>
+                          <p:cTn id="4" fill="hold">
+                            <p:stCondLst>
+                              <p:cond delay="0"/>
+                            </p:stCondLst>
+                            <p:childTnLst>
+                              <p:par>
+                                <p:cTn id="5" presetID="1" presetClass="entr" presetSubtype="0" fill="hold" nodeType="clickEffect">
+                                  <p:stCondLst>
+                                    <p:cond delay="0"/>
+                                  </p:stCondLst>
+                                  <p:childTnLst>
+                                    <p:set>
+                                      <p:cBhvr>
+                                        <p:cTn id="6" dur="1" fill="hold">
+                                          <p:stCondLst>
+                                            <p:cond delay="0"/>
+                                          </p:stCondLst>
+                                        </p:cTn>
+                                        <p:tgtEl>
+                                          <p:spTgt spid="6">
+                                            <p:txEl>
+                                              <p:pRg st="5" end="5"/>
+                                            </p:txEl>
+                                          </p:spTgt>
+                                        </p:tgtEl>
+                                        <p:attrNameLst>
+                                          <p:attrName>style.visibility</p:attrName>
+                                        </p:attrNameLst>
+                                      </p:cBhvr>
+                                      <p:to>
+                                        <p:strVal val="visible"/>
+                                      </p:to>
+                                    </p:set>
+                                  </p:childTnLst>
+                                </p:cTn>
+                              </p:par>
+                              <p:par>
+                                <p:cTn id="7" presetID="1" presetClass="entr" presetSubtype="0" fill="hold" nodeType="withEffect">
+                                  <p:stCondLst>
+                                    <p:cond delay="0"/>
+                                  </p:stCondLst>
+                                  <p:childTnLst>
+                                    <p:set>
+                                      <p:cBhvr>
+                                        <p:cTn id="8" dur="1" fill="hold">
+                                          <p:stCondLst>
+                                            <p:cond delay="0"/>
+                                          </p:stCondLst>
+                                        </p:cTn>
+                                        <p:tgtEl>
+                                          <p:spTgt spid="6">
+                                            <p:txEl>
+                                              <p:pRg st="6" end="6"/>
+                                            </p:txEl>
+                                          </p:spTgt>
+                                        </p:tgtEl>
+                                        <p:attrNameLst>
+                                          <p:attrName>style.visibility</p:attrName>
+                                        </p:attrNameLst>
+                                      </p:cBhvr>
+                                      <p:to>
+                                        <p:strVal val="visible"/>
+                                      </p:to>
+                                    </p:set>
+                                  </p:childTnLst>
+                                </p:cTn>
+                              </p:par>
+                              <p:par>
+                                <p:cTn id="9" presetID="1" presetClass="entr" presetSubtype="0" fill="hold" nodeType="withEffect">
+                                  <p:stCondLst>
+                                    <p:cond delay="0"/>
+                                  </p:stCondLst>
+                                  <p:childTnLst>
+                                    <p:set>
+                                      <p:cBhvr>
+                                        <p:cTn id="10" dur="1" fill="hold">
+                                          <p:stCondLst>
+                                            <p:cond delay="0"/>
+                                          </p:stCondLst>
+                                        </p:cTn>
+                                        <p:tgtEl>
+                                          <p:spTgt spid="6">
+                                            <p:txEl>
+                                              <p:pRg st="7" end="7"/>
+                                            </p:txEl>
+                                          </p:spTgt>
+                                        </p:tgtEl>
+                                        <p:attrNameLst>
+                                          <p:attrName>style.visibility</p:attrName>
+                                        </p:attrNameLst>
+                                      </p:cBhvr>
+                                      <p:to>
+                                        <p:strVal val="visible"/>
+                                      </p:to>
+                                    </p:set>
+                                  </p:childTnLst>
+                                </p:cTn>
+                              </p:par>
+                            </p:childTnLst>
+                          </p:cTn>
+                        </p:par>
+                      </p:childTnLst>
+                    </p:cTn>
+                  </p:par>
+                </p:childTnLst>
+              </p:cTn>
+              <p:prevCondLst>
+                <p:cond evt="onPrev" delay="0">
+                  <p:tgtEl>
+                    <p:sldTgt/>
+                  </p:tgtEl>
+                </p:cond>
+              </p:prevCondLst>
+              <p:nextCondLst>
+                <p:cond evt="onNext" delay="0">
+                  <p:tgtEl>
+                    <p:sldTgt/>
+                  </p:tgtEl>
+                </p:cond>
+              </p:nextCondLst>
+            </p:seq>
+          </p:childTnLst>
+        </p:cTn>
+      </p:par>
+    </p:tnLst>
+  </p:timing>
+</p:sld>
+</file>
+
+<file path=ppt/slides/slide11.xml><?xml version="1.0" encoding="utf-8"?>
+<p:sld xmlns:a="http://schemas.openxmlformats.org/drawingml/2006/main" xmlns:r="http://schemas.openxmlformats.org/officeDocument/2006/relationships" xmlns:p="http://schemas.openxmlformats.org/presentationml/2006/main">
+  <p:cSld>
+    <p:spTree>
+      <p:nvGrpSpPr>
+        <p:cNvPr id="1" name=""/>
+        <p:cNvGrpSpPr/>
+        <p:nvPr/>
+      </p:nvGrpSpPr>
+      <p:grpSpPr>
+        <a:xfrm>
+          <a:off x="0" y="0"/>
+          <a:ext cx="0" cy="0"/>
+          <a:chOff x="0" y="0"/>
+          <a:chExt cx="0" cy="0"/>
+        </a:xfrm>
+      </p:grpSpPr>
+      <p:sp>
+        <p:nvSpPr>
+          <p:cNvPr id="5" name="标题 4">
+            <a:extLst>
+              <a:ext uri="{FF2B5EF4-FFF2-40B4-BE49-F238E27FC236}">
+                <a16:creationId xmlns:a16="http://schemas.microsoft.com/office/drawing/2014/main" id="{DFA73D86-645D-E5D6-3209-ED9126E01C23}"/>
+              </a:ext>
+            </a:extLst>
+          </p:cNvPr>
+          <p:cNvSpPr>
+            <a:spLocks noGrp="1"/>
+          </p:cNvSpPr>
+          <p:nvPr>
+            <p:ph type="title"/>
+          </p:nvPr>
+        </p:nvSpPr>
+        <p:spPr/>
+        <p:txBody>
+          <a:bodyPr/>
+          <a:lstStyle/>
+          <a:p>
+            <a:r>
+              <a:rPr lang="en-US" altLang="zh-CN" dirty="0"/>
+              <a:t>How Agile Manifesto is Respected?</a:t>
+            </a:r>
+            <a:endParaRPr lang="zh-CN" altLang="en-US" dirty="0"/>
+          </a:p>
+        </p:txBody>
+      </p:sp>
+      <p:sp>
+        <p:nvSpPr>
+          <p:cNvPr id="6" name="内容占位符 5">
+            <a:extLst>
+              <a:ext uri="{FF2B5EF4-FFF2-40B4-BE49-F238E27FC236}">
+                <a16:creationId xmlns:a16="http://schemas.microsoft.com/office/drawing/2014/main" id="{6F707A4C-1DE0-2440-AFCB-6EDAA7CE385A}"/>
+              </a:ext>
+            </a:extLst>
+          </p:cNvPr>
+          <p:cNvSpPr>
+            <a:spLocks noGrp="1"/>
+          </p:cNvSpPr>
+          <p:nvPr>
+            <p:ph idx="1"/>
+          </p:nvPr>
+        </p:nvSpPr>
+        <p:spPr/>
+        <p:txBody>
+          <a:bodyPr/>
+          <a:lstStyle/>
+          <a:p>
+            <a:pPr marL="0" indent="0">
+              <a:buNone/>
+            </a:pPr>
+            <a:r>
+              <a:rPr lang="en-US" altLang="zh-CN" dirty="0"/>
+              <a:t>Customer collaboration </a:t>
+            </a:r>
+            <a:r>
+              <a:rPr lang="en-US" altLang="zh-CN" sz="2000" dirty="0"/>
+              <a:t>over contract negotiation</a:t>
+            </a:r>
+          </a:p>
+          <a:p>
+            <a:pPr lvl="1"/>
+            <a:r>
+              <a:rPr lang="en-US" altLang="zh-CN" sz="2000" dirty="0"/>
+              <a:t>Customer Obsession.</a:t>
+            </a:r>
+          </a:p>
+          <a:p>
+            <a:pPr lvl="1"/>
+            <a:r>
+              <a:rPr lang="en-US" altLang="zh-CN" sz="2000" dirty="0"/>
+              <a:t>Team B is Team A’s customer; Away Team.</a:t>
+            </a:r>
+          </a:p>
+          <a:p>
+            <a:endParaRPr lang="en-US" altLang="zh-CN" dirty="0"/>
+          </a:p>
+          <a:p>
+            <a:pPr marL="0" indent="0">
+              <a:buNone/>
+            </a:pPr>
+            <a:r>
+              <a:rPr lang="en-US" altLang="zh-CN" dirty="0"/>
+              <a:t>Responding to change </a:t>
+            </a:r>
+            <a:r>
+              <a:rPr lang="en-US" altLang="zh-CN" sz="2000" dirty="0"/>
+              <a:t>over following a plan</a:t>
+            </a:r>
+          </a:p>
+          <a:p>
+            <a:pPr lvl="1"/>
+            <a:r>
+              <a:rPr lang="en-US" altLang="zh-CN" sz="2000" dirty="0"/>
+              <a:t>Business plan (OP1, OP2) over development plan.</a:t>
+            </a:r>
+          </a:p>
+          <a:p>
+            <a:pPr lvl="1"/>
+            <a:r>
+              <a:rPr lang="en-US" altLang="zh-CN" sz="2000" dirty="0"/>
+              <a:t>Feature take-in time window.</a:t>
+            </a:r>
+          </a:p>
+          <a:p>
+            <a:pPr lvl="1"/>
+            <a:r>
+              <a:rPr lang="en-US" altLang="zh-CN" sz="2000" dirty="0"/>
+              <a:t>More like incremental development but review the plan every two weeks.</a:t>
+            </a:r>
+          </a:p>
+        </p:txBody>
+      </p:sp>
+      <p:sp>
+        <p:nvSpPr>
+          <p:cNvPr id="4" name="灯片编号占位符 3">
+            <a:extLst>
+              <a:ext uri="{FF2B5EF4-FFF2-40B4-BE49-F238E27FC236}">
+                <a16:creationId xmlns:a16="http://schemas.microsoft.com/office/drawing/2014/main" id="{2BD23E71-E580-5BF6-1C9C-813AC5D3688B}"/>
+              </a:ext>
+            </a:extLst>
+          </p:cNvPr>
+          <p:cNvSpPr>
+            <a:spLocks noGrp="1"/>
+          </p:cNvSpPr>
+          <p:nvPr>
+            <p:ph type="sldNum" sz="quarter" idx="12"/>
+          </p:nvPr>
+        </p:nvSpPr>
+        <p:spPr/>
+        <p:txBody>
+          <a:bodyPr/>
+          <a:lstStyle/>
+          <a:p>
+            <a:fld id="{A28059E6-AE8B-428C-9632-7EEB8C37C8BE}" type="slidenum">
+              <a:rPr lang="zh-CN" altLang="en-US" smtClean="0"/>
+              <a:t>11</a:t>
+            </a:fld>
+            <a:endParaRPr lang="zh-CN" altLang="en-US"/>
+          </a:p>
+        </p:txBody>
+      </p:sp>
+    </p:spTree>
+    <p:extLst>
+      <p:ext uri="{BB962C8B-B14F-4D97-AF65-F5344CB8AC3E}">
+        <p14:creationId xmlns:p14="http://schemas.microsoft.com/office/powerpoint/2010/main" val="3333928342"/>
+      </p:ext>
+    </p:extLst>
+  </p:cSld>
+  <p:clrMapOvr>
+    <a:masterClrMapping/>
+  </p:clrMapOvr>
+  <p:timing>
+    <p:tnLst>
+      <p:par>
+        <p:cTn id="1" dur="indefinite" restart="never" nodeType="tmRoot">
+          <p:childTnLst>
+            <p:seq concurrent="1" nextAc="seek">
+              <p:cTn id="2" dur="indefinite" nodeType="mainSeq">
+                <p:childTnLst>
+                  <p:par>
+                    <p:cTn id="3" fill="hold">
+                      <p:stCondLst>
+                        <p:cond delay="indefinite"/>
+                      </p:stCondLst>
+                      <p:childTnLst>
+                        <p:par>
+                          <p:cTn id="4" fill="hold">
+                            <p:stCondLst>
+                              <p:cond delay="0"/>
+                            </p:stCondLst>
+                            <p:childTnLst>
+                              <p:par>
+                                <p:cTn id="5" presetID="1" presetClass="entr" presetSubtype="0" fill="hold" nodeType="clickEffect">
+                                  <p:stCondLst>
+                                    <p:cond delay="0"/>
+                                  </p:stCondLst>
+                                  <p:childTnLst>
+                                    <p:set>
+                                      <p:cBhvr>
+                                        <p:cTn id="6" dur="1" fill="hold">
+                                          <p:stCondLst>
+                                            <p:cond delay="0"/>
+                                          </p:stCondLst>
+                                        </p:cTn>
+                                        <p:tgtEl>
+                                          <p:spTgt spid="6">
+                                            <p:txEl>
+                                              <p:pRg st="4" end="4"/>
+                                            </p:txEl>
+                                          </p:spTgt>
+                                        </p:tgtEl>
+                                        <p:attrNameLst>
+                                          <p:attrName>style.visibility</p:attrName>
+                                        </p:attrNameLst>
+                                      </p:cBhvr>
+                                      <p:to>
+                                        <p:strVal val="visible"/>
+                                      </p:to>
+                                    </p:set>
+                                  </p:childTnLst>
+                                </p:cTn>
+                              </p:par>
+                              <p:par>
+                                <p:cTn id="7" presetID="1" presetClass="entr" presetSubtype="0" fill="hold" nodeType="withEffect">
+                                  <p:stCondLst>
+                                    <p:cond delay="0"/>
+                                  </p:stCondLst>
+                                  <p:childTnLst>
+                                    <p:set>
+                                      <p:cBhvr>
+                                        <p:cTn id="8" dur="1" fill="hold">
+                                          <p:stCondLst>
+                                            <p:cond delay="0"/>
+                                          </p:stCondLst>
+                                        </p:cTn>
+                                        <p:tgtEl>
+                                          <p:spTgt spid="6">
+                                            <p:txEl>
+                                              <p:pRg st="5" end="5"/>
+                                            </p:txEl>
+                                          </p:spTgt>
+                                        </p:tgtEl>
+                                        <p:attrNameLst>
+                                          <p:attrName>style.visibility</p:attrName>
+                                        </p:attrNameLst>
+                                      </p:cBhvr>
+                                      <p:to>
+                                        <p:strVal val="visible"/>
+                                      </p:to>
+                                    </p:set>
+                                  </p:childTnLst>
+                                </p:cTn>
+                              </p:par>
+                              <p:par>
+                                <p:cTn id="9" presetID="1" presetClass="entr" presetSubtype="0" fill="hold" nodeType="withEffect">
+                                  <p:stCondLst>
+                                    <p:cond delay="0"/>
+                                  </p:stCondLst>
+                                  <p:childTnLst>
+                                    <p:set>
+                                      <p:cBhvr>
+                                        <p:cTn id="10" dur="1" fill="hold">
+                                          <p:stCondLst>
+                                            <p:cond delay="0"/>
+                                          </p:stCondLst>
+                                        </p:cTn>
+                                        <p:tgtEl>
+                                          <p:spTgt spid="6">
+                                            <p:txEl>
+                                              <p:pRg st="6" end="6"/>
+                                            </p:txEl>
+                                          </p:spTgt>
+                                        </p:tgtEl>
+                                        <p:attrNameLst>
+                                          <p:attrName>style.visibility</p:attrName>
+                                        </p:attrNameLst>
+                                      </p:cBhvr>
+                                      <p:to>
+                                        <p:strVal val="visible"/>
+                                      </p:to>
+                                    </p:set>
+                                  </p:childTnLst>
+                                </p:cTn>
+                              </p:par>
+                              <p:par>
+                                <p:cTn id="11" presetID="1" presetClass="entr" presetSubtype="0" fill="hold" nodeType="withEffect">
+                                  <p:stCondLst>
+                                    <p:cond delay="0"/>
+                                  </p:stCondLst>
+                                  <p:childTnLst>
+                                    <p:set>
+                                      <p:cBhvr>
+                                        <p:cTn id="12" dur="1" fill="hold">
+                                          <p:stCondLst>
+                                            <p:cond delay="0"/>
+                                          </p:stCondLst>
+                                        </p:cTn>
+                                        <p:tgtEl>
+                                          <p:spTgt spid="6">
+                                            <p:txEl>
+                                              <p:pRg st="7" end="7"/>
+                                            </p:txEl>
+                                          </p:spTgt>
+                                        </p:tgtEl>
+                                        <p:attrNameLst>
+                                          <p:attrName>style.visibility</p:attrName>
+                                        </p:attrNameLst>
+                                      </p:cBhvr>
+                                      <p:to>
+                                        <p:strVal val="visible"/>
+                                      </p:to>
+                                    </p:set>
+                                  </p:childTnLst>
+                                </p:cTn>
+                              </p:par>
+                            </p:childTnLst>
+                          </p:cTn>
+                        </p:par>
+                      </p:childTnLst>
+                    </p:cTn>
+                  </p:par>
+                </p:childTnLst>
+              </p:cTn>
+              <p:prevCondLst>
+                <p:cond evt="onPrev" delay="0">
+                  <p:tgtEl>
+                    <p:sldTgt/>
+                  </p:tgtEl>
+                </p:cond>
+              </p:prevCondLst>
+              <p:nextCondLst>
+                <p:cond evt="onNext" delay="0">
+                  <p:tgtEl>
+                    <p:sldTgt/>
+                  </p:tgtEl>
+                </p:cond>
+              </p:nextCondLst>
+            </p:seq>
+          </p:childTnLst>
+        </p:cTn>
+      </p:par>
+    </p:tnLst>
+  </p:timing>
+</p:sld>
+</file>
+
+<file path=ppt/slides/slide12.xml><?xml version="1.0" encoding="utf-8"?>
+<p:sld xmlns:a="http://schemas.openxmlformats.org/drawingml/2006/main" xmlns:r="http://schemas.openxmlformats.org/officeDocument/2006/relationships" xmlns:p="http://schemas.openxmlformats.org/presentationml/2006/main">
+  <p:cSld>
+    <p:spTree>
+      <p:nvGrpSpPr>
+        <p:cNvPr id="1" name=""/>
+        <p:cNvGrpSpPr/>
+        <p:nvPr/>
+      </p:nvGrpSpPr>
+      <p:grpSpPr>
+        <a:xfrm>
+          <a:off x="0" y="0"/>
+          <a:ext cx="0" cy="0"/>
+          <a:chOff x="0" y="0"/>
+          <a:chExt cx="0" cy="0"/>
+        </a:xfrm>
+      </p:grpSpPr>
+      <p:sp>
+        <p:nvSpPr>
+          <p:cNvPr id="2" name="标题 1">
+            <a:extLst>
+              <a:ext uri="{FF2B5EF4-FFF2-40B4-BE49-F238E27FC236}">
+                <a16:creationId xmlns:a16="http://schemas.microsoft.com/office/drawing/2014/main" id="{05D30BD5-A416-E164-5215-15E856C8DCA5}"/>
+              </a:ext>
+            </a:extLst>
+          </p:cNvPr>
+          <p:cNvSpPr>
+            <a:spLocks noGrp="1"/>
+          </p:cNvSpPr>
+          <p:nvPr>
+            <p:ph type="title"/>
+          </p:nvPr>
+        </p:nvSpPr>
+        <p:spPr/>
+        <p:txBody>
+          <a:bodyPr/>
+          <a:lstStyle/>
+          <a:p>
+            <a:r>
+              <a:rPr lang="en-US" altLang="zh-CN" dirty="0"/>
+              <a:t>Conway’s Law and More…</a:t>
+            </a:r>
+            <a:endParaRPr lang="zh-CN" altLang="en-US" dirty="0"/>
+          </a:p>
+        </p:txBody>
+      </p:sp>
+      <p:sp>
+        <p:nvSpPr>
+          <p:cNvPr id="3" name="内容占位符 2">
+            <a:extLst>
+              <a:ext uri="{FF2B5EF4-FFF2-40B4-BE49-F238E27FC236}">
+                <a16:creationId xmlns:a16="http://schemas.microsoft.com/office/drawing/2014/main" id="{997B2A00-6D0D-E7A4-B20B-00EDE150D294}"/>
+              </a:ext>
+            </a:extLst>
+          </p:cNvPr>
+          <p:cNvSpPr>
+            <a:spLocks noGrp="1"/>
+          </p:cNvSpPr>
+          <p:nvPr>
+            <p:ph idx="1"/>
+          </p:nvPr>
+        </p:nvSpPr>
+        <p:spPr/>
+        <p:txBody>
+          <a:bodyPr/>
+          <a:lstStyle/>
+          <a:p>
+            <a:pPr marL="0" indent="0">
+              <a:buNone/>
+            </a:pPr>
+            <a:r>
+              <a:rPr lang="en-US" altLang="zh-CN" dirty="0"/>
+              <a:t>Organization structure defines system design.</a:t>
+            </a:r>
+          </a:p>
+          <a:p>
+            <a:endParaRPr lang="en-US" altLang="zh-CN" dirty="0"/>
+          </a:p>
+          <a:p>
+            <a:pPr marL="0" indent="0">
+              <a:buNone/>
+            </a:pPr>
+            <a:r>
+              <a:rPr lang="en-US" altLang="zh-CN" dirty="0"/>
+              <a:t>Everything (including business goal, management, development process, tooling, …) defines the code.</a:t>
+            </a:r>
+          </a:p>
+          <a:p>
+            <a:endParaRPr lang="en-US" altLang="zh-CN" dirty="0"/>
+          </a:p>
+          <a:p>
+            <a:pPr marL="0" indent="0">
+              <a:buNone/>
+            </a:pPr>
+            <a:r>
+              <a:rPr lang="en-US" altLang="zh-CN" dirty="0"/>
+              <a:t>By following the process, everyone produces the same, high-quality code. </a:t>
+            </a:r>
+            <a:r>
+              <a:rPr lang="en-US" altLang="zh-CN" sz="2000" dirty="0"/>
+              <a:t>(Interestingly, you won’t find comments on code.)</a:t>
+            </a:r>
+            <a:endParaRPr lang="zh-CN" altLang="en-US" dirty="0"/>
+          </a:p>
+        </p:txBody>
+      </p:sp>
+      <p:sp>
+        <p:nvSpPr>
+          <p:cNvPr id="4" name="灯片编号占位符 3">
+            <a:extLst>
+              <a:ext uri="{FF2B5EF4-FFF2-40B4-BE49-F238E27FC236}">
+                <a16:creationId xmlns:a16="http://schemas.microsoft.com/office/drawing/2014/main" id="{1A0F054B-3653-D8F2-D98F-0F0FAB37B6A5}"/>
+              </a:ext>
+            </a:extLst>
+          </p:cNvPr>
+          <p:cNvSpPr>
+            <a:spLocks noGrp="1"/>
+          </p:cNvSpPr>
+          <p:nvPr>
+            <p:ph type="sldNum" sz="quarter" idx="12"/>
+          </p:nvPr>
+        </p:nvSpPr>
+        <p:spPr/>
+        <p:txBody>
+          <a:bodyPr/>
+          <a:lstStyle/>
+          <a:p>
+            <a:fld id="{A28059E6-AE8B-428C-9632-7EEB8C37C8BE}" type="slidenum">
+              <a:rPr lang="zh-CN" altLang="en-US" smtClean="0"/>
+              <a:t>12</a:t>
+            </a:fld>
+            <a:endParaRPr lang="zh-CN" altLang="en-US"/>
+          </a:p>
+        </p:txBody>
+      </p:sp>
+    </p:spTree>
+    <p:extLst>
+      <p:ext uri="{BB962C8B-B14F-4D97-AF65-F5344CB8AC3E}">
+        <p14:creationId xmlns:p14="http://schemas.microsoft.com/office/powerpoint/2010/main" val="4231970650"/>
+      </p:ext>
+    </p:extLst>
+  </p:cSld>
+  <p:clrMapOvr>
+    <a:masterClrMapping/>
+  </p:clrMapOvr>
+</p:sld>
+</file>
+
+<file path=ppt/slides/slide13.xml><?xml version="1.0" encoding="utf-8"?>
+<p:sld xmlns:a="http://schemas.openxmlformats.org/drawingml/2006/main" xmlns:r="http://schemas.openxmlformats.org/officeDocument/2006/relationships" xmlns:p="http://schemas.openxmlformats.org/presentationml/2006/main">
+  <p:cSld>
+    <p:spTree>
+      <p:nvGrpSpPr>
+        <p:cNvPr id="1" name=""/>
+        <p:cNvGrpSpPr/>
+        <p:nvPr/>
+      </p:nvGrpSpPr>
+      <p:grpSpPr>
+        <a:xfrm>
+          <a:off x="0" y="0"/>
+          <a:ext cx="0" cy="0"/>
+          <a:chOff x="0" y="0"/>
+          <a:chExt cx="0" cy="0"/>
+        </a:xfrm>
+      </p:grpSpPr>
+      <p:sp>
+        <p:nvSpPr>
+          <p:cNvPr id="2" name="标题 1">
+            <a:extLst>
+              <a:ext uri="{FF2B5EF4-FFF2-40B4-BE49-F238E27FC236}">
+                <a16:creationId xmlns:a16="http://schemas.microsoft.com/office/drawing/2014/main" id="{97587C41-8D49-FCD3-C6B2-42A6AB388465}"/>
+              </a:ext>
+            </a:extLst>
+          </p:cNvPr>
+          <p:cNvSpPr>
+            <a:spLocks noGrp="1"/>
+          </p:cNvSpPr>
+          <p:nvPr>
+            <p:ph type="title"/>
+          </p:nvPr>
+        </p:nvSpPr>
+        <p:spPr/>
+        <p:txBody>
+          <a:bodyPr/>
+          <a:lstStyle/>
+          <a:p>
+            <a:r>
+              <a:rPr lang="en-US" altLang="zh-CN" dirty="0"/>
+              <a:t>High Quality Code? But…</a:t>
+            </a:r>
+            <a:endParaRPr lang="zh-CN" altLang="en-US" dirty="0"/>
+          </a:p>
+        </p:txBody>
+      </p:sp>
+      <p:sp>
+        <p:nvSpPr>
+          <p:cNvPr id="3" name="内容占位符 2">
+            <a:extLst>
+              <a:ext uri="{FF2B5EF4-FFF2-40B4-BE49-F238E27FC236}">
+                <a16:creationId xmlns:a16="http://schemas.microsoft.com/office/drawing/2014/main" id="{ED5A0F28-58BA-B54A-7528-63591A1A6DCB}"/>
+              </a:ext>
+            </a:extLst>
+          </p:cNvPr>
+          <p:cNvSpPr>
+            <a:spLocks noGrp="1"/>
+          </p:cNvSpPr>
+          <p:nvPr>
+            <p:ph idx="1"/>
+          </p:nvPr>
+        </p:nvSpPr>
+        <p:spPr/>
+        <p:txBody>
+          <a:bodyPr/>
+          <a:lstStyle/>
+          <a:p>
+            <a:pPr marL="0" indent="0">
+              <a:buNone/>
+            </a:pPr>
+            <a:r>
+              <a:rPr lang="en-US" altLang="zh-CN" dirty="0"/>
+              <a:t>Meetings, Meetings, Meetings! 40% ~ 50% time in meetings!</a:t>
+            </a:r>
+          </a:p>
+          <a:p>
+            <a:pPr lvl="1"/>
+            <a:r>
+              <a:rPr lang="en-US" altLang="zh-CN" dirty="0"/>
+              <a:t>Good for knowledge sharing but not efficient for everyone.</a:t>
+            </a:r>
+          </a:p>
+          <a:p>
+            <a:pPr marL="0" indent="0">
+              <a:spcBef>
+                <a:spcPts val="1200"/>
+              </a:spcBef>
+              <a:buNone/>
+            </a:pPr>
+            <a:r>
+              <a:rPr lang="en-US" altLang="zh-CN" dirty="0"/>
+              <a:t>Great documentation on requirements, design, review, etc.</a:t>
+            </a:r>
+          </a:p>
+          <a:p>
+            <a:pPr lvl="1"/>
+            <a:r>
+              <a:rPr lang="en-US" altLang="zh-CN" dirty="0"/>
+              <a:t>Not all the artifacts are up-to-date.</a:t>
+            </a:r>
+          </a:p>
+          <a:p>
+            <a:pPr lvl="1"/>
+            <a:r>
+              <a:rPr lang="en-US" altLang="zh-CN" dirty="0"/>
+              <a:t>Does not meet CMU standard </a:t>
+            </a:r>
+            <a:r>
+              <a:rPr lang="en-US" altLang="zh-CN" dirty="0">
+                <a:sym typeface="Wingdings" panose="05000000000000000000" pitchFamily="2" charset="2"/>
+              </a:rPr>
+              <a:t></a:t>
+            </a:r>
+            <a:endParaRPr lang="en-US" altLang="zh-CN" dirty="0"/>
+          </a:p>
+          <a:p>
+            <a:pPr marL="0" indent="0">
+              <a:spcBef>
+                <a:spcPts val="1200"/>
+              </a:spcBef>
+              <a:buNone/>
+            </a:pPr>
+            <a:r>
+              <a:rPr lang="en-US" altLang="zh-CN" dirty="0"/>
+              <a:t>Apply various techniques for ensuring code quality such as static checkers.</a:t>
+            </a:r>
+          </a:p>
+          <a:p>
+            <a:pPr lvl="1"/>
+            <a:r>
+              <a:rPr lang="en-US" altLang="zh-CN" dirty="0"/>
+              <a:t>Sometimes conflicting configurations are found.</a:t>
+            </a:r>
+          </a:p>
+          <a:p>
+            <a:pPr lvl="1"/>
+            <a:r>
+              <a:rPr lang="en-US" altLang="zh-CN" dirty="0"/>
+              <a:t>E.g., require using </a:t>
+            </a:r>
+            <a:r>
+              <a:rPr lang="en-US" altLang="zh-CN" i="1" dirty="0"/>
+              <a:t>this </a:t>
+            </a:r>
+            <a:r>
+              <a:rPr lang="en-US" altLang="zh-CN" dirty="0"/>
+              <a:t>keyword in one project but not in another.</a:t>
+            </a:r>
+          </a:p>
+          <a:p>
+            <a:pPr lvl="1"/>
+            <a:r>
+              <a:rPr lang="en-US" altLang="zh-CN" dirty="0"/>
+              <a:t>Cover coverage seems to be arbitrarily defined.</a:t>
+            </a:r>
+          </a:p>
+          <a:p>
+            <a:pPr lvl="1"/>
+            <a:endParaRPr lang="en-US" altLang="zh-CN" dirty="0"/>
+          </a:p>
+        </p:txBody>
+      </p:sp>
+      <p:sp>
+        <p:nvSpPr>
+          <p:cNvPr id="4" name="灯片编号占位符 3">
+            <a:extLst>
+              <a:ext uri="{FF2B5EF4-FFF2-40B4-BE49-F238E27FC236}">
+                <a16:creationId xmlns:a16="http://schemas.microsoft.com/office/drawing/2014/main" id="{5F05579B-6A05-EF6C-90E6-9446AEC04BB6}"/>
+              </a:ext>
+            </a:extLst>
+          </p:cNvPr>
+          <p:cNvSpPr>
+            <a:spLocks noGrp="1"/>
+          </p:cNvSpPr>
+          <p:nvPr>
+            <p:ph type="sldNum" sz="quarter" idx="12"/>
+          </p:nvPr>
+        </p:nvSpPr>
+        <p:spPr/>
+        <p:txBody>
+          <a:bodyPr/>
+          <a:lstStyle/>
+          <a:p>
+            <a:fld id="{A28059E6-AE8B-428C-9632-7EEB8C37C8BE}" type="slidenum">
+              <a:rPr lang="zh-CN" altLang="en-US" smtClean="0"/>
+              <a:t>13</a:t>
+            </a:fld>
+            <a:endParaRPr lang="zh-CN" altLang="en-US"/>
+          </a:p>
+        </p:txBody>
+      </p:sp>
+    </p:spTree>
+    <p:extLst>
+      <p:ext uri="{BB962C8B-B14F-4D97-AF65-F5344CB8AC3E}">
+        <p14:creationId xmlns:p14="http://schemas.microsoft.com/office/powerpoint/2010/main" val="3481657547"/>
+      </p:ext>
+    </p:extLst>
+  </p:cSld>
+  <p:clrMapOvr>
+    <a:masterClrMapping/>
+  </p:clrMapOvr>
+  <p:timing>
+    <p:tnLst>
+      <p:par>
+        <p:cTn id="1" dur="indefinite" restart="never" nodeType="tmRoot">
+          <p:childTnLst>
+            <p:seq concurrent="1" nextAc="seek">
+              <p:cTn id="2" dur="indefinite" nodeType="mainSeq">
+                <p:childTnLst>
+                  <p:par>
+                    <p:cTn id="3" fill="hold">
+                      <p:stCondLst>
+                        <p:cond delay="indefinite"/>
+                      </p:stCondLst>
+                      <p:childTnLst>
+                        <p:par>
+                          <p:cTn id="4" fill="hold">
+                            <p:stCondLst>
+                              <p:cond delay="0"/>
+                            </p:stCondLst>
+                            <p:childTnLst>
+                              <p:par>
+                                <p:cTn id="5" presetID="1" presetClass="entr" presetSubtype="0" fill="hold" nodeType="clickEffect">
+                                  <p:stCondLst>
+                                    <p:cond delay="0"/>
+                                  </p:stCondLst>
+                                  <p:childTnLst>
+                                    <p:set>
+                                      <p:cBhvr>
+                                        <p:cTn id="6" dur="1" fill="hold">
+                                          <p:stCondLst>
+                                            <p:cond delay="0"/>
+                                          </p:stCondLst>
+                                        </p:cTn>
+                                        <p:tgtEl>
+                                          <p:spTgt spid="3">
+                                            <p:txEl>
+                                              <p:pRg st="2" end="2"/>
+                                            </p:txEl>
+                                          </p:spTgt>
+                                        </p:tgtEl>
+                                        <p:attrNameLst>
+                                          <p:attrName>style.visibility</p:attrName>
+                                        </p:attrNameLst>
+                                      </p:cBhvr>
+                                      <p:to>
+                                        <p:strVal val="visible"/>
+                                      </p:to>
+                                    </p:set>
+                                  </p:childTnLst>
+                                </p:cTn>
+                              </p:par>
+                              <p:par>
+                                <p:cTn id="7" presetID="1" presetClass="entr" presetSubtype="0" fill="hold" nodeType="withEffect">
+                                  <p:stCondLst>
+                                    <p:cond delay="0"/>
+                                  </p:stCondLst>
+                                  <p:childTnLst>
+                                    <p:set>
+                                      <p:cBhvr>
+                                        <p:cTn id="8" dur="1" fill="hold">
+                                          <p:stCondLst>
+                                            <p:cond delay="0"/>
+                                          </p:stCondLst>
+                                        </p:cTn>
+                                        <p:tgtEl>
+                                          <p:spTgt spid="3">
+                                            <p:txEl>
+                                              <p:pRg st="3" end="3"/>
+                                            </p:txEl>
+                                          </p:spTgt>
+                                        </p:tgtEl>
+                                        <p:attrNameLst>
+                                          <p:attrName>style.visibility</p:attrName>
+                                        </p:attrNameLst>
+                                      </p:cBhvr>
+                                      <p:to>
+                                        <p:strVal val="visible"/>
+                                      </p:to>
+                                    </p:set>
+                                  </p:childTnLst>
+                                </p:cTn>
+                              </p:par>
+                              <p:par>
+                                <p:cTn id="9" presetID="1" presetClass="entr" presetSubtype="0" fill="hold" nodeType="withEffect">
+                                  <p:stCondLst>
+                                    <p:cond delay="0"/>
+                                  </p:stCondLst>
+                                  <p:childTnLst>
+                                    <p:set>
+                                      <p:cBhvr>
+                                        <p:cTn id="10" dur="1" fill="hold">
+                                          <p:stCondLst>
+                                            <p:cond delay="0"/>
+                                          </p:stCondLst>
+                                        </p:cTn>
+                                        <p:tgtEl>
+                                          <p:spTgt spid="3">
+                                            <p:txEl>
+                                              <p:pRg st="4" end="4"/>
+                                            </p:txEl>
+                                          </p:spTgt>
+                                        </p:tgtEl>
+                                        <p:attrNameLst>
+                                          <p:attrName>style.visibility</p:attrName>
+                                        </p:attrNameLst>
+                                      </p:cBhvr>
+                                      <p:to>
+                                        <p:strVal val="visible"/>
+                                      </p:to>
+                                    </p:set>
+                                  </p:childTnLst>
+                                </p:cTn>
+                              </p:par>
+                            </p:childTnLst>
+                          </p:cTn>
+                        </p:par>
+                      </p:childTnLst>
+                    </p:cTn>
+                  </p:par>
+                  <p:par>
+                    <p:cTn id="11" fill="hold">
+                      <p:stCondLst>
+                        <p:cond delay="indefinite"/>
+                      </p:stCondLst>
+                      <p:childTnLst>
+                        <p:par>
+                          <p:cTn id="12" fill="hold">
+                            <p:stCondLst>
+                              <p:cond delay="0"/>
+                            </p:stCondLst>
+                            <p:childTnLst>
+                              <p:par>
+                                <p:cTn id="13" presetID="1" presetClass="entr" presetSubtype="0" fill="hold" nodeType="clickEffect">
+                                  <p:stCondLst>
+                                    <p:cond delay="0"/>
+                                  </p:stCondLst>
+                                  <p:childTnLst>
+                                    <p:set>
+                                      <p:cBhvr>
+                                        <p:cTn id="14" dur="1" fill="hold">
+                                          <p:stCondLst>
+                                            <p:cond delay="0"/>
+                                          </p:stCondLst>
+                                        </p:cTn>
+                                        <p:tgtEl>
+                                          <p:spTgt spid="3">
+                                            <p:txEl>
+                                              <p:pRg st="5" end="5"/>
+                                            </p:txEl>
+                                          </p:spTgt>
+                                        </p:tgtEl>
+                                        <p:attrNameLst>
+                                          <p:attrName>style.visibility</p:attrName>
+                                        </p:attrNameLst>
+                                      </p:cBhvr>
+                                      <p:to>
+                                        <p:strVal val="visible"/>
+                                      </p:to>
+                                    </p:set>
+                                  </p:childTnLst>
+                                </p:cTn>
+                              </p:par>
+                              <p:par>
+                                <p:cTn id="15" presetID="1" presetClass="entr" presetSubtype="0" fill="hold" nodeType="withEffect">
+                                  <p:stCondLst>
+                                    <p:cond delay="0"/>
+                                  </p:stCondLst>
+                                  <p:childTnLst>
+                                    <p:set>
+                                      <p:cBhvr>
+                                        <p:cTn id="16" dur="1" fill="hold">
+                                          <p:stCondLst>
+                                            <p:cond delay="0"/>
+                                          </p:stCondLst>
+                                        </p:cTn>
+                                        <p:tgtEl>
+                                          <p:spTgt spid="3">
+                                            <p:txEl>
+                                              <p:pRg st="6" end="6"/>
+                                            </p:txEl>
+                                          </p:spTgt>
+                                        </p:tgtEl>
+                                        <p:attrNameLst>
+                                          <p:attrName>style.visibility</p:attrName>
+                                        </p:attrNameLst>
+                                      </p:cBhvr>
+                                      <p:to>
+                                        <p:strVal val="visible"/>
+                                      </p:to>
+                                    </p:set>
+                                  </p:childTnLst>
+                                </p:cTn>
+                              </p:par>
+                              <p:par>
+                                <p:cTn id="17" presetID="1" presetClass="entr" presetSubtype="0" fill="hold" nodeType="withEffect">
+                                  <p:stCondLst>
+                                    <p:cond delay="0"/>
+                                  </p:stCondLst>
+                                  <p:childTnLst>
+                                    <p:set>
+                                      <p:cBhvr>
+                                        <p:cTn id="18" dur="1" fill="hold">
+                                          <p:stCondLst>
+                                            <p:cond delay="0"/>
+                                          </p:stCondLst>
+                                        </p:cTn>
+                                        <p:tgtEl>
+                                          <p:spTgt spid="3">
+                                            <p:txEl>
+                                              <p:pRg st="7" end="7"/>
+                                            </p:txEl>
+                                          </p:spTgt>
+                                        </p:tgtEl>
+                                        <p:attrNameLst>
+                                          <p:attrName>style.visibility</p:attrName>
+                                        </p:attrNameLst>
+                                      </p:cBhvr>
+                                      <p:to>
+                                        <p:strVal val="visible"/>
+                                      </p:to>
+                                    </p:set>
+                                  </p:childTnLst>
+                                </p:cTn>
+                              </p:par>
+                              <p:par>
+                                <p:cTn id="19" presetID="1" presetClass="entr" presetSubtype="0" fill="hold" nodeType="withEffect">
+                                  <p:stCondLst>
+                                    <p:cond delay="0"/>
+                                  </p:stCondLst>
+                                  <p:childTnLst>
+                                    <p:set>
+                                      <p:cBhvr>
+                                        <p:cTn id="20" dur="1" fill="hold">
+                                          <p:stCondLst>
+                                            <p:cond delay="0"/>
+                                          </p:stCondLst>
+                                        </p:cTn>
+                                        <p:tgtEl>
+                                          <p:spTgt spid="3">
+                                            <p:txEl>
+                                              <p:pRg st="8" end="8"/>
+                                            </p:txEl>
+                                          </p:spTgt>
+                                        </p:tgtEl>
+                                        <p:attrNameLst>
+                                          <p:attrName>style.visibility</p:attrName>
+                                        </p:attrNameLst>
+                                      </p:cBhvr>
+                                      <p:to>
+                                        <p:strVal val="visible"/>
+                                      </p:to>
+                                    </p:set>
+                                  </p:childTnLst>
+                                </p:cTn>
+                              </p:par>
+                            </p:childTnLst>
+                          </p:cTn>
+                        </p:par>
+                      </p:childTnLst>
+                    </p:cTn>
+                  </p:par>
+                </p:childTnLst>
+              </p:cTn>
+              <p:prevCondLst>
+                <p:cond evt="onPrev" delay="0">
+                  <p:tgtEl>
+                    <p:sldTgt/>
+                  </p:tgtEl>
+                </p:cond>
+              </p:prevCondLst>
+              <p:nextCondLst>
+                <p:cond evt="onNext" delay="0">
+                  <p:tgtEl>
+                    <p:sldTgt/>
+                  </p:tgtEl>
+                </p:cond>
+              </p:nextCondLst>
+            </p:seq>
+          </p:childTnLst>
+        </p:cTn>
+      </p:par>
+    </p:tnLst>
+  </p:timing>
+</p:sld>
+</file>
+
+<file path=ppt/slides/slide14.xml><?xml version="1.0" encoding="utf-8"?>
+<p:sld xmlns:a="http://schemas.openxmlformats.org/drawingml/2006/main" xmlns:r="http://schemas.openxmlformats.org/officeDocument/2006/relationships" xmlns:p="http://schemas.openxmlformats.org/presentationml/2006/main">
+  <p:cSld>
+    <p:spTree>
+      <p:nvGrpSpPr>
+        <p:cNvPr id="1" name=""/>
+        <p:cNvGrpSpPr/>
+        <p:nvPr/>
+      </p:nvGrpSpPr>
+      <p:grpSpPr>
+        <a:xfrm>
+          <a:off x="0" y="0"/>
+          <a:ext cx="0" cy="0"/>
+          <a:chOff x="0" y="0"/>
+          <a:chExt cx="0" cy="0"/>
+        </a:xfrm>
+      </p:grpSpPr>
+      <p:sp>
+        <p:nvSpPr>
           <p:cNvPr id="2" name="标题 1">
             <a:extLst>
               <a:ext uri="{FF2B5EF4-FFF2-40B4-BE49-F238E27FC236}">
@@ -19460,7 +21535,7 @@
           <a:p>
             <a:fld id="{A28059E6-AE8B-428C-9632-7EEB8C37C8BE}" type="slidenum">
               <a:rPr lang="zh-CN" altLang="en-US" smtClean="0"/>
-              <a:t>10</a:t>
+              <a:t>14</a:t>
             </a:fld>
             <a:endParaRPr lang="zh-CN" altLang="en-US"/>
           </a:p>
@@ -19479,7 +21554,7 @@
 </p:sld>
 </file>
 
-<file path=ppt/slides/slide11.xml><?xml version="1.0" encoding="utf-8"?>
+<file path=ppt/slides/slide15.xml><?xml version="1.0" encoding="utf-8"?>
 <p:sld xmlns:a="http://schemas.openxmlformats.org/drawingml/2006/main" xmlns:r="http://schemas.openxmlformats.org/officeDocument/2006/relationships" xmlns:p="http://schemas.openxmlformats.org/presentationml/2006/main">
   <p:cSld>
     <p:spTree>
@@ -19498,10 +21573,10 @@
       </p:grpSpPr>
       <p:sp>
         <p:nvSpPr>
-          <p:cNvPr id="5" name="标题 4">
+          <p:cNvPr id="2" name="标题 1">
             <a:extLst>
               <a:ext uri="{FF2B5EF4-FFF2-40B4-BE49-F238E27FC236}">
-                <a16:creationId xmlns:a16="http://schemas.microsoft.com/office/drawing/2014/main" id="{76D59D0E-B566-204C-C4EE-A4E4F918E8F0}"/>
+                <a16:creationId xmlns:a16="http://schemas.microsoft.com/office/drawing/2014/main" id="{41C79188-2C08-A445-21CB-C69C83D6E60E}"/>
               </a:ext>
             </a:extLst>
           </p:cNvPr>
@@ -19519,7 +21594,7 @@
           <a:p>
             <a:r>
               <a:rPr lang="en-US" altLang="zh-CN" dirty="0"/>
-              <a:t>Thoughts</a:t>
+              <a:t>Takeaway 1</a:t>
             </a:r>
             <a:endParaRPr lang="zh-CN" altLang="en-US" dirty="0"/>
           </a:p>
@@ -19527,10 +21602,10 @@
       </p:sp>
       <p:sp>
         <p:nvSpPr>
-          <p:cNvPr id="6" name="文本占位符 5">
+          <p:cNvPr id="3" name="内容占位符 2">
             <a:extLst>
               <a:ext uri="{FF2B5EF4-FFF2-40B4-BE49-F238E27FC236}">
-                <a16:creationId xmlns:a16="http://schemas.microsoft.com/office/drawing/2014/main" id="{44F28DFA-1FD0-7DDC-189F-861C8684E124}"/>
+                <a16:creationId xmlns:a16="http://schemas.microsoft.com/office/drawing/2014/main" id="{D7B5F015-3B83-2F96-A2F0-7BA7F99683C6}"/>
               </a:ext>
             </a:extLst>
           </p:cNvPr>
@@ -19538,7 +21613,7 @@
             <a:spLocks noGrp="1"/>
           </p:cNvSpPr>
           <p:nvPr>
-            <p:ph type="body" idx="1"/>
+            <p:ph idx="1"/>
           </p:nvPr>
         </p:nvSpPr>
         <p:spPr/>
@@ -19546,9 +21621,42 @@
           <a:bodyPr/>
           <a:lstStyle/>
           <a:p>
+            <a:pPr marL="0" indent="0">
+              <a:buNone/>
+            </a:pPr>
             <a:r>
               <a:rPr lang="en-US" altLang="zh-CN" dirty="0"/>
-              <a:t>Formal methods, Software design, Agile, AI</a:t>
+              <a:t>All such activities, documentations, static checkers can indeed help improve software quality.</a:t>
+            </a:r>
+          </a:p>
+          <a:p>
+            <a:pPr marL="0" indent="0">
+              <a:buNone/>
+            </a:pPr>
+            <a:endParaRPr lang="en-US" altLang="zh-CN" dirty="0"/>
+          </a:p>
+          <a:p>
+            <a:pPr marL="0" indent="0">
+              <a:buNone/>
+            </a:pPr>
+            <a:r>
+              <a:rPr lang="en-US" altLang="zh-CN" dirty="0"/>
+              <a:t>But how to conduct them correctly?</a:t>
+            </a:r>
+          </a:p>
+          <a:p>
+            <a:pPr marL="0" indent="0">
+              <a:buNone/>
+            </a:pPr>
+            <a:endParaRPr lang="en-US" altLang="zh-CN" dirty="0"/>
+          </a:p>
+          <a:p>
+            <a:pPr marL="0" indent="0">
+              <a:buNone/>
+            </a:pPr>
+            <a:r>
+              <a:rPr lang="en-US" altLang="zh-CN" dirty="0"/>
+              <a:t>It’s an ad-hoc and experimental process to decide on the “correct” process for an organization. </a:t>
             </a:r>
             <a:endParaRPr lang="zh-CN" altLang="en-US" dirty="0"/>
           </a:p>
@@ -19559,7 +21667,7 @@
           <p:cNvPr id="4" name="灯片编号占位符 3">
             <a:extLst>
               <a:ext uri="{FF2B5EF4-FFF2-40B4-BE49-F238E27FC236}">
-                <a16:creationId xmlns:a16="http://schemas.microsoft.com/office/drawing/2014/main" id="{112CB3DA-1122-446A-8BA5-3760B26BA243}"/>
+                <a16:creationId xmlns:a16="http://schemas.microsoft.com/office/drawing/2014/main" id="{3B82F32D-EB7E-A7B3-053E-3FC5D74E79C7}"/>
               </a:ext>
             </a:extLst>
           </p:cNvPr>
@@ -19577,7 +21685,7 @@
           <a:p>
             <a:fld id="{A28059E6-AE8B-428C-9632-7EEB8C37C8BE}" type="slidenum">
               <a:rPr lang="zh-CN" altLang="en-US" smtClean="0"/>
-              <a:t>11</a:t>
+              <a:t>15</a:t>
             </a:fld>
             <a:endParaRPr lang="zh-CN" altLang="en-US"/>
           </a:p>
@@ -19586,7 +21694,7 @@
     </p:spTree>
     <p:extLst>
       <p:ext uri="{BB962C8B-B14F-4D97-AF65-F5344CB8AC3E}">
-        <p14:creationId xmlns:p14="http://schemas.microsoft.com/office/powerpoint/2010/main" val="2006099127"/>
+        <p14:creationId xmlns:p14="http://schemas.microsoft.com/office/powerpoint/2010/main" val="2433754487"/>
       </p:ext>
     </p:extLst>
   </p:cSld>
@@ -19596,7 +21704,7 @@
 </p:sld>
 </file>
 
-<file path=ppt/slides/slide12.xml><?xml version="1.0" encoding="utf-8"?>
+<file path=ppt/slides/slide16.xml><?xml version="1.0" encoding="utf-8"?>
 <p:sld xmlns:a="http://schemas.openxmlformats.org/drawingml/2006/main" xmlns:r="http://schemas.openxmlformats.org/officeDocument/2006/relationships" xmlns:p="http://schemas.openxmlformats.org/presentationml/2006/main">
   <p:cSld>
     <p:spTree>
@@ -19782,7 +21890,7 @@
           <a:p>
             <a:fld id="{A28059E6-AE8B-428C-9632-7EEB8C37C8BE}" type="slidenum">
               <a:rPr lang="zh-CN" altLang="en-US" smtClean="0"/>
-              <a:t>12</a:t>
+              <a:t>16</a:t>
             </a:fld>
             <a:endParaRPr lang="zh-CN" altLang="en-US"/>
           </a:p>
@@ -19801,7 +21909,7 @@
 </p:sld>
 </file>
 
-<file path=ppt/slides/slide13.xml><?xml version="1.0" encoding="utf-8"?>
+<file path=ppt/slides/slide17.xml><?xml version="1.0" encoding="utf-8"?>
 <p:sld xmlns:a="http://schemas.openxmlformats.org/drawingml/2006/main" xmlns:r="http://schemas.openxmlformats.org/officeDocument/2006/relationships" xmlns:p="http://schemas.openxmlformats.org/presentationml/2006/main">
   <p:cSld>
     <p:spTree>
@@ -20098,7 +22206,7 @@
           <a:p>
             <a:fld id="{A28059E6-AE8B-428C-9632-7EEB8C37C8BE}" type="slidenum">
               <a:rPr lang="zh-CN" altLang="en-US" smtClean="0"/>
-              <a:t>13</a:t>
+              <a:t>17</a:t>
             </a:fld>
             <a:endParaRPr lang="zh-CN" altLang="en-US"/>
           </a:p>
@@ -20614,7 +22722,7 @@
         </p:nvSpPr>
         <p:spPr>
           <a:xfrm>
-            <a:off x="528638" y="2735716"/>
+            <a:off x="528638" y="3428999"/>
             <a:ext cx="466725" cy="466725"/>
           </a:xfrm>
           <a:prstGeom prst="mathMultiply">
@@ -20881,7 +22989,7 @@
 </p:sld>
 </file>
 
-<file path=ppt/slides/slide14.xml><?xml version="1.0" encoding="utf-8"?>
+<file path=ppt/slides/slide18.xml><?xml version="1.0" encoding="utf-8"?>
 <p:sld xmlns:a="http://schemas.openxmlformats.org/drawingml/2006/main" xmlns:r="http://schemas.openxmlformats.org/officeDocument/2006/relationships" xmlns:p="http://schemas.openxmlformats.org/presentationml/2006/main">
   <p:cSld>
     <p:spTree>
@@ -21037,7 +23145,7 @@
           <a:p>
             <a:fld id="{A28059E6-AE8B-428C-9632-7EEB8C37C8BE}" type="slidenum">
               <a:rPr lang="zh-CN" altLang="en-US" smtClean="0"/>
-              <a:t>14</a:t>
+              <a:t>18</a:t>
             </a:fld>
             <a:endParaRPr lang="zh-CN" altLang="en-US"/>
           </a:p>
@@ -21211,7 +23319,7 @@
 </p:sld>
 </file>
 
-<file path=ppt/slides/slide15.xml><?xml version="1.0" encoding="utf-8"?>
+<file path=ppt/slides/slide19.xml><?xml version="1.0" encoding="utf-8"?>
 <p:sld xmlns:a="http://schemas.openxmlformats.org/drawingml/2006/main" xmlns:r="http://schemas.openxmlformats.org/officeDocument/2006/relationships" xmlns:p="http://schemas.openxmlformats.org/presentationml/2006/main">
   <p:cSld>
     <p:spTree>
@@ -21323,7 +23431,7 @@
             </a:pPr>
             <a:r>
               <a:rPr lang="en-US" altLang="zh-CN" dirty="0"/>
-              <a:t>Root cause: Wrong permission configuration. The user is not authorized resulting in an empty response.</a:t>
+              <a:t>Root cause: Wrong permission configuration. The users were not authorized even though we thought they were.</a:t>
             </a:r>
             <a:endParaRPr lang="zh-CN" altLang="en-US" dirty="0"/>
           </a:p>
@@ -21352,7 +23460,7 @@
           <a:p>
             <a:fld id="{A28059E6-AE8B-428C-9632-7EEB8C37C8BE}" type="slidenum">
               <a:rPr lang="zh-CN" altLang="en-US" smtClean="0"/>
-              <a:t>15</a:t>
+              <a:t>19</a:t>
             </a:fld>
             <a:endParaRPr lang="zh-CN" altLang="en-US"/>
           </a:p>
@@ -21371,7 +23479,7 @@
 </p:sld>
 </file>
 
-<file path=ppt/slides/slide16.xml><?xml version="1.0" encoding="utf-8"?>
+<file path=ppt/slides/slide2.xml><?xml version="1.0" encoding="utf-8"?>
 <p:sld xmlns:a="http://schemas.openxmlformats.org/drawingml/2006/main" xmlns:r="http://schemas.openxmlformats.org/officeDocument/2006/relationships" xmlns:p="http://schemas.openxmlformats.org/presentationml/2006/main">
   <p:cSld>
     <p:spTree>
@@ -21393,7 +23501,7 @@
           <p:cNvPr id="5" name="标题 4">
             <a:extLst>
               <a:ext uri="{FF2B5EF4-FFF2-40B4-BE49-F238E27FC236}">
-                <a16:creationId xmlns:a16="http://schemas.microsoft.com/office/drawing/2014/main" id="{DFA73D86-645D-E5D6-3209-ED9126E01C23}"/>
+                <a16:creationId xmlns:a16="http://schemas.microsoft.com/office/drawing/2014/main" id="{21002988-8BA5-B206-9E39-D73A28227CA8}"/>
               </a:ext>
             </a:extLst>
           </p:cNvPr>
@@ -21411,7 +23519,7 @@
           <a:p>
             <a:r>
               <a:rPr lang="en-US" altLang="zh-CN" dirty="0"/>
-              <a:t>How Agile Manifesto is Respected?</a:t>
+              <a:t>Development Process</a:t>
             </a:r>
             <a:endParaRPr lang="zh-CN" altLang="en-US" dirty="0"/>
           </a:p>
@@ -21419,10 +23527,10 @@
       </p:sp>
       <p:sp>
         <p:nvSpPr>
-          <p:cNvPr id="6" name="内容占位符 5">
+          <p:cNvPr id="6" name="文本占位符 5">
             <a:extLst>
               <a:ext uri="{FF2B5EF4-FFF2-40B4-BE49-F238E27FC236}">
-                <a16:creationId xmlns:a16="http://schemas.microsoft.com/office/drawing/2014/main" id="{6F707A4C-1DE0-2440-AFCB-6EDAA7CE385A}"/>
+                <a16:creationId xmlns:a16="http://schemas.microsoft.com/office/drawing/2014/main" id="{9D8B585A-A11A-547C-8A09-4110A62AA07D}"/>
               </a:ext>
             </a:extLst>
           </p:cNvPr>
@@ -21430,7 +23538,7 @@
             <a:spLocks noGrp="1"/>
           </p:cNvSpPr>
           <p:nvPr>
-            <p:ph idx="1"/>
+            <p:ph type="body" idx="1"/>
           </p:nvPr>
         </p:nvSpPr>
         <p:spPr/>
@@ -21438,62 +23546,11 @@
           <a:bodyPr/>
           <a:lstStyle/>
           <a:p>
-            <a:pPr marL="0" indent="0">
-              <a:buNone/>
-            </a:pPr>
             <a:r>
               <a:rPr lang="en-US" altLang="zh-CN" dirty="0"/>
-              <a:t>Individuals and interactions </a:t>
-            </a:r>
-            <a:r>
-              <a:rPr lang="en-US" altLang="zh-CN" sz="2000" dirty="0"/>
-              <a:t>over processes and tools</a:t>
-            </a:r>
-          </a:p>
-          <a:p>
-            <a:pPr lvl="1"/>
-            <a:r>
-              <a:rPr lang="en-US" altLang="zh-CN" sz="2000" dirty="0"/>
-              <a:t>Interactions and communications via various meetings, whiteboard sessions, pair programming.</a:t>
-            </a:r>
-          </a:p>
-          <a:p>
-            <a:pPr lvl="1"/>
-            <a:r>
-              <a:rPr lang="en-US" altLang="zh-CN" sz="2000" dirty="0"/>
-              <a:t>But various processes and tools to support communication, logging, knowledge sharing.</a:t>
-            </a:r>
-          </a:p>
-          <a:p>
-            <a:pPr lvl="1"/>
-            <a:endParaRPr lang="en-US" altLang="zh-CN" sz="2000" dirty="0"/>
-          </a:p>
-          <a:p>
-            <a:pPr marL="0" indent="0">
-              <a:buNone/>
-            </a:pPr>
-            <a:r>
-              <a:rPr lang="en-US" altLang="zh-CN" dirty="0"/>
-              <a:t>Working software </a:t>
-            </a:r>
-            <a:r>
-              <a:rPr lang="en-US" altLang="zh-CN" sz="2000" dirty="0"/>
-              <a:t>over comprehensive documentation</a:t>
-            </a:r>
-          </a:p>
-          <a:p>
-            <a:pPr lvl="1"/>
-            <a:r>
-              <a:rPr lang="en-US" altLang="zh-CN" sz="2000" dirty="0"/>
-              <a:t>Surprisingly more documents than you would expect, Wiki, design doc, planning &amp; tracking docs, SOPs.</a:t>
-            </a:r>
-          </a:p>
-          <a:p>
-            <a:pPr lvl="1"/>
-            <a:r>
-              <a:rPr lang="en-US" altLang="zh-CN" sz="2000" dirty="0"/>
-              <a:t>Various testing, static analysis, CI/CD support to facilitate fast delivery.</a:t>
-            </a:r>
+              <a:t>Agile (Scrum), Activities, Artifacts</a:t>
+            </a:r>
+            <a:endParaRPr lang="zh-CN" altLang="en-US" dirty="0"/>
           </a:p>
         </p:txBody>
       </p:sp>
@@ -21502,7 +23559,7 @@
           <p:cNvPr id="4" name="灯片编号占位符 3">
             <a:extLst>
               <a:ext uri="{FF2B5EF4-FFF2-40B4-BE49-F238E27FC236}">
-                <a16:creationId xmlns:a16="http://schemas.microsoft.com/office/drawing/2014/main" id="{2BD23E71-E580-5BF6-1C9C-813AC5D3688B}"/>
+                <a16:creationId xmlns:a16="http://schemas.microsoft.com/office/drawing/2014/main" id="{D7BC842C-BFB0-D48C-3724-B64E3A5753F1}"/>
               </a:ext>
             </a:extLst>
           </p:cNvPr>
@@ -21520,7 +23577,7 @@
           <a:p>
             <a:fld id="{A28059E6-AE8B-428C-9632-7EEB8C37C8BE}" type="slidenum">
               <a:rPr lang="zh-CN" altLang="en-US" smtClean="0"/>
-              <a:t>16</a:t>
+              <a:t>2</a:t>
             </a:fld>
             <a:endParaRPr lang="zh-CN" altLang="en-US"/>
           </a:p>
@@ -21529,511 +23586,17 @@
     </p:spTree>
     <p:extLst>
       <p:ext uri="{BB962C8B-B14F-4D97-AF65-F5344CB8AC3E}">
-        <p14:creationId xmlns:p14="http://schemas.microsoft.com/office/powerpoint/2010/main" val="2975277067"/>
+        <p14:creationId xmlns:p14="http://schemas.microsoft.com/office/powerpoint/2010/main" val="625441707"/>
       </p:ext>
     </p:extLst>
   </p:cSld>
   <p:clrMapOvr>
     <a:masterClrMapping/>
   </p:clrMapOvr>
-  <p:timing>
-    <p:tnLst>
-      <p:par>
-        <p:cTn id="1" dur="indefinite" restart="never" nodeType="tmRoot">
-          <p:childTnLst>
-            <p:seq concurrent="1" nextAc="seek">
-              <p:cTn id="2" dur="indefinite" nodeType="mainSeq">
-                <p:childTnLst>
-                  <p:par>
-                    <p:cTn id="3" fill="hold">
-                      <p:stCondLst>
-                        <p:cond delay="indefinite"/>
-                      </p:stCondLst>
-                      <p:childTnLst>
-                        <p:par>
-                          <p:cTn id="4" fill="hold">
-                            <p:stCondLst>
-                              <p:cond delay="0"/>
-                            </p:stCondLst>
-                            <p:childTnLst>
-                              <p:par>
-                                <p:cTn id="5" presetID="1" presetClass="entr" presetSubtype="0" fill="hold" nodeType="clickEffect">
-                                  <p:stCondLst>
-                                    <p:cond delay="0"/>
-                                  </p:stCondLst>
-                                  <p:childTnLst>
-                                    <p:set>
-                                      <p:cBhvr>
-                                        <p:cTn id="6" dur="1" fill="hold">
-                                          <p:stCondLst>
-                                            <p:cond delay="0"/>
-                                          </p:stCondLst>
-                                        </p:cTn>
-                                        <p:tgtEl>
-                                          <p:spTgt spid="6">
-                                            <p:txEl>
-                                              <p:pRg st="4" end="4"/>
-                                            </p:txEl>
-                                          </p:spTgt>
-                                        </p:tgtEl>
-                                        <p:attrNameLst>
-                                          <p:attrName>style.visibility</p:attrName>
-                                        </p:attrNameLst>
-                                      </p:cBhvr>
-                                      <p:to>
-                                        <p:strVal val="visible"/>
-                                      </p:to>
-                                    </p:set>
-                                  </p:childTnLst>
-                                </p:cTn>
-                              </p:par>
-                              <p:par>
-                                <p:cTn id="7" presetID="1" presetClass="entr" presetSubtype="0" fill="hold" nodeType="withEffect">
-                                  <p:stCondLst>
-                                    <p:cond delay="0"/>
-                                  </p:stCondLst>
-                                  <p:childTnLst>
-                                    <p:set>
-                                      <p:cBhvr>
-                                        <p:cTn id="8" dur="1" fill="hold">
-                                          <p:stCondLst>
-                                            <p:cond delay="0"/>
-                                          </p:stCondLst>
-                                        </p:cTn>
-                                        <p:tgtEl>
-                                          <p:spTgt spid="6">
-                                            <p:txEl>
-                                              <p:pRg st="5" end="5"/>
-                                            </p:txEl>
-                                          </p:spTgt>
-                                        </p:tgtEl>
-                                        <p:attrNameLst>
-                                          <p:attrName>style.visibility</p:attrName>
-                                        </p:attrNameLst>
-                                      </p:cBhvr>
-                                      <p:to>
-                                        <p:strVal val="visible"/>
-                                      </p:to>
-                                    </p:set>
-                                  </p:childTnLst>
-                                </p:cTn>
-                              </p:par>
-                              <p:par>
-                                <p:cTn id="9" presetID="1" presetClass="entr" presetSubtype="0" fill="hold" nodeType="withEffect">
-                                  <p:stCondLst>
-                                    <p:cond delay="0"/>
-                                  </p:stCondLst>
-                                  <p:childTnLst>
-                                    <p:set>
-                                      <p:cBhvr>
-                                        <p:cTn id="10" dur="1" fill="hold">
-                                          <p:stCondLst>
-                                            <p:cond delay="0"/>
-                                          </p:stCondLst>
-                                        </p:cTn>
-                                        <p:tgtEl>
-                                          <p:spTgt spid="6">
-                                            <p:txEl>
-                                              <p:pRg st="6" end="6"/>
-                                            </p:txEl>
-                                          </p:spTgt>
-                                        </p:tgtEl>
-                                        <p:attrNameLst>
-                                          <p:attrName>style.visibility</p:attrName>
-                                        </p:attrNameLst>
-                                      </p:cBhvr>
-                                      <p:to>
-                                        <p:strVal val="visible"/>
-                                      </p:to>
-                                    </p:set>
-                                  </p:childTnLst>
-                                </p:cTn>
-                              </p:par>
-                            </p:childTnLst>
-                          </p:cTn>
-                        </p:par>
-                      </p:childTnLst>
-                    </p:cTn>
-                  </p:par>
-                </p:childTnLst>
-              </p:cTn>
-              <p:prevCondLst>
-                <p:cond evt="onPrev" delay="0">
-                  <p:tgtEl>
-                    <p:sldTgt/>
-                  </p:tgtEl>
-                </p:cond>
-              </p:prevCondLst>
-              <p:nextCondLst>
-                <p:cond evt="onNext" delay="0">
-                  <p:tgtEl>
-                    <p:sldTgt/>
-                  </p:tgtEl>
-                </p:cond>
-              </p:nextCondLst>
-            </p:seq>
-          </p:childTnLst>
-        </p:cTn>
-      </p:par>
-    </p:tnLst>
-  </p:timing>
 </p:sld>
 </file>
 
-<file path=ppt/slides/slide17.xml><?xml version="1.0" encoding="utf-8"?>
-<p:sld xmlns:a="http://schemas.openxmlformats.org/drawingml/2006/main" xmlns:r="http://schemas.openxmlformats.org/officeDocument/2006/relationships" xmlns:p="http://schemas.openxmlformats.org/presentationml/2006/main">
-  <p:cSld>
-    <p:spTree>
-      <p:nvGrpSpPr>
-        <p:cNvPr id="1" name=""/>
-        <p:cNvGrpSpPr/>
-        <p:nvPr/>
-      </p:nvGrpSpPr>
-      <p:grpSpPr>
-        <a:xfrm>
-          <a:off x="0" y="0"/>
-          <a:ext cx="0" cy="0"/>
-          <a:chOff x="0" y="0"/>
-          <a:chExt cx="0" cy="0"/>
-        </a:xfrm>
-      </p:grpSpPr>
-      <p:sp>
-        <p:nvSpPr>
-          <p:cNvPr id="5" name="标题 4">
-            <a:extLst>
-              <a:ext uri="{FF2B5EF4-FFF2-40B4-BE49-F238E27FC236}">
-                <a16:creationId xmlns:a16="http://schemas.microsoft.com/office/drawing/2014/main" id="{DFA73D86-645D-E5D6-3209-ED9126E01C23}"/>
-              </a:ext>
-            </a:extLst>
-          </p:cNvPr>
-          <p:cNvSpPr>
-            <a:spLocks noGrp="1"/>
-          </p:cNvSpPr>
-          <p:nvPr>
-            <p:ph type="title"/>
-          </p:nvPr>
-        </p:nvSpPr>
-        <p:spPr/>
-        <p:txBody>
-          <a:bodyPr/>
-          <a:lstStyle/>
-          <a:p>
-            <a:r>
-              <a:rPr lang="en-US" altLang="zh-CN" dirty="0"/>
-              <a:t>How Agile Manifesto is Respected?</a:t>
-            </a:r>
-            <a:endParaRPr lang="zh-CN" altLang="en-US" dirty="0"/>
-          </a:p>
-        </p:txBody>
-      </p:sp>
-      <p:sp>
-        <p:nvSpPr>
-          <p:cNvPr id="6" name="内容占位符 5">
-            <a:extLst>
-              <a:ext uri="{FF2B5EF4-FFF2-40B4-BE49-F238E27FC236}">
-                <a16:creationId xmlns:a16="http://schemas.microsoft.com/office/drawing/2014/main" id="{6F707A4C-1DE0-2440-AFCB-6EDAA7CE385A}"/>
-              </a:ext>
-            </a:extLst>
-          </p:cNvPr>
-          <p:cNvSpPr>
-            <a:spLocks noGrp="1"/>
-          </p:cNvSpPr>
-          <p:nvPr>
-            <p:ph idx="1"/>
-          </p:nvPr>
-        </p:nvSpPr>
-        <p:spPr/>
-        <p:txBody>
-          <a:bodyPr/>
-          <a:lstStyle/>
-          <a:p>
-            <a:pPr marL="0" indent="0">
-              <a:buNone/>
-            </a:pPr>
-            <a:r>
-              <a:rPr lang="en-US" altLang="zh-CN" dirty="0"/>
-              <a:t>Customer collaboration </a:t>
-            </a:r>
-            <a:r>
-              <a:rPr lang="en-US" altLang="zh-CN" sz="2000" dirty="0"/>
-              <a:t>over contract negotiation</a:t>
-            </a:r>
-          </a:p>
-          <a:p>
-            <a:pPr lvl="1"/>
-            <a:r>
-              <a:rPr lang="en-US" altLang="zh-CN" sz="2000" dirty="0"/>
-              <a:t>Customer Obsession.</a:t>
-            </a:r>
-          </a:p>
-          <a:p>
-            <a:pPr lvl="1"/>
-            <a:r>
-              <a:rPr lang="en-US" altLang="zh-CN" sz="2000" dirty="0"/>
-              <a:t>PM &amp; BA work in the same team with developers.</a:t>
-            </a:r>
-          </a:p>
-          <a:p>
-            <a:pPr lvl="1"/>
-            <a:r>
-              <a:rPr lang="en-US" altLang="zh-CN" sz="2000" dirty="0"/>
-              <a:t>Team B is Team A’s customer; Away Team.</a:t>
-            </a:r>
-          </a:p>
-          <a:p>
-            <a:endParaRPr lang="en-US" altLang="zh-CN" dirty="0"/>
-          </a:p>
-          <a:p>
-            <a:pPr marL="0" indent="0">
-              <a:buNone/>
-            </a:pPr>
-            <a:r>
-              <a:rPr lang="en-US" altLang="zh-CN" dirty="0"/>
-              <a:t>Responding to change </a:t>
-            </a:r>
-            <a:r>
-              <a:rPr lang="en-US" altLang="zh-CN" sz="2000" dirty="0"/>
-              <a:t>over following a plan</a:t>
-            </a:r>
-          </a:p>
-          <a:p>
-            <a:pPr lvl="1"/>
-            <a:r>
-              <a:rPr lang="en-US" altLang="zh-CN" sz="2000" dirty="0"/>
-              <a:t>Business plan (OP1, OP2) over development plan.</a:t>
-            </a:r>
-          </a:p>
-          <a:p>
-            <a:pPr lvl="1"/>
-            <a:r>
-              <a:rPr lang="en-US" altLang="zh-CN" sz="2000" dirty="0"/>
-              <a:t>Feature take-in time window.</a:t>
-            </a:r>
-          </a:p>
-          <a:p>
-            <a:pPr lvl="1"/>
-            <a:r>
-              <a:rPr lang="en-US" altLang="zh-CN" sz="2000" dirty="0"/>
-              <a:t>Development plan reviewed every two weeks.</a:t>
-            </a:r>
-          </a:p>
-        </p:txBody>
-      </p:sp>
-      <p:sp>
-        <p:nvSpPr>
-          <p:cNvPr id="4" name="灯片编号占位符 3">
-            <a:extLst>
-              <a:ext uri="{FF2B5EF4-FFF2-40B4-BE49-F238E27FC236}">
-                <a16:creationId xmlns:a16="http://schemas.microsoft.com/office/drawing/2014/main" id="{2BD23E71-E580-5BF6-1C9C-813AC5D3688B}"/>
-              </a:ext>
-            </a:extLst>
-          </p:cNvPr>
-          <p:cNvSpPr>
-            <a:spLocks noGrp="1"/>
-          </p:cNvSpPr>
-          <p:nvPr>
-            <p:ph type="sldNum" sz="quarter" idx="12"/>
-          </p:nvPr>
-        </p:nvSpPr>
-        <p:spPr/>
-        <p:txBody>
-          <a:bodyPr/>
-          <a:lstStyle/>
-          <a:p>
-            <a:fld id="{A28059E6-AE8B-428C-9632-7EEB8C37C8BE}" type="slidenum">
-              <a:rPr lang="zh-CN" altLang="en-US" smtClean="0"/>
-              <a:t>17</a:t>
-            </a:fld>
-            <a:endParaRPr lang="zh-CN" altLang="en-US"/>
-          </a:p>
-        </p:txBody>
-      </p:sp>
-    </p:spTree>
-    <p:extLst>
-      <p:ext uri="{BB962C8B-B14F-4D97-AF65-F5344CB8AC3E}">
-        <p14:creationId xmlns:p14="http://schemas.microsoft.com/office/powerpoint/2010/main" val="3333928342"/>
-      </p:ext>
-    </p:extLst>
-  </p:cSld>
-  <p:clrMapOvr>
-    <a:masterClrMapping/>
-  </p:clrMapOvr>
-  <p:timing>
-    <p:tnLst>
-      <p:par>
-        <p:cTn id="1" dur="indefinite" restart="never" nodeType="tmRoot">
-          <p:childTnLst>
-            <p:seq concurrent="1" nextAc="seek">
-              <p:cTn id="2" dur="indefinite" nodeType="mainSeq">
-                <p:childTnLst>
-                  <p:par>
-                    <p:cTn id="3" fill="hold">
-                      <p:stCondLst>
-                        <p:cond delay="indefinite"/>
-                      </p:stCondLst>
-                      <p:childTnLst>
-                        <p:par>
-                          <p:cTn id="4" fill="hold">
-                            <p:stCondLst>
-                              <p:cond delay="0"/>
-                            </p:stCondLst>
-                            <p:childTnLst>
-                              <p:par>
-                                <p:cTn id="5" presetID="1" presetClass="entr" presetSubtype="0" fill="hold" nodeType="clickEffect">
-                                  <p:stCondLst>
-                                    <p:cond delay="0"/>
-                                  </p:stCondLst>
-                                  <p:childTnLst>
-                                    <p:set>
-                                      <p:cBhvr>
-                                        <p:cTn id="6" dur="1" fill="hold">
-                                          <p:stCondLst>
-                                            <p:cond delay="0"/>
-                                          </p:stCondLst>
-                                        </p:cTn>
-                                        <p:tgtEl>
-                                          <p:spTgt spid="6">
-                                            <p:txEl>
-                                              <p:pRg st="5" end="5"/>
-                                            </p:txEl>
-                                          </p:spTgt>
-                                        </p:tgtEl>
-                                        <p:attrNameLst>
-                                          <p:attrName>style.visibility</p:attrName>
-                                        </p:attrNameLst>
-                                      </p:cBhvr>
-                                      <p:to>
-                                        <p:strVal val="visible"/>
-                                      </p:to>
-                                    </p:set>
-                                  </p:childTnLst>
-                                </p:cTn>
-                              </p:par>
-                              <p:par>
-                                <p:cTn id="7" presetID="1" presetClass="entr" presetSubtype="0" fill="hold" nodeType="withEffect">
-                                  <p:stCondLst>
-                                    <p:cond delay="0"/>
-                                  </p:stCondLst>
-                                  <p:childTnLst>
-                                    <p:set>
-                                      <p:cBhvr>
-                                        <p:cTn id="8" dur="1" fill="hold">
-                                          <p:stCondLst>
-                                            <p:cond delay="0"/>
-                                          </p:stCondLst>
-                                        </p:cTn>
-                                        <p:tgtEl>
-                                          <p:spTgt spid="6">
-                                            <p:txEl>
-                                              <p:pRg st="6" end="6"/>
-                                            </p:txEl>
-                                          </p:spTgt>
-                                        </p:tgtEl>
-                                        <p:attrNameLst>
-                                          <p:attrName>style.visibility</p:attrName>
-                                        </p:attrNameLst>
-                                      </p:cBhvr>
-                                      <p:to>
-                                        <p:strVal val="visible"/>
-                                      </p:to>
-                                    </p:set>
-                                  </p:childTnLst>
-                                </p:cTn>
-                              </p:par>
-                              <p:par>
-                                <p:cTn id="9" presetID="1" presetClass="entr" presetSubtype="0" fill="hold" nodeType="withEffect">
-                                  <p:stCondLst>
-                                    <p:cond delay="0"/>
-                                  </p:stCondLst>
-                                  <p:childTnLst>
-                                    <p:set>
-                                      <p:cBhvr>
-                                        <p:cTn id="10" dur="1" fill="hold">
-                                          <p:stCondLst>
-                                            <p:cond delay="0"/>
-                                          </p:stCondLst>
-                                        </p:cTn>
-                                        <p:tgtEl>
-                                          <p:spTgt spid="6">
-                                            <p:txEl>
-                                              <p:pRg st="7" end="7"/>
-                                            </p:txEl>
-                                          </p:spTgt>
-                                        </p:tgtEl>
-                                        <p:attrNameLst>
-                                          <p:attrName>style.visibility</p:attrName>
-                                        </p:attrNameLst>
-                                      </p:cBhvr>
-                                      <p:to>
-                                        <p:strVal val="visible"/>
-                                      </p:to>
-                                    </p:set>
-                                  </p:childTnLst>
-                                </p:cTn>
-                              </p:par>
-                              <p:par>
-                                <p:cTn id="11" presetID="1" presetClass="entr" presetSubtype="0" fill="hold" nodeType="withEffect">
-                                  <p:stCondLst>
-                                    <p:cond delay="0"/>
-                                  </p:stCondLst>
-                                  <p:childTnLst>
-                                    <p:set>
-                                      <p:cBhvr>
-                                        <p:cTn id="12" dur="1" fill="hold">
-                                          <p:stCondLst>
-                                            <p:cond delay="0"/>
-                                          </p:stCondLst>
-                                        </p:cTn>
-                                        <p:tgtEl>
-                                          <p:spTgt spid="6">
-                                            <p:txEl>
-                                              <p:pRg st="8" end="8"/>
-                                            </p:txEl>
-                                          </p:spTgt>
-                                        </p:tgtEl>
-                                        <p:attrNameLst>
-                                          <p:attrName>style.visibility</p:attrName>
-                                        </p:attrNameLst>
-                                      </p:cBhvr>
-                                      <p:to>
-                                        <p:strVal val="visible"/>
-                                      </p:to>
-                                    </p:set>
-                                  </p:childTnLst>
-                                </p:cTn>
-                              </p:par>
-                            </p:childTnLst>
-                          </p:cTn>
-                        </p:par>
-                      </p:childTnLst>
-                    </p:cTn>
-                  </p:par>
-                </p:childTnLst>
-              </p:cTn>
-              <p:prevCondLst>
-                <p:cond evt="onPrev" delay="0">
-                  <p:tgtEl>
-                    <p:sldTgt/>
-                  </p:tgtEl>
-                </p:cond>
-              </p:prevCondLst>
-              <p:nextCondLst>
-                <p:cond evt="onNext" delay="0">
-                  <p:tgtEl>
-                    <p:sldTgt/>
-                  </p:tgtEl>
-                </p:cond>
-              </p:nextCondLst>
-            </p:seq>
-          </p:childTnLst>
-        </p:cTn>
-      </p:par>
-    </p:tnLst>
-  </p:timing>
-</p:sld>
-</file>
-
-<file path=ppt/slides/slide18.xml><?xml version="1.0" encoding="utf-8"?>
+<file path=ppt/slides/slide20.xml><?xml version="1.0" encoding="utf-8"?>
 <p:sld xmlns:a="http://schemas.openxmlformats.org/drawingml/2006/main" xmlns:r="http://schemas.openxmlformats.org/officeDocument/2006/relationships" xmlns:p="http://schemas.openxmlformats.org/presentationml/2006/main">
   <p:cSld>
     <p:spTree>
@@ -22055,7 +23618,7 @@
           <p:cNvPr id="2" name="标题 1">
             <a:extLst>
               <a:ext uri="{FF2B5EF4-FFF2-40B4-BE49-F238E27FC236}">
-                <a16:creationId xmlns:a16="http://schemas.microsoft.com/office/drawing/2014/main" id="{05D30BD5-A416-E164-5215-15E856C8DCA5}"/>
+                <a16:creationId xmlns:a16="http://schemas.microsoft.com/office/drawing/2014/main" id="{086E8F6C-A6D4-832E-63B3-3FC781EEBD8C}"/>
               </a:ext>
             </a:extLst>
           </p:cNvPr>
@@ -22073,7 +23636,7 @@
           <a:p>
             <a:r>
               <a:rPr lang="en-US" altLang="zh-CN" dirty="0"/>
-              <a:t>Conway’s Law and More…</a:t>
+              <a:t>Takeaway 2</a:t>
             </a:r>
             <a:endParaRPr lang="zh-CN" altLang="en-US" dirty="0"/>
           </a:p>
@@ -22084,7 +23647,7 @@
           <p:cNvPr id="3" name="内容占位符 2">
             <a:extLst>
               <a:ext uri="{FF2B5EF4-FFF2-40B4-BE49-F238E27FC236}">
-                <a16:creationId xmlns:a16="http://schemas.microsoft.com/office/drawing/2014/main" id="{997B2A00-6D0D-E7A4-B20B-00EDE150D294}"/>
+                <a16:creationId xmlns:a16="http://schemas.microsoft.com/office/drawing/2014/main" id="{AE84ACB6-1ABB-70F6-B6F9-80FFD897DF88}"/>
               </a:ext>
             </a:extLst>
           </p:cNvPr>
@@ -22101,41 +23664,36 @@
           <a:lstStyle/>
           <a:p>
             <a:pPr marL="0" indent="0">
+              <a:spcBef>
+                <a:spcPts val="600"/>
+              </a:spcBef>
               <a:buNone/>
             </a:pPr>
             <a:r>
               <a:rPr lang="en-US" altLang="zh-CN" dirty="0"/>
-              <a:t>Organization structure defines system design.</a:t>
-            </a:r>
-          </a:p>
-          <a:p>
-            <a:endParaRPr lang="en-US" altLang="zh-CN" dirty="0"/>
+              <a:t>Software design and analysis is hard even for CRUD-like systems.</a:t>
+            </a:r>
           </a:p>
           <a:p>
             <a:pPr marL="0" indent="0">
+              <a:spcBef>
+                <a:spcPts val="600"/>
+              </a:spcBef>
               <a:buNone/>
             </a:pPr>
-            <a:r>
-              <a:rPr lang="en-US" altLang="zh-CN" dirty="0"/>
-              <a:t>Everything (including business goal, management, development process, tooling, …) defines the code.</a:t>
-            </a:r>
-          </a:p>
-          <a:p>
             <a:endParaRPr lang="en-US" altLang="zh-CN" dirty="0"/>
           </a:p>
           <a:p>
             <a:pPr marL="0" indent="0">
+              <a:spcBef>
+                <a:spcPts val="600"/>
+              </a:spcBef>
               <a:buNone/>
             </a:pPr>
             <a:r>
               <a:rPr lang="en-US" altLang="zh-CN" dirty="0"/>
-              <a:t>By following the process, everyone produces the same, high-quality code. </a:t>
-            </a:r>
-            <a:r>
-              <a:rPr lang="en-US" altLang="zh-CN" sz="2000" dirty="0"/>
-              <a:t>(Interestingly, you won’t find comments on code.)</a:t>
-            </a:r>
-            <a:endParaRPr lang="zh-CN" altLang="en-US" dirty="0"/>
+              <a:t>Due to the increasing complexity of underlying platforms, frameworks, libraries, and configurations.</a:t>
+            </a:r>
           </a:p>
         </p:txBody>
       </p:sp>
@@ -22144,7 +23702,7 @@
           <p:cNvPr id="4" name="灯片编号占位符 3">
             <a:extLst>
               <a:ext uri="{FF2B5EF4-FFF2-40B4-BE49-F238E27FC236}">
-                <a16:creationId xmlns:a16="http://schemas.microsoft.com/office/drawing/2014/main" id="{1A0F054B-3653-D8F2-D98F-0F0FAB37B6A5}"/>
+                <a16:creationId xmlns:a16="http://schemas.microsoft.com/office/drawing/2014/main" id="{71B77CA1-C863-30B4-67DE-F5DFB281E7C4}"/>
               </a:ext>
             </a:extLst>
           </p:cNvPr>
@@ -22162,7 +23720,7 @@
           <a:p>
             <a:fld id="{A28059E6-AE8B-428C-9632-7EEB8C37C8BE}" type="slidenum">
               <a:rPr lang="zh-CN" altLang="en-US" smtClean="0"/>
-              <a:t>18</a:t>
+              <a:t>20</a:t>
             </a:fld>
             <a:endParaRPr lang="zh-CN" altLang="en-US"/>
           </a:p>
@@ -22171,7 +23729,7 @@
     </p:spTree>
     <p:extLst>
       <p:ext uri="{BB962C8B-B14F-4D97-AF65-F5344CB8AC3E}">
-        <p14:creationId xmlns:p14="http://schemas.microsoft.com/office/powerpoint/2010/main" val="4231970650"/>
+        <p14:creationId xmlns:p14="http://schemas.microsoft.com/office/powerpoint/2010/main" val="1022811724"/>
       </p:ext>
     </p:extLst>
   </p:cSld>
@@ -22181,7 +23739,7 @@
 </p:sld>
 </file>
 
-<file path=ppt/slides/slide19.xml><?xml version="1.0" encoding="utf-8"?>
+<file path=ppt/slides/slide21.xml><?xml version="1.0" encoding="utf-8"?>
 <p:sld xmlns:a="http://schemas.openxmlformats.org/drawingml/2006/main" xmlns:r="http://schemas.openxmlformats.org/officeDocument/2006/relationships" xmlns:p="http://schemas.openxmlformats.org/presentationml/2006/main">
   <p:cSld>
     <p:spTree>
@@ -22318,7 +23876,7 @@
           <a:p>
             <a:fld id="{A28059E6-AE8B-428C-9632-7EEB8C37C8BE}" type="slidenum">
               <a:rPr lang="zh-CN" altLang="en-US" smtClean="0"/>
-              <a:t>19</a:t>
+              <a:t>21</a:t>
             </a:fld>
             <a:endParaRPr lang="zh-CN" altLang="en-US"/>
           </a:p>
@@ -22961,124 +24519,7 @@
 </p:sld>
 </file>
 
-<file path=ppt/slides/slide2.xml><?xml version="1.0" encoding="utf-8"?>
-<p:sld xmlns:a="http://schemas.openxmlformats.org/drawingml/2006/main" xmlns:r="http://schemas.openxmlformats.org/officeDocument/2006/relationships" xmlns:p="http://schemas.openxmlformats.org/presentationml/2006/main">
-  <p:cSld>
-    <p:spTree>
-      <p:nvGrpSpPr>
-        <p:cNvPr id="1" name=""/>
-        <p:cNvGrpSpPr/>
-        <p:nvPr/>
-      </p:nvGrpSpPr>
-      <p:grpSpPr>
-        <a:xfrm>
-          <a:off x="0" y="0"/>
-          <a:ext cx="0" cy="0"/>
-          <a:chOff x="0" y="0"/>
-          <a:chExt cx="0" cy="0"/>
-        </a:xfrm>
-      </p:grpSpPr>
-      <p:sp>
-        <p:nvSpPr>
-          <p:cNvPr id="5" name="标题 4">
-            <a:extLst>
-              <a:ext uri="{FF2B5EF4-FFF2-40B4-BE49-F238E27FC236}">
-                <a16:creationId xmlns:a16="http://schemas.microsoft.com/office/drawing/2014/main" id="{21002988-8BA5-B206-9E39-D73A28227CA8}"/>
-              </a:ext>
-            </a:extLst>
-          </p:cNvPr>
-          <p:cNvSpPr>
-            <a:spLocks noGrp="1"/>
-          </p:cNvSpPr>
-          <p:nvPr>
-            <p:ph type="title"/>
-          </p:nvPr>
-        </p:nvSpPr>
-        <p:spPr/>
-        <p:txBody>
-          <a:bodyPr/>
-          <a:lstStyle/>
-          <a:p>
-            <a:r>
-              <a:rPr lang="en-US" altLang="zh-CN" dirty="0"/>
-              <a:t>Development Process</a:t>
-            </a:r>
-            <a:endParaRPr lang="zh-CN" altLang="en-US" dirty="0"/>
-          </a:p>
-        </p:txBody>
-      </p:sp>
-      <p:sp>
-        <p:nvSpPr>
-          <p:cNvPr id="6" name="文本占位符 5">
-            <a:extLst>
-              <a:ext uri="{FF2B5EF4-FFF2-40B4-BE49-F238E27FC236}">
-                <a16:creationId xmlns:a16="http://schemas.microsoft.com/office/drawing/2014/main" id="{9D8B585A-A11A-547C-8A09-4110A62AA07D}"/>
-              </a:ext>
-            </a:extLst>
-          </p:cNvPr>
-          <p:cNvSpPr>
-            <a:spLocks noGrp="1"/>
-          </p:cNvSpPr>
-          <p:nvPr>
-            <p:ph type="body" idx="1"/>
-          </p:nvPr>
-        </p:nvSpPr>
-        <p:spPr/>
-        <p:txBody>
-          <a:bodyPr/>
-          <a:lstStyle/>
-          <a:p>
-            <a:r>
-              <a:rPr lang="en-US" altLang="zh-CN" dirty="0"/>
-              <a:t>Agile (Scrum), Activities, Artifacts</a:t>
-            </a:r>
-            <a:endParaRPr lang="zh-CN" altLang="en-US" dirty="0"/>
-          </a:p>
-        </p:txBody>
-      </p:sp>
-      <p:sp>
-        <p:nvSpPr>
-          <p:cNvPr id="4" name="灯片编号占位符 3">
-            <a:extLst>
-              <a:ext uri="{FF2B5EF4-FFF2-40B4-BE49-F238E27FC236}">
-                <a16:creationId xmlns:a16="http://schemas.microsoft.com/office/drawing/2014/main" id="{D7BC842C-BFB0-D48C-3724-B64E3A5753F1}"/>
-              </a:ext>
-            </a:extLst>
-          </p:cNvPr>
-          <p:cNvSpPr>
-            <a:spLocks noGrp="1"/>
-          </p:cNvSpPr>
-          <p:nvPr>
-            <p:ph type="sldNum" sz="quarter" idx="12"/>
-          </p:nvPr>
-        </p:nvSpPr>
-        <p:spPr/>
-        <p:txBody>
-          <a:bodyPr/>
-          <a:lstStyle/>
-          <a:p>
-            <a:fld id="{A28059E6-AE8B-428C-9632-7EEB8C37C8BE}" type="slidenum">
-              <a:rPr lang="zh-CN" altLang="en-US" smtClean="0"/>
-              <a:t>2</a:t>
-            </a:fld>
-            <a:endParaRPr lang="zh-CN" altLang="en-US"/>
-          </a:p>
-        </p:txBody>
-      </p:sp>
-    </p:spTree>
-    <p:extLst>
-      <p:ext uri="{BB962C8B-B14F-4D97-AF65-F5344CB8AC3E}">
-        <p14:creationId xmlns:p14="http://schemas.microsoft.com/office/powerpoint/2010/main" val="625441707"/>
-      </p:ext>
-    </p:extLst>
-  </p:cSld>
-  <p:clrMapOvr>
-    <a:masterClrMapping/>
-  </p:clrMapOvr>
-</p:sld>
-</file>
-
-<file path=ppt/slides/slide20.xml><?xml version="1.0" encoding="utf-8"?>
+<file path=ppt/slides/slide22.xml><?xml version="1.0" encoding="utf-8"?>
 <p:sld xmlns:a="http://schemas.openxmlformats.org/drawingml/2006/main" xmlns:r="http://schemas.openxmlformats.org/officeDocument/2006/relationships" xmlns:p="http://schemas.openxmlformats.org/presentationml/2006/main">
   <p:cSld>
     <p:spTree>
@@ -23100,7 +24541,7 @@
           <p:cNvPr id="2" name="标题 1">
             <a:extLst>
               <a:ext uri="{FF2B5EF4-FFF2-40B4-BE49-F238E27FC236}">
-                <a16:creationId xmlns:a16="http://schemas.microsoft.com/office/drawing/2014/main" id="{10E7EAC2-3E6E-593C-FDFD-D99DC9A2B115}"/>
+                <a16:creationId xmlns:a16="http://schemas.microsoft.com/office/drawing/2014/main" id="{119E9CE2-08CD-F5D0-6820-44BD8850A024}"/>
               </a:ext>
             </a:extLst>
           </p:cNvPr>
@@ -23118,7 +24559,7 @@
           <a:p>
             <a:r>
               <a:rPr lang="en-US" altLang="zh-CN" dirty="0"/>
-              <a:t>Key Takeaways</a:t>
+              <a:t>Takeaway 3</a:t>
             </a:r>
             <a:endParaRPr lang="zh-CN" altLang="en-US" dirty="0"/>
           </a:p>
@@ -23129,7 +24570,7 @@
           <p:cNvPr id="3" name="内容占位符 2">
             <a:extLst>
               <a:ext uri="{FF2B5EF4-FFF2-40B4-BE49-F238E27FC236}">
-                <a16:creationId xmlns:a16="http://schemas.microsoft.com/office/drawing/2014/main" id="{89DDC514-0A82-C588-08AF-350B34F29D0B}"/>
+                <a16:creationId xmlns:a16="http://schemas.microsoft.com/office/drawing/2014/main" id="{483EB2AE-A230-9EED-915A-39D8134827E1}"/>
               </a:ext>
             </a:extLst>
           </p:cNvPr>
@@ -23142,71 +24583,46 @@
         </p:nvSpPr>
         <p:spPr/>
         <p:txBody>
-          <a:bodyPr>
-            <a:normAutofit/>
-          </a:bodyPr>
+          <a:bodyPr/>
           <a:lstStyle/>
           <a:p>
             <a:pPr marL="0" indent="0">
               <a:spcBef>
-                <a:spcPts val="1800"/>
+                <a:spcPts val="600"/>
               </a:spcBef>
               <a:buNone/>
             </a:pPr>
             <a:r>
               <a:rPr lang="en-US" altLang="zh-CN" dirty="0"/>
-              <a:t>Process, documentation, data collection is crucial.</a:t>
+              <a:t>Looking ahead to the AI era: Coding vs. Generation.</a:t>
             </a:r>
           </a:p>
           <a:p>
             <a:pPr marL="0" indent="0">
               <a:spcBef>
-                <a:spcPts val="1800"/>
+                <a:spcPts val="600"/>
               </a:spcBef>
               <a:buNone/>
             </a:pPr>
-            <a:r>
-              <a:rPr lang="en-US" altLang="zh-CN" dirty="0"/>
-              <a:t>Code is the result, not the cause.</a:t>
-            </a:r>
+            <a:endParaRPr lang="en-US" altLang="zh-CN" dirty="0"/>
           </a:p>
           <a:p>
             <a:pPr marL="0" indent="0">
               <a:spcBef>
-                <a:spcPts val="1800"/>
+                <a:spcPts val="600"/>
               </a:spcBef>
               <a:buNone/>
             </a:pPr>
             <a:r>
               <a:rPr lang="en-US" altLang="zh-CN" dirty="0"/>
-              <a:t>Software design and analysis is hard even for CRUD-like systems.</a:t>
-            </a:r>
-          </a:p>
-          <a:p>
-            <a:pPr lvl="1"/>
-            <a:r>
-              <a:rPr lang="en-US" altLang="zh-CN" sz="2000" dirty="0"/>
-              <a:t>Due to the increasing complexity of underlying platforms, frameworks, libraries.</a:t>
+              <a:t>Documentation once disregarded becomes invaluable wealth?</a:t>
             </a:r>
           </a:p>
           <a:p>
             <a:pPr marL="0" indent="0">
-              <a:spcBef>
-                <a:spcPts val="1800"/>
-              </a:spcBef>
               <a:buNone/>
             </a:pPr>
-            <a:r>
-              <a:rPr lang="en-US" altLang="zh-CN" dirty="0"/>
-              <a:t>Looking ahead to the AI era: Coding vs. Generation.</a:t>
-            </a:r>
-          </a:p>
-          <a:p>
-            <a:pPr lvl="1"/>
-            <a:r>
-              <a:rPr lang="en-US" altLang="zh-CN" sz="2000" dirty="0"/>
-              <a:t>Documentation once disregarded becomes invaluable wealth?</a:t>
-            </a:r>
+            <a:endParaRPr lang="zh-CN" altLang="en-US" dirty="0"/>
           </a:p>
         </p:txBody>
       </p:sp>
@@ -23215,7 +24631,7 @@
           <p:cNvPr id="4" name="灯片编号占位符 3">
             <a:extLst>
               <a:ext uri="{FF2B5EF4-FFF2-40B4-BE49-F238E27FC236}">
-                <a16:creationId xmlns:a16="http://schemas.microsoft.com/office/drawing/2014/main" id="{1481ED37-12F1-C67E-9BAC-82C695C441D0}"/>
+                <a16:creationId xmlns:a16="http://schemas.microsoft.com/office/drawing/2014/main" id="{60CEE62D-DC31-5AB8-700A-E7D5110BD927}"/>
               </a:ext>
             </a:extLst>
           </p:cNvPr>
@@ -23233,7 +24649,7 @@
           <a:p>
             <a:fld id="{A28059E6-AE8B-428C-9632-7EEB8C37C8BE}" type="slidenum">
               <a:rPr lang="zh-CN" altLang="en-US" smtClean="0"/>
-              <a:t>20</a:t>
+              <a:t>22</a:t>
             </a:fld>
             <a:endParaRPr lang="zh-CN" altLang="en-US"/>
           </a:p>
@@ -23242,7 +24658,923 @@
     </p:spTree>
     <p:extLst>
       <p:ext uri="{BB962C8B-B14F-4D97-AF65-F5344CB8AC3E}">
-        <p14:creationId xmlns:p14="http://schemas.microsoft.com/office/powerpoint/2010/main" val="2967748838"/>
+        <p14:creationId xmlns:p14="http://schemas.microsoft.com/office/powerpoint/2010/main" val="2744492140"/>
+      </p:ext>
+    </p:extLst>
+  </p:cSld>
+  <p:clrMapOvr>
+    <a:masterClrMapping/>
+  </p:clrMapOvr>
+</p:sld>
+</file>
+
+<file path=ppt/slides/slide23.xml><?xml version="1.0" encoding="utf-8"?>
+<p:sld xmlns:a="http://schemas.openxmlformats.org/drawingml/2006/main" xmlns:r="http://schemas.openxmlformats.org/officeDocument/2006/relationships" xmlns:p="http://schemas.openxmlformats.org/presentationml/2006/main">
+  <p:cSld>
+    <p:spTree>
+      <p:nvGrpSpPr>
+        <p:cNvPr id="1" name=""/>
+        <p:cNvGrpSpPr/>
+        <p:nvPr/>
+      </p:nvGrpSpPr>
+      <p:grpSpPr>
+        <a:xfrm>
+          <a:off x="0" y="0"/>
+          <a:ext cx="0" cy="0"/>
+          <a:chOff x="0" y="0"/>
+          <a:chExt cx="0" cy="0"/>
+        </a:xfrm>
+      </p:grpSpPr>
+      <p:sp>
+        <p:nvSpPr>
+          <p:cNvPr id="2" name="标题 1">
+            <a:extLst>
+              <a:ext uri="{FF2B5EF4-FFF2-40B4-BE49-F238E27FC236}">
+                <a16:creationId xmlns:a16="http://schemas.microsoft.com/office/drawing/2014/main" id="{B6677C71-94AE-CB16-0530-BADDE3DDAE65}"/>
+              </a:ext>
+            </a:extLst>
+          </p:cNvPr>
+          <p:cNvSpPr>
+            <a:spLocks noGrp="1"/>
+          </p:cNvSpPr>
+          <p:nvPr>
+            <p:ph type="title"/>
+          </p:nvPr>
+        </p:nvSpPr>
+        <p:spPr/>
+        <p:txBody>
+          <a:bodyPr/>
+          <a:lstStyle/>
+          <a:p>
+            <a:r>
+              <a:rPr lang="en-US" altLang="zh-CN" dirty="0"/>
+              <a:t>Summary</a:t>
+            </a:r>
+            <a:endParaRPr lang="zh-CN" altLang="en-US" dirty="0"/>
+          </a:p>
+        </p:txBody>
+      </p:sp>
+      <p:sp>
+        <p:nvSpPr>
+          <p:cNvPr id="3" name="内容占位符 2">
+            <a:extLst>
+              <a:ext uri="{FF2B5EF4-FFF2-40B4-BE49-F238E27FC236}">
+                <a16:creationId xmlns:a16="http://schemas.microsoft.com/office/drawing/2014/main" id="{2110DD57-EFBA-576C-AB51-7772165D7926}"/>
+              </a:ext>
+            </a:extLst>
+          </p:cNvPr>
+          <p:cNvSpPr>
+            <a:spLocks noGrp="1"/>
+          </p:cNvSpPr>
+          <p:nvPr>
+            <p:ph idx="1"/>
+          </p:nvPr>
+        </p:nvSpPr>
+        <p:spPr/>
+        <p:txBody>
+          <a:bodyPr/>
+          <a:lstStyle/>
+          <a:p>
+            <a:pPr marL="0" indent="0">
+              <a:buNone/>
+            </a:pPr>
+            <a:r>
+              <a:rPr lang="en-US" altLang="zh-CN" dirty="0"/>
+              <a:t>Various development activities, documentations, tools can improve software quality, but need to be done in a correct way.</a:t>
+            </a:r>
+          </a:p>
+          <a:p>
+            <a:pPr marL="0" indent="0">
+              <a:buNone/>
+            </a:pPr>
+            <a:endParaRPr lang="en-US" altLang="zh-CN" dirty="0"/>
+          </a:p>
+          <a:p>
+            <a:pPr marL="0" indent="0">
+              <a:buNone/>
+            </a:pPr>
+            <a:r>
+              <a:rPr lang="en-US" altLang="zh-CN" dirty="0"/>
+              <a:t>CRUD applications are not easy. Bugs are often due to wrong requirements, design, configuration.</a:t>
+            </a:r>
+          </a:p>
+          <a:p>
+            <a:pPr marL="0" indent="0">
+              <a:buNone/>
+            </a:pPr>
+            <a:endParaRPr lang="en-US" altLang="zh-CN" dirty="0"/>
+          </a:p>
+          <a:p>
+            <a:pPr marL="0" indent="0">
+              <a:buNone/>
+            </a:pPr>
+            <a:r>
+              <a:rPr lang="en-US" altLang="zh-CN" dirty="0"/>
+              <a:t>With AI, process and documentation may become more important than coding.</a:t>
+            </a:r>
+            <a:endParaRPr lang="zh-CN" altLang="en-US" dirty="0"/>
+          </a:p>
+        </p:txBody>
+      </p:sp>
+      <p:sp>
+        <p:nvSpPr>
+          <p:cNvPr id="4" name="灯片编号占位符 3">
+            <a:extLst>
+              <a:ext uri="{FF2B5EF4-FFF2-40B4-BE49-F238E27FC236}">
+                <a16:creationId xmlns:a16="http://schemas.microsoft.com/office/drawing/2014/main" id="{1042F8B4-94B2-502A-884F-25F83BF37E17}"/>
+              </a:ext>
+            </a:extLst>
+          </p:cNvPr>
+          <p:cNvSpPr>
+            <a:spLocks noGrp="1"/>
+          </p:cNvSpPr>
+          <p:nvPr>
+            <p:ph type="sldNum" sz="quarter" idx="12"/>
+          </p:nvPr>
+        </p:nvSpPr>
+        <p:spPr/>
+        <p:txBody>
+          <a:bodyPr/>
+          <a:lstStyle/>
+          <a:p>
+            <a:fld id="{A28059E6-AE8B-428C-9632-7EEB8C37C8BE}" type="slidenum">
+              <a:rPr lang="zh-CN" altLang="en-US" smtClean="0"/>
+              <a:t>23</a:t>
+            </a:fld>
+            <a:endParaRPr lang="zh-CN" altLang="en-US"/>
+          </a:p>
+        </p:txBody>
+      </p:sp>
+    </p:spTree>
+    <p:extLst>
+      <p:ext uri="{BB962C8B-B14F-4D97-AF65-F5344CB8AC3E}">
+        <p14:creationId xmlns:p14="http://schemas.microsoft.com/office/powerpoint/2010/main" val="1802854714"/>
+      </p:ext>
+    </p:extLst>
+  </p:cSld>
+  <p:clrMapOvr>
+    <a:masterClrMapping/>
+  </p:clrMapOvr>
+</p:sld>
+</file>
+
+<file path=ppt/slides/slide24.xml><?xml version="1.0" encoding="utf-8"?>
+<p:sld xmlns:a="http://schemas.openxmlformats.org/drawingml/2006/main" xmlns:r="http://schemas.openxmlformats.org/officeDocument/2006/relationships" xmlns:p="http://schemas.openxmlformats.org/presentationml/2006/main" show="0">
+  <p:cSld>
+    <p:spTree>
+      <p:nvGrpSpPr>
+        <p:cNvPr id="1" name=""/>
+        <p:cNvGrpSpPr/>
+        <p:nvPr/>
+      </p:nvGrpSpPr>
+      <p:grpSpPr>
+        <a:xfrm>
+          <a:off x="0" y="0"/>
+          <a:ext cx="0" cy="0"/>
+          <a:chOff x="0" y="0"/>
+          <a:chExt cx="0" cy="0"/>
+        </a:xfrm>
+      </p:grpSpPr>
+      <p:sp>
+        <p:nvSpPr>
+          <p:cNvPr id="2" name="标题 1">
+            <a:extLst>
+              <a:ext uri="{FF2B5EF4-FFF2-40B4-BE49-F238E27FC236}">
+                <a16:creationId xmlns:a16="http://schemas.microsoft.com/office/drawing/2014/main" id="{8B8FD536-72CA-A2DB-4288-61270BDC6D5A}"/>
+              </a:ext>
+            </a:extLst>
+          </p:cNvPr>
+          <p:cNvSpPr>
+            <a:spLocks noGrp="1"/>
+          </p:cNvSpPr>
+          <p:nvPr>
+            <p:ph type="title"/>
+          </p:nvPr>
+        </p:nvSpPr>
+        <p:spPr/>
+        <p:txBody>
+          <a:bodyPr/>
+          <a:lstStyle/>
+          <a:p>
+            <a:r>
+              <a:rPr lang="en-US" altLang="zh-CN" dirty="0" err="1"/>
+              <a:t>IaC</a:t>
+            </a:r>
+            <a:r>
+              <a:rPr lang="en-US" altLang="zh-CN" dirty="0"/>
+              <a:t> to </a:t>
+            </a:r>
+            <a:r>
+              <a:rPr lang="en-US" altLang="zh-CN" dirty="0" err="1"/>
+              <a:t>AaC</a:t>
+            </a:r>
+            <a:r>
+              <a:rPr lang="en-US" altLang="zh-CN" dirty="0"/>
+              <a:t>?</a:t>
+            </a:r>
+            <a:endParaRPr lang="zh-CN" altLang="en-US" dirty="0"/>
+          </a:p>
+        </p:txBody>
+      </p:sp>
+      <p:pic>
+        <p:nvPicPr>
+          <p:cNvPr id="8" name="内容占位符 7">
+            <a:extLst>
+              <a:ext uri="{FF2B5EF4-FFF2-40B4-BE49-F238E27FC236}">
+                <a16:creationId xmlns:a16="http://schemas.microsoft.com/office/drawing/2014/main" id="{C3B64FD6-F8F6-A224-3A72-09492C265B55}"/>
+              </a:ext>
+            </a:extLst>
+          </p:cNvPr>
+          <p:cNvPicPr>
+            <a:picLocks noGrp="1" noChangeAspect="1"/>
+          </p:cNvPicPr>
+          <p:nvPr>
+            <p:ph idx="1"/>
+          </p:nvPr>
+        </p:nvPicPr>
+        <p:blipFill>
+          <a:blip r:embed="rId3"/>
+          <a:stretch>
+            <a:fillRect/>
+          </a:stretch>
+        </p:blipFill>
+        <p:spPr>
+          <a:xfrm>
+            <a:off x="838200" y="1690687"/>
+            <a:ext cx="6939058" cy="4543135"/>
+          </a:xfrm>
+        </p:spPr>
+      </p:pic>
+      <p:sp>
+        <p:nvSpPr>
+          <p:cNvPr id="4" name="灯片编号占位符 3">
+            <a:extLst>
+              <a:ext uri="{FF2B5EF4-FFF2-40B4-BE49-F238E27FC236}">
+                <a16:creationId xmlns:a16="http://schemas.microsoft.com/office/drawing/2014/main" id="{ADE2A510-E696-D0C3-CB65-9DC5ED997C07}"/>
+              </a:ext>
+            </a:extLst>
+          </p:cNvPr>
+          <p:cNvSpPr>
+            <a:spLocks noGrp="1"/>
+          </p:cNvSpPr>
+          <p:nvPr>
+            <p:ph type="sldNum" sz="quarter" idx="12"/>
+          </p:nvPr>
+        </p:nvSpPr>
+        <p:spPr/>
+        <p:txBody>
+          <a:bodyPr/>
+          <a:lstStyle/>
+          <a:p>
+            <a:fld id="{A28059E6-AE8B-428C-9632-7EEB8C37C8BE}" type="slidenum">
+              <a:rPr lang="zh-CN" altLang="en-US" smtClean="0"/>
+              <a:t>24</a:t>
+            </a:fld>
+            <a:endParaRPr lang="zh-CN" altLang="en-US"/>
+          </a:p>
+        </p:txBody>
+      </p:sp>
+      <p:pic>
+        <p:nvPicPr>
+          <p:cNvPr id="10" name="图片 9" descr="图标&#10;&#10;描述已自动生成">
+            <a:extLst>
+              <a:ext uri="{FF2B5EF4-FFF2-40B4-BE49-F238E27FC236}">
+                <a16:creationId xmlns:a16="http://schemas.microsoft.com/office/drawing/2014/main" id="{72308EFD-8F89-622F-63A2-ED32C554C766}"/>
+              </a:ext>
+            </a:extLst>
+          </p:cNvPr>
+          <p:cNvPicPr>
+            <a:picLocks noChangeAspect="1"/>
+          </p:cNvPicPr>
+          <p:nvPr/>
+        </p:nvPicPr>
+        <p:blipFill>
+          <a:blip r:embed="rId4">
+            <a:extLst>
+              <a:ext uri="{28A0092B-C50C-407E-A947-70E740481C1C}">
+                <a14:useLocalDpi xmlns:a14="http://schemas.microsoft.com/office/drawing/2010/main" val="0"/>
+              </a:ext>
+            </a:extLst>
+          </a:blip>
+          <a:stretch>
+            <a:fillRect/>
+          </a:stretch>
+        </p:blipFill>
+        <p:spPr>
+          <a:xfrm>
+            <a:off x="8996702" y="1690687"/>
+            <a:ext cx="702655" cy="702655"/>
+          </a:xfrm>
+          <a:prstGeom prst="rect">
+            <a:avLst/>
+          </a:prstGeom>
+        </p:spPr>
+      </p:pic>
+      <p:pic>
+        <p:nvPicPr>
+          <p:cNvPr id="12" name="图片 11" descr="图标&#10;&#10;描述已自动生成">
+            <a:extLst>
+              <a:ext uri="{FF2B5EF4-FFF2-40B4-BE49-F238E27FC236}">
+                <a16:creationId xmlns:a16="http://schemas.microsoft.com/office/drawing/2014/main" id="{8DB84619-386E-BA71-EA13-0EEA3393DF1F}"/>
+              </a:ext>
+            </a:extLst>
+          </p:cNvPr>
+          <p:cNvPicPr>
+            <a:picLocks noChangeAspect="1"/>
+          </p:cNvPicPr>
+          <p:nvPr/>
+        </p:nvPicPr>
+        <p:blipFill>
+          <a:blip r:embed="rId5">
+            <a:extLst>
+              <a:ext uri="{28A0092B-C50C-407E-A947-70E740481C1C}">
+                <a14:useLocalDpi xmlns:a14="http://schemas.microsoft.com/office/drawing/2010/main" val="0"/>
+              </a:ext>
+            </a:extLst>
+          </a:blip>
+          <a:stretch>
+            <a:fillRect/>
+          </a:stretch>
+        </p:blipFill>
+        <p:spPr>
+          <a:xfrm>
+            <a:off x="8951718" y="3565943"/>
+            <a:ext cx="792623" cy="792623"/>
+          </a:xfrm>
+          <a:prstGeom prst="rect">
+            <a:avLst/>
+          </a:prstGeom>
+        </p:spPr>
+      </p:pic>
+      <p:pic>
+        <p:nvPicPr>
+          <p:cNvPr id="13" name="图片 12" descr="图标&#10;&#10;描述已自动生成">
+            <a:extLst>
+              <a:ext uri="{FF2B5EF4-FFF2-40B4-BE49-F238E27FC236}">
+                <a16:creationId xmlns:a16="http://schemas.microsoft.com/office/drawing/2014/main" id="{E311F007-5304-4739-5161-7FF1D6356AE2}"/>
+              </a:ext>
+            </a:extLst>
+          </p:cNvPr>
+          <p:cNvPicPr>
+            <a:picLocks noChangeAspect="1"/>
+          </p:cNvPicPr>
+          <p:nvPr/>
+        </p:nvPicPr>
+        <p:blipFill>
+          <a:blip r:embed="rId4">
+            <a:extLst>
+              <a:ext uri="{28A0092B-C50C-407E-A947-70E740481C1C}">
+                <a14:useLocalDpi xmlns:a14="http://schemas.microsoft.com/office/drawing/2010/main" val="0"/>
+              </a:ext>
+            </a:extLst>
+          </a:blip>
+          <a:stretch>
+            <a:fillRect/>
+          </a:stretch>
+        </p:blipFill>
+        <p:spPr>
+          <a:xfrm>
+            <a:off x="8996702" y="5531167"/>
+            <a:ext cx="702655" cy="702655"/>
+          </a:xfrm>
+          <a:prstGeom prst="rect">
+            <a:avLst/>
+          </a:prstGeom>
+        </p:spPr>
+      </p:pic>
+      <p:cxnSp>
+        <p:nvCxnSpPr>
+          <p:cNvPr id="15" name="直接箭头连接符 14">
+            <a:extLst>
+              <a:ext uri="{FF2B5EF4-FFF2-40B4-BE49-F238E27FC236}">
+                <a16:creationId xmlns:a16="http://schemas.microsoft.com/office/drawing/2014/main" id="{4261C161-42F2-5DDC-6BA8-DA2B80BF7031}"/>
+              </a:ext>
+            </a:extLst>
+          </p:cNvPr>
+          <p:cNvCxnSpPr>
+            <a:stCxn id="10" idx="2"/>
+            <a:endCxn id="12" idx="0"/>
+          </p:cNvCxnSpPr>
+          <p:nvPr/>
+        </p:nvCxnSpPr>
+        <p:spPr>
+          <a:xfrm>
+            <a:off x="9348030" y="2393342"/>
+            <a:ext cx="0" cy="1172601"/>
+          </a:xfrm>
+          <a:prstGeom prst="straightConnector1">
+            <a:avLst/>
+          </a:prstGeom>
+          <a:ln w="12700">
+            <a:tailEnd type="triangle"/>
+          </a:ln>
+        </p:spPr>
+        <p:style>
+          <a:lnRef idx="1">
+            <a:schemeClr val="dk1"/>
+          </a:lnRef>
+          <a:fillRef idx="0">
+            <a:schemeClr val="dk1"/>
+          </a:fillRef>
+          <a:effectRef idx="0">
+            <a:schemeClr val="dk1"/>
+          </a:effectRef>
+          <a:fontRef idx="minor">
+            <a:schemeClr val="tx1"/>
+          </a:fontRef>
+        </p:style>
+      </p:cxnSp>
+      <p:cxnSp>
+        <p:nvCxnSpPr>
+          <p:cNvPr id="16" name="直接箭头连接符 15">
+            <a:extLst>
+              <a:ext uri="{FF2B5EF4-FFF2-40B4-BE49-F238E27FC236}">
+                <a16:creationId xmlns:a16="http://schemas.microsoft.com/office/drawing/2014/main" id="{B65D8072-1517-A32C-49A2-19B21632BAA7}"/>
+              </a:ext>
+            </a:extLst>
+          </p:cNvPr>
+          <p:cNvCxnSpPr>
+            <a:cxnSpLocks/>
+            <a:stCxn id="12" idx="2"/>
+            <a:endCxn id="13" idx="0"/>
+          </p:cNvCxnSpPr>
+          <p:nvPr/>
+        </p:nvCxnSpPr>
+        <p:spPr>
+          <a:xfrm>
+            <a:off x="9348030" y="4358566"/>
+            <a:ext cx="0" cy="1172601"/>
+          </a:xfrm>
+          <a:prstGeom prst="straightConnector1">
+            <a:avLst/>
+          </a:prstGeom>
+          <a:ln w="12700">
+            <a:tailEnd type="triangle"/>
+          </a:ln>
+        </p:spPr>
+        <p:style>
+          <a:lnRef idx="1">
+            <a:schemeClr val="dk1"/>
+          </a:lnRef>
+          <a:fillRef idx="0">
+            <a:schemeClr val="dk1"/>
+          </a:fillRef>
+          <a:effectRef idx="0">
+            <a:schemeClr val="dk1"/>
+          </a:effectRef>
+          <a:fontRef idx="minor">
+            <a:schemeClr val="tx1"/>
+          </a:fontRef>
+        </p:style>
+      </p:cxnSp>
+      <p:sp>
+        <p:nvSpPr>
+          <p:cNvPr id="19" name="文本框 18">
+            <a:extLst>
+              <a:ext uri="{FF2B5EF4-FFF2-40B4-BE49-F238E27FC236}">
+                <a16:creationId xmlns:a16="http://schemas.microsoft.com/office/drawing/2014/main" id="{3E3984D7-61EE-1F0F-3B75-AA7B9FD8E29A}"/>
+              </a:ext>
+            </a:extLst>
+          </p:cNvPr>
+          <p:cNvSpPr txBox="1"/>
+          <p:nvPr/>
+        </p:nvSpPr>
+        <p:spPr>
+          <a:xfrm>
+            <a:off x="9744341" y="1848762"/>
+            <a:ext cx="1184745" cy="369332"/>
+          </a:xfrm>
+          <a:prstGeom prst="rect">
+            <a:avLst/>
+          </a:prstGeom>
+          <a:noFill/>
+        </p:spPr>
+        <p:txBody>
+          <a:bodyPr wrap="square" rtlCol="0">
+            <a:spAutoFit/>
+          </a:bodyPr>
+          <a:lstStyle/>
+          <a:p>
+            <a:r>
+              <a:rPr lang="en-US" altLang="zh-CN" dirty="0"/>
+              <a:t>Lambda A</a:t>
+            </a:r>
+            <a:endParaRPr lang="zh-CN" altLang="en-US" dirty="0"/>
+          </a:p>
+        </p:txBody>
+      </p:sp>
+      <p:sp>
+        <p:nvSpPr>
+          <p:cNvPr id="20" name="文本框 19">
+            <a:extLst>
+              <a:ext uri="{FF2B5EF4-FFF2-40B4-BE49-F238E27FC236}">
+                <a16:creationId xmlns:a16="http://schemas.microsoft.com/office/drawing/2014/main" id="{CF305E4C-2FC4-DE95-8C03-F9D8BD9CD7ED}"/>
+              </a:ext>
+            </a:extLst>
+          </p:cNvPr>
+          <p:cNvSpPr txBox="1"/>
+          <p:nvPr/>
+        </p:nvSpPr>
+        <p:spPr>
+          <a:xfrm>
+            <a:off x="9734056" y="3777588"/>
+            <a:ext cx="1184745" cy="369332"/>
+          </a:xfrm>
+          <a:prstGeom prst="rect">
+            <a:avLst/>
+          </a:prstGeom>
+          <a:noFill/>
+        </p:spPr>
+        <p:txBody>
+          <a:bodyPr wrap="square" rtlCol="0">
+            <a:spAutoFit/>
+          </a:bodyPr>
+          <a:lstStyle/>
+          <a:p>
+            <a:r>
+              <a:rPr lang="en-US" altLang="zh-CN" dirty="0" err="1"/>
+              <a:t>MyQueue</a:t>
+            </a:r>
+            <a:endParaRPr lang="zh-CN" altLang="en-US" dirty="0"/>
+          </a:p>
+        </p:txBody>
+      </p:sp>
+      <p:sp>
+        <p:nvSpPr>
+          <p:cNvPr id="21" name="文本框 20">
+            <a:extLst>
+              <a:ext uri="{FF2B5EF4-FFF2-40B4-BE49-F238E27FC236}">
+                <a16:creationId xmlns:a16="http://schemas.microsoft.com/office/drawing/2014/main" id="{C35AC2B5-FB1E-D67C-C0C6-33C74EDE1BCD}"/>
+              </a:ext>
+            </a:extLst>
+          </p:cNvPr>
+          <p:cNvSpPr txBox="1"/>
+          <p:nvPr/>
+        </p:nvSpPr>
+        <p:spPr>
+          <a:xfrm>
+            <a:off x="9744341" y="5697828"/>
+            <a:ext cx="1184745" cy="369332"/>
+          </a:xfrm>
+          <a:prstGeom prst="rect">
+            <a:avLst/>
+          </a:prstGeom>
+          <a:noFill/>
+        </p:spPr>
+        <p:txBody>
+          <a:bodyPr wrap="square" rtlCol="0">
+            <a:spAutoFit/>
+          </a:bodyPr>
+          <a:lstStyle/>
+          <a:p>
+            <a:r>
+              <a:rPr lang="en-US" altLang="zh-CN" dirty="0"/>
+              <a:t>Lambda B</a:t>
+            </a:r>
+            <a:endParaRPr lang="zh-CN" altLang="en-US" dirty="0"/>
+          </a:p>
+        </p:txBody>
+      </p:sp>
+      <p:cxnSp>
+        <p:nvCxnSpPr>
+          <p:cNvPr id="23" name="直接箭头连接符 22">
+            <a:extLst>
+              <a:ext uri="{FF2B5EF4-FFF2-40B4-BE49-F238E27FC236}">
+                <a16:creationId xmlns:a16="http://schemas.microsoft.com/office/drawing/2014/main" id="{CF8AD7A9-7DE6-3E35-81C0-19E3FDAAD4B8}"/>
+              </a:ext>
+            </a:extLst>
+          </p:cNvPr>
+          <p:cNvCxnSpPr>
+            <a:cxnSpLocks/>
+            <a:endCxn id="10" idx="1"/>
+          </p:cNvCxnSpPr>
+          <p:nvPr/>
+        </p:nvCxnSpPr>
+        <p:spPr>
+          <a:xfrm flipV="1">
+            <a:off x="4738977" y="2042015"/>
+            <a:ext cx="4257725" cy="351327"/>
+          </a:xfrm>
+          <a:prstGeom prst="straightConnector1">
+            <a:avLst/>
+          </a:prstGeom>
+          <a:ln w="19050">
+            <a:prstDash val="dash"/>
+            <a:tailEnd type="triangle"/>
+          </a:ln>
+        </p:spPr>
+        <p:style>
+          <a:lnRef idx="1">
+            <a:schemeClr val="dk1"/>
+          </a:lnRef>
+          <a:fillRef idx="0">
+            <a:schemeClr val="dk1"/>
+          </a:fillRef>
+          <a:effectRef idx="0">
+            <a:schemeClr val="dk1"/>
+          </a:effectRef>
+          <a:fontRef idx="minor">
+            <a:schemeClr val="tx1"/>
+          </a:fontRef>
+        </p:style>
+      </p:cxnSp>
+      <p:cxnSp>
+        <p:nvCxnSpPr>
+          <p:cNvPr id="25" name="直接箭头连接符 24">
+            <a:extLst>
+              <a:ext uri="{FF2B5EF4-FFF2-40B4-BE49-F238E27FC236}">
+                <a16:creationId xmlns:a16="http://schemas.microsoft.com/office/drawing/2014/main" id="{DE3FB037-40ED-2E6A-63FF-75876FEF37E1}"/>
+              </a:ext>
+            </a:extLst>
+          </p:cNvPr>
+          <p:cNvCxnSpPr>
+            <a:cxnSpLocks/>
+            <a:endCxn id="12" idx="1"/>
+          </p:cNvCxnSpPr>
+          <p:nvPr/>
+        </p:nvCxnSpPr>
+        <p:spPr>
+          <a:xfrm>
+            <a:off x="4961614" y="3389090"/>
+            <a:ext cx="3990104" cy="573165"/>
+          </a:xfrm>
+          <a:prstGeom prst="straightConnector1">
+            <a:avLst/>
+          </a:prstGeom>
+          <a:ln w="19050">
+            <a:prstDash val="dash"/>
+            <a:tailEnd type="triangle"/>
+          </a:ln>
+        </p:spPr>
+        <p:style>
+          <a:lnRef idx="1">
+            <a:schemeClr val="dk1"/>
+          </a:lnRef>
+          <a:fillRef idx="0">
+            <a:schemeClr val="dk1"/>
+          </a:fillRef>
+          <a:effectRef idx="0">
+            <a:schemeClr val="dk1"/>
+          </a:effectRef>
+          <a:fontRef idx="minor">
+            <a:schemeClr val="tx1"/>
+          </a:fontRef>
+        </p:style>
+      </p:cxnSp>
+      <p:cxnSp>
+        <p:nvCxnSpPr>
+          <p:cNvPr id="28" name="直接箭头连接符 27">
+            <a:extLst>
+              <a:ext uri="{FF2B5EF4-FFF2-40B4-BE49-F238E27FC236}">
+                <a16:creationId xmlns:a16="http://schemas.microsoft.com/office/drawing/2014/main" id="{9BF68190-9CD0-787A-13B6-875E446A4481}"/>
+              </a:ext>
+            </a:extLst>
+          </p:cNvPr>
+          <p:cNvCxnSpPr>
+            <a:cxnSpLocks/>
+          </p:cNvCxnSpPr>
+          <p:nvPr/>
+        </p:nvCxnSpPr>
+        <p:spPr>
+          <a:xfrm flipV="1">
+            <a:off x="6288498" y="2782536"/>
+            <a:ext cx="2974772" cy="1245851"/>
+          </a:xfrm>
+          <a:prstGeom prst="straightConnector1">
+            <a:avLst/>
+          </a:prstGeom>
+          <a:ln w="19050">
+            <a:prstDash val="dash"/>
+            <a:tailEnd type="triangle"/>
+          </a:ln>
+        </p:spPr>
+        <p:style>
+          <a:lnRef idx="1">
+            <a:schemeClr val="dk1"/>
+          </a:lnRef>
+          <a:fillRef idx="0">
+            <a:schemeClr val="dk1"/>
+          </a:fillRef>
+          <a:effectRef idx="0">
+            <a:schemeClr val="dk1"/>
+          </a:effectRef>
+          <a:fontRef idx="minor">
+            <a:schemeClr val="tx1"/>
+          </a:fontRef>
+        </p:style>
+      </p:cxnSp>
+      <p:cxnSp>
+        <p:nvCxnSpPr>
+          <p:cNvPr id="31" name="直接箭头连接符 30">
+            <a:extLst>
+              <a:ext uri="{FF2B5EF4-FFF2-40B4-BE49-F238E27FC236}">
+                <a16:creationId xmlns:a16="http://schemas.microsoft.com/office/drawing/2014/main" id="{A6B54FD4-1AD3-87C0-610C-C0D8EA086F6E}"/>
+              </a:ext>
+            </a:extLst>
+          </p:cNvPr>
+          <p:cNvCxnSpPr>
+            <a:cxnSpLocks/>
+            <a:endCxn id="13" idx="1"/>
+          </p:cNvCxnSpPr>
+          <p:nvPr/>
+        </p:nvCxnSpPr>
+        <p:spPr>
+          <a:xfrm>
+            <a:off x="5351228" y="5231958"/>
+            <a:ext cx="3645474" cy="650537"/>
+          </a:xfrm>
+          <a:prstGeom prst="straightConnector1">
+            <a:avLst/>
+          </a:prstGeom>
+          <a:ln w="19050">
+            <a:prstDash val="dash"/>
+            <a:tailEnd type="triangle"/>
+          </a:ln>
+        </p:spPr>
+        <p:style>
+          <a:lnRef idx="1">
+            <a:schemeClr val="dk1"/>
+          </a:lnRef>
+          <a:fillRef idx="0">
+            <a:schemeClr val="dk1"/>
+          </a:fillRef>
+          <a:effectRef idx="0">
+            <a:schemeClr val="dk1"/>
+          </a:effectRef>
+          <a:fontRef idx="minor">
+            <a:schemeClr val="tx1"/>
+          </a:fontRef>
+        </p:style>
+      </p:cxnSp>
+      <p:cxnSp>
+        <p:nvCxnSpPr>
+          <p:cNvPr id="34" name="直接箭头连接符 33">
+            <a:extLst>
+              <a:ext uri="{FF2B5EF4-FFF2-40B4-BE49-F238E27FC236}">
+                <a16:creationId xmlns:a16="http://schemas.microsoft.com/office/drawing/2014/main" id="{328F56E6-7512-49C9-4A84-EE9B1F685A57}"/>
+              </a:ext>
+            </a:extLst>
+          </p:cNvPr>
+          <p:cNvCxnSpPr>
+            <a:cxnSpLocks/>
+          </p:cNvCxnSpPr>
+          <p:nvPr/>
+        </p:nvCxnSpPr>
+        <p:spPr>
+          <a:xfrm flipV="1">
+            <a:off x="6225871" y="4887550"/>
+            <a:ext cx="3037399" cy="1117471"/>
+          </a:xfrm>
+          <a:prstGeom prst="straightConnector1">
+            <a:avLst/>
+          </a:prstGeom>
+          <a:ln w="19050">
+            <a:prstDash val="dash"/>
+            <a:tailEnd type="triangle"/>
+          </a:ln>
+        </p:spPr>
+        <p:style>
+          <a:lnRef idx="1">
+            <a:schemeClr val="dk1"/>
+          </a:lnRef>
+          <a:fillRef idx="0">
+            <a:schemeClr val="dk1"/>
+          </a:fillRef>
+          <a:effectRef idx="0">
+            <a:schemeClr val="dk1"/>
+          </a:effectRef>
+          <a:fontRef idx="minor">
+            <a:schemeClr val="tx1"/>
+          </a:fontRef>
+        </p:style>
+      </p:cxnSp>
+    </p:spTree>
+    <p:extLst>
+      <p:ext uri="{BB962C8B-B14F-4D97-AF65-F5344CB8AC3E}">
+        <p14:creationId xmlns:p14="http://schemas.microsoft.com/office/powerpoint/2010/main" val="4209309058"/>
+      </p:ext>
+    </p:extLst>
+  </p:cSld>
+  <p:clrMapOvr>
+    <a:masterClrMapping/>
+  </p:clrMapOvr>
+</p:sld>
+</file>
+
+<file path=ppt/slides/slide25.xml><?xml version="1.0" encoding="utf-8"?>
+<p:sld xmlns:a="http://schemas.openxmlformats.org/drawingml/2006/main" xmlns:r="http://schemas.openxmlformats.org/officeDocument/2006/relationships" xmlns:p="http://schemas.openxmlformats.org/presentationml/2006/main" show="0">
+  <p:cSld>
+    <p:spTree>
+      <p:nvGrpSpPr>
+        <p:cNvPr id="1" name=""/>
+        <p:cNvGrpSpPr/>
+        <p:nvPr/>
+      </p:nvGrpSpPr>
+      <p:grpSpPr>
+        <a:xfrm>
+          <a:off x="0" y="0"/>
+          <a:ext cx="0" cy="0"/>
+          <a:chOff x="0" y="0"/>
+          <a:chExt cx="0" cy="0"/>
+        </a:xfrm>
+      </p:grpSpPr>
+      <p:sp>
+        <p:nvSpPr>
+          <p:cNvPr id="2" name="标题 1">
+            <a:extLst>
+              <a:ext uri="{FF2B5EF4-FFF2-40B4-BE49-F238E27FC236}">
+                <a16:creationId xmlns:a16="http://schemas.microsoft.com/office/drawing/2014/main" id="{F30CBE1B-D008-F09C-D95E-BBF8AD13308B}"/>
+              </a:ext>
+            </a:extLst>
+          </p:cNvPr>
+          <p:cNvSpPr>
+            <a:spLocks noGrp="1"/>
+          </p:cNvSpPr>
+          <p:nvPr>
+            <p:ph type="title"/>
+          </p:nvPr>
+        </p:nvSpPr>
+        <p:spPr/>
+        <p:txBody>
+          <a:bodyPr/>
+          <a:lstStyle/>
+          <a:p>
+            <a:r>
+              <a:rPr lang="en-US" altLang="zh-CN" dirty="0"/>
+              <a:t>A Typical AWS Lambda Architecture</a:t>
+            </a:r>
+            <a:endParaRPr lang="zh-CN" altLang="en-US" dirty="0"/>
+          </a:p>
+        </p:txBody>
+      </p:sp>
+      <p:pic>
+        <p:nvPicPr>
+          <p:cNvPr id="6" name="内容占位符 5" descr="图形用户界面, 应用程序&#10;&#10;描述已自动生成">
+            <a:extLst>
+              <a:ext uri="{FF2B5EF4-FFF2-40B4-BE49-F238E27FC236}">
+                <a16:creationId xmlns:a16="http://schemas.microsoft.com/office/drawing/2014/main" id="{FE1E807B-B39A-2966-53DD-3AD14E0B7E0D}"/>
+              </a:ext>
+            </a:extLst>
+          </p:cNvPr>
+          <p:cNvPicPr>
+            <a:picLocks noGrp="1" noChangeAspect="1"/>
+          </p:cNvPicPr>
+          <p:nvPr>
+            <p:ph idx="1"/>
+          </p:nvPr>
+        </p:nvPicPr>
+        <p:blipFill>
+          <a:blip r:embed="rId2">
+            <a:extLst>
+              <a:ext uri="{28A0092B-C50C-407E-A947-70E740481C1C}">
+                <a14:useLocalDpi xmlns:a14="http://schemas.microsoft.com/office/drawing/2010/main" val="0"/>
+              </a:ext>
+            </a:extLst>
+          </a:blip>
+          <a:stretch>
+            <a:fillRect/>
+          </a:stretch>
+        </p:blipFill>
+        <p:spPr>
+          <a:xfrm>
+            <a:off x="3379304" y="1853775"/>
+            <a:ext cx="5097669" cy="4867699"/>
+          </a:xfrm>
+        </p:spPr>
+      </p:pic>
+      <p:sp>
+        <p:nvSpPr>
+          <p:cNvPr id="4" name="灯片编号占位符 3">
+            <a:extLst>
+              <a:ext uri="{FF2B5EF4-FFF2-40B4-BE49-F238E27FC236}">
+                <a16:creationId xmlns:a16="http://schemas.microsoft.com/office/drawing/2014/main" id="{2CDBCAFD-476F-6FB8-85D2-A9F521ABAD86}"/>
+              </a:ext>
+            </a:extLst>
+          </p:cNvPr>
+          <p:cNvSpPr>
+            <a:spLocks noGrp="1"/>
+          </p:cNvSpPr>
+          <p:nvPr>
+            <p:ph type="sldNum" sz="quarter" idx="12"/>
+          </p:nvPr>
+        </p:nvSpPr>
+        <p:spPr/>
+        <p:txBody>
+          <a:bodyPr/>
+          <a:lstStyle/>
+          <a:p>
+            <a:fld id="{A28059E6-AE8B-428C-9632-7EEB8C37C8BE}" type="slidenum">
+              <a:rPr lang="zh-CN" altLang="en-US" smtClean="0"/>
+              <a:t>25</a:t>
+            </a:fld>
+            <a:endParaRPr lang="zh-CN" altLang="en-US"/>
+          </a:p>
+        </p:txBody>
+      </p:sp>
+    </p:spTree>
+    <p:extLst>
+      <p:ext uri="{BB962C8B-B14F-4D97-AF65-F5344CB8AC3E}">
+        <p14:creationId xmlns:p14="http://schemas.microsoft.com/office/powerpoint/2010/main" val="135537564"/>
       </p:ext>
     </p:extLst>
   </p:cSld>
@@ -23722,7 +26054,7 @@
           <a:p>
             <a:pPr lvl="1"/>
             <a:r>
-              <a:rPr lang="en-US" altLang="zh-CN" dirty="0"/>
+              <a:rPr lang="en-US" altLang="zh-CN" b="1" dirty="0"/>
               <a:t>Design review meeting</a:t>
             </a:r>
           </a:p>
@@ -23741,14 +26073,14 @@
           <a:p>
             <a:pPr lvl="1"/>
             <a:r>
-              <a:rPr lang="en-US" altLang="zh-CN" dirty="0"/>
+              <a:rPr lang="en-US" altLang="zh-CN" b="1" dirty="0"/>
               <a:t>User stories, Tasks, and Backlog</a:t>
             </a:r>
           </a:p>
           <a:p>
             <a:pPr lvl="1"/>
             <a:r>
-              <a:rPr lang="en-US" altLang="zh-CN" dirty="0"/>
+              <a:rPr lang="en-US" altLang="zh-CN" b="1" dirty="0"/>
               <a:t>Architecture design</a:t>
             </a:r>
           </a:p>
@@ -23823,7 +26155,7 @@
         </p:xfrm>
         <a:graphic>
           <a:graphicData uri="http://schemas.openxmlformats.org/drawingml/2006/diagram">
-            <dgm:relIds xmlns:dgm="http://schemas.openxmlformats.org/drawingml/2006/diagram" xmlns:r="http://schemas.openxmlformats.org/officeDocument/2006/relationships" r:dm="rId2" r:lo="rId3" r:qs="rId4" r:cs="rId5"/>
+            <dgm:relIds xmlns:dgm="http://schemas.openxmlformats.org/drawingml/2006/diagram" xmlns:r="http://schemas.openxmlformats.org/officeDocument/2006/relationships" r:dm="rId3" r:lo="rId4" r:qs="rId5" r:cs="rId6"/>
           </a:graphicData>
         </a:graphic>
       </p:graphicFrame>
@@ -23930,7 +26262,7 @@
           <a:p>
             <a:pPr lvl="1"/>
             <a:r>
-              <a:rPr lang="en-US" altLang="zh-CN" dirty="0"/>
+              <a:rPr lang="en-US" altLang="zh-CN" b="1" dirty="0"/>
               <a:t>Whiteboard design session</a:t>
             </a:r>
           </a:p>
@@ -23956,14 +26288,14 @@
           <a:p>
             <a:pPr lvl="1"/>
             <a:r>
-              <a:rPr lang="en-US" altLang="zh-CN" dirty="0"/>
+              <a:rPr lang="en-US" altLang="zh-CN" b="1" dirty="0"/>
               <a:t>Code review</a:t>
             </a:r>
           </a:p>
           <a:p>
             <a:pPr lvl="1"/>
             <a:r>
-              <a:rPr lang="en-US" altLang="zh-CN" dirty="0"/>
+              <a:rPr lang="en-US" altLang="zh-CN" b="1" dirty="0"/>
               <a:t>Testing &amp; Static Analyzers</a:t>
             </a:r>
           </a:p>
@@ -24739,10 +27071,10 @@
       </p:grpSpPr>
       <p:sp>
         <p:nvSpPr>
-          <p:cNvPr id="2" name="标题 1">
+          <p:cNvPr id="5" name="标题 4">
             <a:extLst>
               <a:ext uri="{FF2B5EF4-FFF2-40B4-BE49-F238E27FC236}">
-                <a16:creationId xmlns:a16="http://schemas.microsoft.com/office/drawing/2014/main" id="{97587C41-8D49-FCD3-C6B2-42A6AB388465}"/>
+                <a16:creationId xmlns:a16="http://schemas.microsoft.com/office/drawing/2014/main" id="{76D59D0E-B566-204C-C4EE-A4E4F918E8F0}"/>
               </a:ext>
             </a:extLst>
           </p:cNvPr>
@@ -24760,7 +27092,7 @@
           <a:p>
             <a:r>
               <a:rPr lang="en-US" altLang="zh-CN" dirty="0"/>
-              <a:t>High Quality Code! But…</a:t>
+              <a:t>Thoughts</a:t>
             </a:r>
             <a:endParaRPr lang="zh-CN" altLang="en-US" dirty="0"/>
           </a:p>
@@ -24768,10 +27100,10 @@
       </p:sp>
       <p:sp>
         <p:nvSpPr>
-          <p:cNvPr id="3" name="内容占位符 2">
+          <p:cNvPr id="6" name="文本占位符 5">
             <a:extLst>
               <a:ext uri="{FF2B5EF4-FFF2-40B4-BE49-F238E27FC236}">
-                <a16:creationId xmlns:a16="http://schemas.microsoft.com/office/drawing/2014/main" id="{ED5A0F28-58BA-B54A-7528-63591A1A6DCB}"/>
+                <a16:creationId xmlns:a16="http://schemas.microsoft.com/office/drawing/2014/main" id="{44F28DFA-1FD0-7DDC-189F-861C8684E124}"/>
               </a:ext>
             </a:extLst>
           </p:cNvPr>
@@ -24779,7 +27111,7 @@
             <a:spLocks noGrp="1"/>
           </p:cNvSpPr>
           <p:nvPr>
-            <p:ph idx="1"/>
+            <p:ph type="body" idx="1"/>
           </p:nvPr>
         </p:nvSpPr>
         <p:spPr/>
@@ -24787,91 +27119,15 @@
           <a:bodyPr/>
           <a:lstStyle/>
           <a:p>
-            <a:pPr marL="0" indent="0">
-              <a:buNone/>
-            </a:pPr>
+            <a:r>
+              <a:rPr lang="en-US" altLang="zh-CN"/>
+              <a:t>Agile, Formal </a:t>
+            </a:r>
             <a:r>
               <a:rPr lang="en-US" altLang="zh-CN" dirty="0"/>
-              <a:t>Meetings, Meetings, Meetings! 40% ~ 50% time in meetings!</a:t>
-            </a:r>
-          </a:p>
-          <a:p>
-            <a:pPr lvl="1"/>
-            <a:r>
-              <a:rPr lang="en-US" altLang="zh-CN" dirty="0"/>
-              <a:t>Good for knowledge sharing but not efficient for everyone.</a:t>
-            </a:r>
-          </a:p>
-          <a:p>
-            <a:pPr marL="0" indent="0">
-              <a:spcBef>
-                <a:spcPts val="1200"/>
-              </a:spcBef>
-              <a:buNone/>
-            </a:pPr>
-            <a:r>
-              <a:rPr lang="en-US" altLang="zh-CN" dirty="0"/>
-              <a:t>Great documentation on requirements, design, review, etc.</a:t>
-            </a:r>
-          </a:p>
-          <a:p>
-            <a:pPr lvl="1"/>
-            <a:r>
-              <a:rPr lang="en-US" altLang="zh-CN" dirty="0"/>
-              <a:t>Not all the artifacts are up-to-date.</a:t>
-            </a:r>
-          </a:p>
-          <a:p>
-            <a:pPr lvl="1"/>
-            <a:r>
-              <a:rPr lang="en-US" altLang="zh-CN" dirty="0"/>
-              <a:t>Does not meet CMU standard </a:t>
-            </a:r>
-            <a:r>
-              <a:rPr lang="en-US" altLang="zh-CN" dirty="0">
-                <a:sym typeface="Wingdings" panose="05000000000000000000" pitchFamily="2" charset="2"/>
-              </a:rPr>
-              <a:t></a:t>
-            </a:r>
-            <a:endParaRPr lang="en-US" altLang="zh-CN" dirty="0"/>
-          </a:p>
-          <a:p>
-            <a:pPr marL="0" indent="0">
-              <a:spcBef>
-                <a:spcPts val="1200"/>
-              </a:spcBef>
-              <a:buNone/>
-            </a:pPr>
-            <a:r>
-              <a:rPr lang="en-US" altLang="zh-CN" dirty="0"/>
-              <a:t>Apply various techniques for ensuring code quality such as static checkers.</a:t>
-            </a:r>
-          </a:p>
-          <a:p>
-            <a:pPr lvl="1"/>
-            <a:r>
-              <a:rPr lang="en-US" altLang="zh-CN" dirty="0"/>
-              <a:t>Sometimes conflicting configurations are found.</a:t>
-            </a:r>
-          </a:p>
-          <a:p>
-            <a:pPr lvl="1"/>
-            <a:r>
-              <a:rPr lang="en-US" altLang="zh-CN" dirty="0"/>
-              <a:t>E.g., require using </a:t>
-            </a:r>
-            <a:r>
-              <a:rPr lang="en-US" altLang="zh-CN" i="1" dirty="0"/>
-              <a:t>this </a:t>
-            </a:r>
-            <a:r>
-              <a:rPr lang="en-US" altLang="zh-CN" dirty="0"/>
-              <a:t>keyword in one project but not in another.</a:t>
-            </a:r>
-          </a:p>
-          <a:p>
-            <a:pPr lvl="1"/>
-            <a:endParaRPr lang="en-US" altLang="zh-CN" dirty="0"/>
+              <a:t>methods, Software design &amp; analysis, AI</a:t>
+            </a:r>
+            <a:endParaRPr lang="zh-CN" altLang="en-US" dirty="0"/>
           </a:p>
         </p:txBody>
       </p:sp>
@@ -24880,7 +27136,7 @@
           <p:cNvPr id="4" name="灯片编号占位符 3">
             <a:extLst>
               <a:ext uri="{FF2B5EF4-FFF2-40B4-BE49-F238E27FC236}">
-                <a16:creationId xmlns:a16="http://schemas.microsoft.com/office/drawing/2014/main" id="{5F05579B-6A05-EF6C-90E6-9446AEC04BB6}"/>
+                <a16:creationId xmlns:a16="http://schemas.microsoft.com/office/drawing/2014/main" id="{112CB3DA-1122-446A-8BA5-3760B26BA243}"/>
               </a:ext>
             </a:extLst>
           </p:cNvPr>
@@ -24907,265 +27163,13 @@
     </p:spTree>
     <p:extLst>
       <p:ext uri="{BB962C8B-B14F-4D97-AF65-F5344CB8AC3E}">
-        <p14:creationId xmlns:p14="http://schemas.microsoft.com/office/powerpoint/2010/main" val="3481657547"/>
+        <p14:creationId xmlns:p14="http://schemas.microsoft.com/office/powerpoint/2010/main" val="2006099127"/>
       </p:ext>
     </p:extLst>
   </p:cSld>
   <p:clrMapOvr>
     <a:masterClrMapping/>
   </p:clrMapOvr>
-  <p:timing>
-    <p:tnLst>
-      <p:par>
-        <p:cTn id="1" dur="indefinite" restart="never" nodeType="tmRoot">
-          <p:childTnLst>
-            <p:seq concurrent="1" nextAc="seek">
-              <p:cTn id="2" dur="indefinite" nodeType="mainSeq">
-                <p:childTnLst>
-                  <p:par>
-                    <p:cTn id="3" fill="hold">
-                      <p:stCondLst>
-                        <p:cond delay="indefinite"/>
-                      </p:stCondLst>
-                      <p:childTnLst>
-                        <p:par>
-                          <p:cTn id="4" fill="hold">
-                            <p:stCondLst>
-                              <p:cond delay="0"/>
-                            </p:stCondLst>
-                            <p:childTnLst>
-                              <p:par>
-                                <p:cTn id="5" presetID="1" presetClass="entr" presetSubtype="0" fill="hold" nodeType="clickEffect">
-                                  <p:stCondLst>
-                                    <p:cond delay="0"/>
-                                  </p:stCondLst>
-                                  <p:childTnLst>
-                                    <p:set>
-                                      <p:cBhvr>
-                                        <p:cTn id="6" dur="1" fill="hold">
-                                          <p:stCondLst>
-                                            <p:cond delay="0"/>
-                                          </p:stCondLst>
-                                        </p:cTn>
-                                        <p:tgtEl>
-                                          <p:spTgt spid="3">
-                                            <p:txEl>
-                                              <p:pRg st="2" end="2"/>
-                                            </p:txEl>
-                                          </p:spTgt>
-                                        </p:tgtEl>
-                                        <p:attrNameLst>
-                                          <p:attrName>style.visibility</p:attrName>
-                                        </p:attrNameLst>
-                                      </p:cBhvr>
-                                      <p:to>
-                                        <p:strVal val="visible"/>
-                                      </p:to>
-                                    </p:set>
-                                  </p:childTnLst>
-                                </p:cTn>
-                              </p:par>
-                              <p:par>
-                                <p:cTn id="7" presetID="1" presetClass="entr" presetSubtype="0" fill="hold" nodeType="withEffect">
-                                  <p:stCondLst>
-                                    <p:cond delay="0"/>
-                                  </p:stCondLst>
-                                  <p:childTnLst>
-                                    <p:set>
-                                      <p:cBhvr>
-                                        <p:cTn id="8" dur="1" fill="hold">
-                                          <p:stCondLst>
-                                            <p:cond delay="0"/>
-                                          </p:stCondLst>
-                                        </p:cTn>
-                                        <p:tgtEl>
-                                          <p:spTgt spid="3">
-                                            <p:txEl>
-                                              <p:pRg st="3" end="3"/>
-                                            </p:txEl>
-                                          </p:spTgt>
-                                        </p:tgtEl>
-                                        <p:attrNameLst>
-                                          <p:attrName>style.visibility</p:attrName>
-                                        </p:attrNameLst>
-                                      </p:cBhvr>
-                                      <p:to>
-                                        <p:strVal val="visible"/>
-                                      </p:to>
-                                    </p:set>
-                                  </p:childTnLst>
-                                </p:cTn>
-                              </p:par>
-                              <p:par>
-                                <p:cTn id="9" presetID="1" presetClass="entr" presetSubtype="0" fill="hold" nodeType="withEffect">
-                                  <p:stCondLst>
-                                    <p:cond delay="0"/>
-                                  </p:stCondLst>
-                                  <p:childTnLst>
-                                    <p:set>
-                                      <p:cBhvr>
-                                        <p:cTn id="10" dur="1" fill="hold">
-                                          <p:stCondLst>
-                                            <p:cond delay="0"/>
-                                          </p:stCondLst>
-                                        </p:cTn>
-                                        <p:tgtEl>
-                                          <p:spTgt spid="3">
-                                            <p:txEl>
-                                              <p:pRg st="4" end="4"/>
-                                            </p:txEl>
-                                          </p:spTgt>
-                                        </p:tgtEl>
-                                        <p:attrNameLst>
-                                          <p:attrName>style.visibility</p:attrName>
-                                        </p:attrNameLst>
-                                      </p:cBhvr>
-                                      <p:to>
-                                        <p:strVal val="visible"/>
-                                      </p:to>
-                                    </p:set>
-                                  </p:childTnLst>
-                                </p:cTn>
-                              </p:par>
-                            </p:childTnLst>
-                          </p:cTn>
-                        </p:par>
-                      </p:childTnLst>
-                    </p:cTn>
-                  </p:par>
-                  <p:par>
-                    <p:cTn id="11" fill="hold">
-                      <p:stCondLst>
-                        <p:cond delay="indefinite"/>
-                      </p:stCondLst>
-                      <p:childTnLst>
-                        <p:par>
-                          <p:cTn id="12" fill="hold">
-                            <p:stCondLst>
-                              <p:cond delay="0"/>
-                            </p:stCondLst>
-                            <p:childTnLst>
-                              <p:par>
-                                <p:cTn id="13" presetID="1" presetClass="entr" presetSubtype="0" fill="hold" nodeType="clickEffect">
-                                  <p:stCondLst>
-                                    <p:cond delay="0"/>
-                                  </p:stCondLst>
-                                  <p:childTnLst>
-                                    <p:set>
-                                      <p:cBhvr>
-                                        <p:cTn id="14" dur="1" fill="hold">
-                                          <p:stCondLst>
-                                            <p:cond delay="0"/>
-                                          </p:stCondLst>
-                                        </p:cTn>
-                                        <p:tgtEl>
-                                          <p:spTgt spid="3">
-                                            <p:txEl>
-                                              <p:pRg st="5" end="5"/>
-                                            </p:txEl>
-                                          </p:spTgt>
-                                        </p:tgtEl>
-                                        <p:attrNameLst>
-                                          <p:attrName>style.visibility</p:attrName>
-                                        </p:attrNameLst>
-                                      </p:cBhvr>
-                                      <p:to>
-                                        <p:strVal val="visible"/>
-                                      </p:to>
-                                    </p:set>
-                                  </p:childTnLst>
-                                </p:cTn>
-                              </p:par>
-                              <p:par>
-                                <p:cTn id="15" presetID="1" presetClass="entr" presetSubtype="0" fill="hold" nodeType="withEffect">
-                                  <p:stCondLst>
-                                    <p:cond delay="0"/>
-                                  </p:stCondLst>
-                                  <p:childTnLst>
-                                    <p:set>
-                                      <p:cBhvr>
-                                        <p:cTn id="16" dur="1" fill="hold">
-                                          <p:stCondLst>
-                                            <p:cond delay="0"/>
-                                          </p:stCondLst>
-                                        </p:cTn>
-                                        <p:tgtEl>
-                                          <p:spTgt spid="3">
-                                            <p:txEl>
-                                              <p:pRg st="6" end="6"/>
-                                            </p:txEl>
-                                          </p:spTgt>
-                                        </p:tgtEl>
-                                        <p:attrNameLst>
-                                          <p:attrName>style.visibility</p:attrName>
-                                        </p:attrNameLst>
-                                      </p:cBhvr>
-                                      <p:to>
-                                        <p:strVal val="visible"/>
-                                      </p:to>
-                                    </p:set>
-                                  </p:childTnLst>
-                                </p:cTn>
-                              </p:par>
-                              <p:par>
-                                <p:cTn id="17" presetID="1" presetClass="entr" presetSubtype="0" fill="hold" nodeType="withEffect">
-                                  <p:stCondLst>
-                                    <p:cond delay="0"/>
-                                  </p:stCondLst>
-                                  <p:childTnLst>
-                                    <p:set>
-                                      <p:cBhvr>
-                                        <p:cTn id="18" dur="1" fill="hold">
-                                          <p:stCondLst>
-                                            <p:cond delay="0"/>
-                                          </p:stCondLst>
-                                        </p:cTn>
-                                        <p:tgtEl>
-                                          <p:spTgt spid="3">
-                                            <p:txEl>
-                                              <p:pRg st="7" end="7"/>
-                                            </p:txEl>
-                                          </p:spTgt>
-                                        </p:tgtEl>
-                                        <p:attrNameLst>
-                                          <p:attrName>style.visibility</p:attrName>
-                                        </p:attrNameLst>
-                                      </p:cBhvr>
-                                      <p:to>
-                                        <p:strVal val="visible"/>
-                                      </p:to>
-                                    </p:set>
-                                  </p:childTnLst>
-                                </p:cTn>
-                              </p:par>
-                            </p:childTnLst>
-                          </p:cTn>
-                        </p:par>
-                      </p:childTnLst>
-                    </p:cTn>
-                  </p:par>
-                </p:childTnLst>
-              </p:cTn>
-              <p:prevCondLst>
-                <p:cond evt="onPrev" delay="0">
-                  <p:tgtEl>
-                    <p:sldTgt/>
-                  </p:tgtEl>
-                </p:cond>
-              </p:prevCondLst>
-              <p:nextCondLst>
-                <p:cond evt="onNext" delay="0">
-                  <p:tgtEl>
-                    <p:sldTgt/>
-                  </p:tgtEl>
-                </p:cond>
-              </p:nextCondLst>
-            </p:seq>
-          </p:childTnLst>
-        </p:cTn>
-      </p:par>
-    </p:tnLst>
-  </p:timing>
 </p:sld>
 </file>
 
